--- a/Milestone 1/Milestone 1 Report Out.pptx
+++ b/Milestone 1/Milestone 1 Report Out.pptx
@@ -1,51 +1,33 @@
 
 <file path=ppt/presentation.xml><?xml version="1.0" encoding="utf-8"?>
-<p:presentation xmlns:a="http://schemas.openxmlformats.org/drawingml/2006/main" xmlns:r="http://schemas.openxmlformats.org/officeDocument/2006/relationships" xmlns:mc="http://schemas.openxmlformats.org/markup-compatibility/2006" xmlns:mv="urn:schemas-microsoft-com:mac:vml" xmlns:p="http://schemas.openxmlformats.org/presentationml/2006/main" xmlns:c="http://schemas.openxmlformats.org/drawingml/2006/chart" xmlns:dgm="http://schemas.openxmlformats.org/drawingml/2006/diagram" xmlns:o="urn:schemas-microsoft-com:office:office" xmlns:v="urn:schemas-microsoft-com:vml" xmlns:pvml="urn:schemas-microsoft-com:office:powerpoint" xmlns:com="http://schemas.openxmlformats.org/drawingml/2006/compatibility" xmlns:p14="http://schemas.microsoft.com/office/powerpoint/2010/main" xmlns:p15="http://schemas.microsoft.com/office/powerpoint/2012/main" autoCompressPictures="0" embedTrueTypeFonts="1" strictFirstAndLastChars="0" saveSubsetFonts="1">
+<p:presentation xmlns:a="http://schemas.openxmlformats.org/drawingml/2006/main" xmlns:r="http://schemas.openxmlformats.org/officeDocument/2006/relationships" xmlns:p="http://schemas.openxmlformats.org/presentationml/2006/main" strictFirstAndLastChars="0" embedTrueTypeFonts="1" saveSubsetFonts="1" autoCompressPictures="0">
   <p:sldMasterIdLst>
-    <p:sldMasterId id="2147483660" r:id="rId3"/>
+    <p:sldMasterId id="2147483660" r:id="rId1"/>
   </p:sldMasterIdLst>
   <p:notesMasterIdLst>
-    <p:notesMasterId r:id="rId4"/>
+    <p:notesMasterId r:id="rId17"/>
   </p:notesMasterIdLst>
   <p:sldIdLst>
-    <p:sldId id="256" r:id="rId5"/>
-    <p:sldId id="257" r:id="rId6"/>
-    <p:sldId id="258" r:id="rId7"/>
-    <p:sldId id="259" r:id="rId8"/>
-    <p:sldId id="260" r:id="rId9"/>
-    <p:sldId id="261" r:id="rId10"/>
-    <p:sldId id="262" r:id="rId11"/>
-    <p:sldId id="263" r:id="rId12"/>
-    <p:sldId id="264" r:id="rId13"/>
-    <p:sldId id="265" r:id="rId14"/>
-    <p:sldId id="266" r:id="rId15"/>
-    <p:sldId id="267" r:id="rId16"/>
-    <p:sldId id="268" r:id="rId17"/>
-    <p:sldId id="269" r:id="rId18"/>
-    <p:sldId id="270" r:id="rId19"/>
+    <p:sldId id="256" r:id="rId2"/>
+    <p:sldId id="257" r:id="rId3"/>
+    <p:sldId id="258" r:id="rId4"/>
+    <p:sldId id="259" r:id="rId5"/>
+    <p:sldId id="260" r:id="rId6"/>
+    <p:sldId id="261" r:id="rId7"/>
+    <p:sldId id="262" r:id="rId8"/>
+    <p:sldId id="263" r:id="rId9"/>
+    <p:sldId id="264" r:id="rId10"/>
+    <p:sldId id="265" r:id="rId11"/>
+    <p:sldId id="266" r:id="rId12"/>
+    <p:sldId id="267" r:id="rId13"/>
+    <p:sldId id="268" r:id="rId14"/>
+    <p:sldId id="269" r:id="rId15"/>
+    <p:sldId id="270" r:id="rId16"/>
   </p:sldIdLst>
-  <p:sldSz cy="6858000" cx="12192000"/>
+  <p:sldSz cx="12192000" cy="6858000"/>
   <p:notesSz cx="6858000" cy="9144000"/>
-  <p:embeddedFontLst>
-    <p:embeddedFont>
-      <p:font typeface="Roboto Slab"/>
-      <p:regular r:id="rId20"/>
-      <p:bold r:id="rId21"/>
-    </p:embeddedFont>
-    <p:embeddedFont>
-      <p:font typeface="Roboto"/>
-      <p:regular r:id="rId22"/>
-      <p:bold r:id="rId23"/>
-      <p:italic r:id="rId24"/>
-      <p:boldItalic r:id="rId25"/>
-    </p:embeddedFont>
-    <p:embeddedFont>
-      <p:font typeface="Lobster"/>
-      <p:regular r:id="rId26"/>
-    </p:embeddedFont>
-  </p:embeddedFontLst>
   <p:defaultTextStyle>
-    <a:defPPr lvl="0" marR="0" rtl="0" algn="l">
+    <a:defPPr marR="0" lvl="0" algn="l" rtl="0">
       <a:lnSpc>
         <a:spcPct val="100000"/>
       </a:lnSpc>
@@ -56,7 +38,7 @@
         <a:spcPts val="0"/>
       </a:spcAft>
     </a:defPPr>
-    <a:lvl1pPr lvl="0" marR="0" rtl="0" algn="l">
+    <a:lvl1pPr marR="0" lvl="0" algn="l" rtl="0">
       <a:lnSpc>
         <a:spcPct val="100000"/>
       </a:lnSpc>
@@ -70,7 +52,7 @@
         <a:srgbClr val="000000"/>
       </a:buClr>
       <a:buFont typeface="Arial"/>
-      <a:defRPr b="0" i="0" sz="1400" u="none" cap="none" strike="noStrike">
+      <a:defRPr sz="1400" b="0" i="0" u="none" strike="noStrike" cap="none">
         <a:solidFill>
           <a:srgbClr val="000000"/>
         </a:solidFill>
@@ -80,7 +62,7 @@
         <a:sym typeface="Arial"/>
       </a:defRPr>
     </a:lvl1pPr>
-    <a:lvl2pPr lvl="1" marR="0" rtl="0" algn="l">
+    <a:lvl2pPr marR="0" lvl="1" algn="l" rtl="0">
       <a:lnSpc>
         <a:spcPct val="100000"/>
       </a:lnSpc>
@@ -94,7 +76,7 @@
         <a:srgbClr val="000000"/>
       </a:buClr>
       <a:buFont typeface="Arial"/>
-      <a:defRPr b="0" i="0" sz="1400" u="none" cap="none" strike="noStrike">
+      <a:defRPr sz="1400" b="0" i="0" u="none" strike="noStrike" cap="none">
         <a:solidFill>
           <a:srgbClr val="000000"/>
         </a:solidFill>
@@ -104,7 +86,7 @@
         <a:sym typeface="Arial"/>
       </a:defRPr>
     </a:lvl2pPr>
-    <a:lvl3pPr lvl="2" marR="0" rtl="0" algn="l">
+    <a:lvl3pPr marR="0" lvl="2" algn="l" rtl="0">
       <a:lnSpc>
         <a:spcPct val="100000"/>
       </a:lnSpc>
@@ -118,7 +100,7 @@
         <a:srgbClr val="000000"/>
       </a:buClr>
       <a:buFont typeface="Arial"/>
-      <a:defRPr b="0" i="0" sz="1400" u="none" cap="none" strike="noStrike">
+      <a:defRPr sz="1400" b="0" i="0" u="none" strike="noStrike" cap="none">
         <a:solidFill>
           <a:srgbClr val="000000"/>
         </a:solidFill>
@@ -128,7 +110,7 @@
         <a:sym typeface="Arial"/>
       </a:defRPr>
     </a:lvl3pPr>
-    <a:lvl4pPr lvl="3" marR="0" rtl="0" algn="l">
+    <a:lvl4pPr marR="0" lvl="3" algn="l" rtl="0">
       <a:lnSpc>
         <a:spcPct val="100000"/>
       </a:lnSpc>
@@ -142,7 +124,7 @@
         <a:srgbClr val="000000"/>
       </a:buClr>
       <a:buFont typeface="Arial"/>
-      <a:defRPr b="0" i="0" sz="1400" u="none" cap="none" strike="noStrike">
+      <a:defRPr sz="1400" b="0" i="0" u="none" strike="noStrike" cap="none">
         <a:solidFill>
           <a:srgbClr val="000000"/>
         </a:solidFill>
@@ -152,7 +134,7 @@
         <a:sym typeface="Arial"/>
       </a:defRPr>
     </a:lvl4pPr>
-    <a:lvl5pPr lvl="4" marR="0" rtl="0" algn="l">
+    <a:lvl5pPr marR="0" lvl="4" algn="l" rtl="0">
       <a:lnSpc>
         <a:spcPct val="100000"/>
       </a:lnSpc>
@@ -166,7 +148,7 @@
         <a:srgbClr val="000000"/>
       </a:buClr>
       <a:buFont typeface="Arial"/>
-      <a:defRPr b="0" i="0" sz="1400" u="none" cap="none" strike="noStrike">
+      <a:defRPr sz="1400" b="0" i="0" u="none" strike="noStrike" cap="none">
         <a:solidFill>
           <a:srgbClr val="000000"/>
         </a:solidFill>
@@ -176,7 +158,7 @@
         <a:sym typeface="Arial"/>
       </a:defRPr>
     </a:lvl5pPr>
-    <a:lvl6pPr lvl="5" marR="0" rtl="0" algn="l">
+    <a:lvl6pPr marR="0" lvl="5" algn="l" rtl="0">
       <a:lnSpc>
         <a:spcPct val="100000"/>
       </a:lnSpc>
@@ -190,7 +172,7 @@
         <a:srgbClr val="000000"/>
       </a:buClr>
       <a:buFont typeface="Arial"/>
-      <a:defRPr b="0" i="0" sz="1400" u="none" cap="none" strike="noStrike">
+      <a:defRPr sz="1400" b="0" i="0" u="none" strike="noStrike" cap="none">
         <a:solidFill>
           <a:srgbClr val="000000"/>
         </a:solidFill>
@@ -200,7 +182,7 @@
         <a:sym typeface="Arial"/>
       </a:defRPr>
     </a:lvl6pPr>
-    <a:lvl7pPr lvl="6" marR="0" rtl="0" algn="l">
+    <a:lvl7pPr marR="0" lvl="6" algn="l" rtl="0">
       <a:lnSpc>
         <a:spcPct val="100000"/>
       </a:lnSpc>
@@ -214,7 +196,7 @@
         <a:srgbClr val="000000"/>
       </a:buClr>
       <a:buFont typeface="Arial"/>
-      <a:defRPr b="0" i="0" sz="1400" u="none" cap="none" strike="noStrike">
+      <a:defRPr sz="1400" b="0" i="0" u="none" strike="noStrike" cap="none">
         <a:solidFill>
           <a:srgbClr val="000000"/>
         </a:solidFill>
@@ -224,7 +206,7 @@
         <a:sym typeface="Arial"/>
       </a:defRPr>
     </a:lvl7pPr>
-    <a:lvl8pPr lvl="7" marR="0" rtl="0" algn="l">
+    <a:lvl8pPr marR="0" lvl="7" algn="l" rtl="0">
       <a:lnSpc>
         <a:spcPct val="100000"/>
       </a:lnSpc>
@@ -238,7 +220,7 @@
         <a:srgbClr val="000000"/>
       </a:buClr>
       <a:buFont typeface="Arial"/>
-      <a:defRPr b="0" i="0" sz="1400" u="none" cap="none" strike="noStrike">
+      <a:defRPr sz="1400" b="0" i="0" u="none" strike="noStrike" cap="none">
         <a:solidFill>
           <a:srgbClr val="000000"/>
         </a:solidFill>
@@ -248,7 +230,7 @@
         <a:sym typeface="Arial"/>
       </a:defRPr>
     </a:lvl8pPr>
-    <a:lvl9pPr lvl="8" marR="0" rtl="0" algn="l">
+    <a:lvl9pPr marR="0" lvl="8" algn="l" rtl="0">
       <a:lnSpc>
         <a:spcPct val="100000"/>
       </a:lnSpc>
@@ -262,7 +244,7 @@
         <a:srgbClr val="000000"/>
       </a:buClr>
       <a:buFont typeface="Arial"/>
-      <a:defRPr b="0" i="0" sz="1400" u="none" cap="none" strike="noStrike">
+      <a:defRPr sz="1400" b="0" i="0" u="none" strike="noStrike" cap="none">
         <a:solidFill>
           <a:srgbClr val="000000"/>
         </a:solidFill>
@@ -277,11 +259,16 @@
 </file>
 
 <file path=ppt/notesMasters/notesMaster1.xml><?xml version="1.0" encoding="utf-8"?>
-<p:notesMaster xmlns:a="http://schemas.openxmlformats.org/drawingml/2006/main" xmlns:r="http://schemas.openxmlformats.org/officeDocument/2006/relationships" xmlns:mc="http://schemas.openxmlformats.org/markup-compatibility/2006" xmlns:mv="urn:schemas-microsoft-com:mac:vml" xmlns:p="http://schemas.openxmlformats.org/presentationml/2006/main" xmlns:c="http://schemas.openxmlformats.org/drawingml/2006/chart" xmlns:dgm="http://schemas.openxmlformats.org/drawingml/2006/diagram" xmlns:o="urn:schemas-microsoft-com:office:office" xmlns:v="urn:schemas-microsoft-com:vml" xmlns:pvml="urn:schemas-microsoft-com:office:powerpoint" xmlns:com="http://schemas.openxmlformats.org/drawingml/2006/compatibility" xmlns:p14="http://schemas.microsoft.com/office/powerpoint/2010/main" xmlns:p15="http://schemas.microsoft.com/office/powerpoint/2012/main">
+<p:notesMaster xmlns:a="http://schemas.openxmlformats.org/drawingml/2006/main" xmlns:r="http://schemas.openxmlformats.org/officeDocument/2006/relationships" xmlns:p="http://schemas.openxmlformats.org/presentationml/2006/main">
   <p:cSld>
+    <p:bg>
+      <p:bgRef idx="1001">
+        <a:schemeClr val="bg1"/>
+      </p:bgRef>
+    </p:bg>
     <p:spTree>
       <p:nvGrpSpPr>
-        <p:cNvPr id="2" name="Shape 2"/>
+        <p:cNvPr id="1" name="Shape 2"/>
         <p:cNvGrpSpPr/>
         <p:nvPr/>
       </p:nvGrpSpPr>
@@ -296,9 +283,11 @@
       <p:sp>
         <p:nvSpPr>
           <p:cNvPr id="3" name="Google Shape;3;n"/>
-          <p:cNvSpPr/>
+          <p:cNvSpPr>
+            <a:spLocks noGrp="1" noRot="1" noChangeAspect="1"/>
+          </p:cNvSpPr>
           <p:nvPr>
-            <p:ph idx="2" type="sldImg"/>
+            <p:ph type="sldImg" idx="2"/>
           </p:nvPr>
         </p:nvSpPr>
         <p:spPr>
@@ -307,9 +296,13 @@
             <a:ext cx="4572225" cy="3429000"/>
           </a:xfrm>
           <a:custGeom>
-            <a:rect b="b" l="l" r="r" t="t"/>
+            <a:avLst/>
+            <a:gdLst/>
+            <a:ahLst/>
+            <a:cxnLst/>
+            <a:rect l="l" t="t" r="r" b="b"/>
             <a:pathLst>
-              <a:path extrusionOk="0" h="120000" w="120000">
+              <a:path w="120000" h="120000" extrusionOk="0">
                 <a:moveTo>
                   <a:pt x="0" y="0"/>
                 </a:moveTo>
@@ -327,23 +320,25 @@
             </a:pathLst>
           </a:custGeom>
           <a:noFill/>
-          <a:ln cap="flat" cmpd="sng" w="9525">
+          <a:ln w="9525" cap="flat" cmpd="sng">
             <a:solidFill>
               <a:srgbClr val="000000"/>
             </a:solidFill>
             <a:prstDash val="solid"/>
             <a:round/>
-            <a:headEnd len="sm" w="sm" type="none"/>
-            <a:tailEnd len="sm" w="sm" type="none"/>
+            <a:headEnd type="none" w="sm" len="sm"/>
+            <a:tailEnd type="none" w="sm" len="sm"/>
           </a:ln>
         </p:spPr>
       </p:sp>
       <p:sp>
         <p:nvSpPr>
           <p:cNvPr id="4" name="Google Shape;4;n"/>
-          <p:cNvSpPr txBox="1"/>
+          <p:cNvSpPr txBox="1">
+            <a:spLocks noGrp="1"/>
+          </p:cNvSpPr>
           <p:nvPr>
-            <p:ph idx="1" type="body"/>
+            <p:ph type="body" idx="1"/>
           </p:nvPr>
         </p:nvSpPr>
         <p:spPr>
@@ -360,9 +355,9 @@
           </a:ln>
         </p:spPr>
         <p:txBody>
-          <a:bodyPr anchorCtr="0" anchor="t" bIns="91425" lIns="91425" spcFirstLastPara="1" rIns="91425" wrap="square" tIns="91425"/>
+          <a:bodyPr spcFirstLastPara="1" wrap="square" lIns="91425" tIns="91425" rIns="91425" bIns="91425" anchor="t" anchorCtr="0"/>
           <a:lstStyle>
-            <a:lvl1pPr indent="-298450" lvl="0" marL="457200">
+            <a:lvl1pPr marL="457200" lvl="0" indent="-298450">
               <a:spcBef>
                 <a:spcPts val="0"/>
               </a:spcBef>
@@ -373,7 +368,7 @@
               <a:buChar char="●"/>
               <a:defRPr sz="1100"/>
             </a:lvl1pPr>
-            <a:lvl2pPr indent="-298450" lvl="1" marL="914400">
+            <a:lvl2pPr marL="914400" lvl="1" indent="-298450">
               <a:spcBef>
                 <a:spcPts val="0"/>
               </a:spcBef>
@@ -384,7 +379,7 @@
               <a:buChar char="○"/>
               <a:defRPr sz="1100"/>
             </a:lvl2pPr>
-            <a:lvl3pPr indent="-298450" lvl="2" marL="1371600">
+            <a:lvl3pPr marL="1371600" lvl="2" indent="-298450">
               <a:spcBef>
                 <a:spcPts val="0"/>
               </a:spcBef>
@@ -395,7 +390,7 @@
               <a:buChar char="■"/>
               <a:defRPr sz="1100"/>
             </a:lvl3pPr>
-            <a:lvl4pPr indent="-298450" lvl="3" marL="1828800">
+            <a:lvl4pPr marL="1828800" lvl="3" indent="-298450">
               <a:spcBef>
                 <a:spcPts val="0"/>
               </a:spcBef>
@@ -406,7 +401,7 @@
               <a:buChar char="●"/>
               <a:defRPr sz="1100"/>
             </a:lvl4pPr>
-            <a:lvl5pPr indent="-298450" lvl="4" marL="2286000">
+            <a:lvl5pPr marL="2286000" lvl="4" indent="-298450">
               <a:spcBef>
                 <a:spcPts val="0"/>
               </a:spcBef>
@@ -417,7 +412,7 @@
               <a:buChar char="○"/>
               <a:defRPr sz="1100"/>
             </a:lvl5pPr>
-            <a:lvl6pPr indent="-298450" lvl="5" marL="2743200">
+            <a:lvl6pPr marL="2743200" lvl="5" indent="-298450">
               <a:spcBef>
                 <a:spcPts val="0"/>
               </a:spcBef>
@@ -428,7 +423,7 @@
               <a:buChar char="■"/>
               <a:defRPr sz="1100"/>
             </a:lvl6pPr>
-            <a:lvl7pPr indent="-298450" lvl="6" marL="3200400">
+            <a:lvl7pPr marL="3200400" lvl="6" indent="-298450">
               <a:spcBef>
                 <a:spcPts val="0"/>
               </a:spcBef>
@@ -439,7 +434,7 @@
               <a:buChar char="●"/>
               <a:defRPr sz="1100"/>
             </a:lvl7pPr>
-            <a:lvl8pPr indent="-298450" lvl="7" marL="3657600">
+            <a:lvl8pPr marL="3657600" lvl="7" indent="-298450">
               <a:spcBef>
                 <a:spcPts val="0"/>
               </a:spcBef>
@@ -450,7 +445,7 @@
               <a:buChar char="○"/>
               <a:defRPr sz="1100"/>
             </a:lvl8pPr>
-            <a:lvl9pPr indent="-298450" lvl="8" marL="4114800">
+            <a:lvl9pPr marL="4114800" lvl="8" indent="-298450">
               <a:spcBef>
                 <a:spcPts val="0"/>
               </a:spcBef>
@@ -462,14 +457,21 @@
               <a:defRPr sz="1100"/>
             </a:lvl9pPr>
           </a:lstStyle>
-          <a:p/>
+          <a:p>
+            <a:endParaRPr/>
+          </a:p>
         </p:txBody>
       </p:sp>
     </p:spTree>
+    <p:extLst>
+      <p:ext uri="{BB962C8B-B14F-4D97-AF65-F5344CB8AC3E}">
+        <p14:creationId xmlns:p14="http://schemas.microsoft.com/office/powerpoint/2010/main" val="3506000060"/>
+      </p:ext>
+    </p:extLst>
   </p:cSld>
-  <p:clrMap accent1="accent1" accent2="accent2" accent3="accent3" accent4="accent4" accent5="accent5" accent6="accent6" bg1="lt1" bg2="dk2" tx1="dk1" tx2="lt2" folHlink="folHlink" hlink="hlink"/>
+  <p:clrMap bg1="lt1" tx1="dk1" bg2="dk2" tx2="lt2" accent1="accent1" accent2="accent2" accent3="accent3" accent4="accent4" accent5="accent5" accent6="accent6" hlink="hlink" folHlink="folHlink"/>
   <p:notesStyle>
-    <a:defPPr lvl="0" marR="0" rtl="0" algn="l">
+    <a:defPPr marR="0" lvl="0" algn="l" rtl="0">
       <a:lnSpc>
         <a:spcPct val="100000"/>
       </a:lnSpc>
@@ -480,7 +482,7 @@
         <a:spcPts val="0"/>
       </a:spcAft>
     </a:defPPr>
-    <a:lvl1pPr lvl="0" marR="0" rtl="0" algn="l">
+    <a:lvl1pPr marR="0" lvl="0" algn="l" rtl="0">
       <a:lnSpc>
         <a:spcPct val="100000"/>
       </a:lnSpc>
@@ -494,7 +496,7 @@
         <a:srgbClr val="000000"/>
       </a:buClr>
       <a:buFont typeface="Arial"/>
-      <a:defRPr b="0" i="0" sz="1400" u="none" cap="none" strike="noStrike">
+      <a:defRPr sz="1400" b="0" i="0" u="none" strike="noStrike" cap="none">
         <a:solidFill>
           <a:srgbClr val="000000"/>
         </a:solidFill>
@@ -504,7 +506,7 @@
         <a:sym typeface="Arial"/>
       </a:defRPr>
     </a:lvl1pPr>
-    <a:lvl2pPr lvl="1" marR="0" rtl="0" algn="l">
+    <a:lvl2pPr marR="0" lvl="1" algn="l" rtl="0">
       <a:lnSpc>
         <a:spcPct val="100000"/>
       </a:lnSpc>
@@ -518,7 +520,7 @@
         <a:srgbClr val="000000"/>
       </a:buClr>
       <a:buFont typeface="Arial"/>
-      <a:defRPr b="0" i="0" sz="1400" u="none" cap="none" strike="noStrike">
+      <a:defRPr sz="1400" b="0" i="0" u="none" strike="noStrike" cap="none">
         <a:solidFill>
           <a:srgbClr val="000000"/>
         </a:solidFill>
@@ -528,7 +530,7 @@
         <a:sym typeface="Arial"/>
       </a:defRPr>
     </a:lvl2pPr>
-    <a:lvl3pPr lvl="2" marR="0" rtl="0" algn="l">
+    <a:lvl3pPr marR="0" lvl="2" algn="l" rtl="0">
       <a:lnSpc>
         <a:spcPct val="100000"/>
       </a:lnSpc>
@@ -542,7 +544,7 @@
         <a:srgbClr val="000000"/>
       </a:buClr>
       <a:buFont typeface="Arial"/>
-      <a:defRPr b="0" i="0" sz="1400" u="none" cap="none" strike="noStrike">
+      <a:defRPr sz="1400" b="0" i="0" u="none" strike="noStrike" cap="none">
         <a:solidFill>
           <a:srgbClr val="000000"/>
         </a:solidFill>
@@ -552,7 +554,7 @@
         <a:sym typeface="Arial"/>
       </a:defRPr>
     </a:lvl3pPr>
-    <a:lvl4pPr lvl="3" marR="0" rtl="0" algn="l">
+    <a:lvl4pPr marR="0" lvl="3" algn="l" rtl="0">
       <a:lnSpc>
         <a:spcPct val="100000"/>
       </a:lnSpc>
@@ -566,7 +568,7 @@
         <a:srgbClr val="000000"/>
       </a:buClr>
       <a:buFont typeface="Arial"/>
-      <a:defRPr b="0" i="0" sz="1400" u="none" cap="none" strike="noStrike">
+      <a:defRPr sz="1400" b="0" i="0" u="none" strike="noStrike" cap="none">
         <a:solidFill>
           <a:srgbClr val="000000"/>
         </a:solidFill>
@@ -576,7 +578,7 @@
         <a:sym typeface="Arial"/>
       </a:defRPr>
     </a:lvl4pPr>
-    <a:lvl5pPr lvl="4" marR="0" rtl="0" algn="l">
+    <a:lvl5pPr marR="0" lvl="4" algn="l" rtl="0">
       <a:lnSpc>
         <a:spcPct val="100000"/>
       </a:lnSpc>
@@ -590,7 +592,7 @@
         <a:srgbClr val="000000"/>
       </a:buClr>
       <a:buFont typeface="Arial"/>
-      <a:defRPr b="0" i="0" sz="1400" u="none" cap="none" strike="noStrike">
+      <a:defRPr sz="1400" b="0" i="0" u="none" strike="noStrike" cap="none">
         <a:solidFill>
           <a:srgbClr val="000000"/>
         </a:solidFill>
@@ -600,7 +602,7 @@
         <a:sym typeface="Arial"/>
       </a:defRPr>
     </a:lvl5pPr>
-    <a:lvl6pPr lvl="5" marR="0" rtl="0" algn="l">
+    <a:lvl6pPr marR="0" lvl="5" algn="l" rtl="0">
       <a:lnSpc>
         <a:spcPct val="100000"/>
       </a:lnSpc>
@@ -614,7 +616,7 @@
         <a:srgbClr val="000000"/>
       </a:buClr>
       <a:buFont typeface="Arial"/>
-      <a:defRPr b="0" i="0" sz="1400" u="none" cap="none" strike="noStrike">
+      <a:defRPr sz="1400" b="0" i="0" u="none" strike="noStrike" cap="none">
         <a:solidFill>
           <a:srgbClr val="000000"/>
         </a:solidFill>
@@ -624,7 +626,7 @@
         <a:sym typeface="Arial"/>
       </a:defRPr>
     </a:lvl6pPr>
-    <a:lvl7pPr lvl="6" marR="0" rtl="0" algn="l">
+    <a:lvl7pPr marR="0" lvl="6" algn="l" rtl="0">
       <a:lnSpc>
         <a:spcPct val="100000"/>
       </a:lnSpc>
@@ -638,7 +640,7 @@
         <a:srgbClr val="000000"/>
       </a:buClr>
       <a:buFont typeface="Arial"/>
-      <a:defRPr b="0" i="0" sz="1400" u="none" cap="none" strike="noStrike">
+      <a:defRPr sz="1400" b="0" i="0" u="none" strike="noStrike" cap="none">
         <a:solidFill>
           <a:srgbClr val="000000"/>
         </a:solidFill>
@@ -648,7 +650,7 @@
         <a:sym typeface="Arial"/>
       </a:defRPr>
     </a:lvl7pPr>
-    <a:lvl8pPr lvl="7" marR="0" rtl="0" algn="l">
+    <a:lvl8pPr marR="0" lvl="7" algn="l" rtl="0">
       <a:lnSpc>
         <a:spcPct val="100000"/>
       </a:lnSpc>
@@ -662,7 +664,7 @@
         <a:srgbClr val="000000"/>
       </a:buClr>
       <a:buFont typeface="Arial"/>
-      <a:defRPr b="0" i="0" sz="1400" u="none" cap="none" strike="noStrike">
+      <a:defRPr sz="1400" b="0" i="0" u="none" strike="noStrike" cap="none">
         <a:solidFill>
           <a:srgbClr val="000000"/>
         </a:solidFill>
@@ -672,7 +674,7 @@
         <a:sym typeface="Arial"/>
       </a:defRPr>
     </a:lvl8pPr>
-    <a:lvl9pPr lvl="8" marR="0" rtl="0" algn="l">
+    <a:lvl9pPr marR="0" lvl="8" algn="l" rtl="0">
       <a:lnSpc>
         <a:spcPct val="100000"/>
       </a:lnSpc>
@@ -686,7 +688,7 @@
         <a:srgbClr val="000000"/>
       </a:buClr>
       <a:buFont typeface="Arial"/>
-      <a:defRPr b="0" i="0" sz="1400" u="none" cap="none" strike="noStrike">
+      <a:defRPr sz="1400" b="0" i="0" u="none" strike="noStrike" cap="none">
         <a:solidFill>
           <a:srgbClr val="000000"/>
         </a:solidFill>
@@ -701,11 +703,11 @@
 </file>
 
 <file path=ppt/notesSlides/notesSlide1.xml><?xml version="1.0" encoding="utf-8"?>
-<p:notes xmlns:a="http://schemas.openxmlformats.org/drawingml/2006/main" xmlns:r="http://schemas.openxmlformats.org/officeDocument/2006/relationships" xmlns:mc="http://schemas.openxmlformats.org/markup-compatibility/2006" xmlns:mv="urn:schemas-microsoft-com:mac:vml" xmlns:p="http://schemas.openxmlformats.org/presentationml/2006/main" xmlns:c="http://schemas.openxmlformats.org/drawingml/2006/chart" xmlns:dgm="http://schemas.openxmlformats.org/drawingml/2006/diagram" xmlns:o="urn:schemas-microsoft-com:office:office" xmlns:v="urn:schemas-microsoft-com:vml" xmlns:pvml="urn:schemas-microsoft-com:office:powerpoint" xmlns:com="http://schemas.openxmlformats.org/drawingml/2006/compatibility" xmlns:p14="http://schemas.microsoft.com/office/powerpoint/2010/main" xmlns:p15="http://schemas.microsoft.com/office/powerpoint/2012/main" showMasterPhAnim="0" showMasterSp="0">
+<p:notes xmlns:a="http://schemas.openxmlformats.org/drawingml/2006/main" xmlns:r="http://schemas.openxmlformats.org/officeDocument/2006/relationships" xmlns:p="http://schemas.openxmlformats.org/presentationml/2006/main" showMasterSp="0" showMasterPhAnim="0">
   <p:cSld>
     <p:spTree>
       <p:nvGrpSpPr>
-        <p:cNvPr id="65" name="Shape 65"/>
+        <p:cNvPr id="1" name="Shape 65"/>
         <p:cNvGrpSpPr/>
         <p:nvPr/>
       </p:nvGrpSpPr>
@@ -720,9 +722,11 @@
       <p:sp>
         <p:nvSpPr>
           <p:cNvPr id="66" name="Google Shape;66;p1:notes"/>
-          <p:cNvSpPr txBox="1"/>
+          <p:cNvSpPr txBox="1">
+            <a:spLocks noGrp="1"/>
+          </p:cNvSpPr>
           <p:nvPr>
-            <p:ph idx="1" type="body"/>
+            <p:ph type="body" idx="1"/>
           </p:nvPr>
         </p:nvSpPr>
         <p:spPr>
@@ -735,12 +739,12 @@
           </a:prstGeom>
         </p:spPr>
         <p:txBody>
-          <a:bodyPr anchorCtr="0" anchor="t" bIns="91425" lIns="91425" spcFirstLastPara="1" rIns="91425" wrap="square" tIns="91425">
+          <a:bodyPr spcFirstLastPara="1" wrap="square" lIns="91425" tIns="91425" rIns="91425" bIns="91425" anchor="t" anchorCtr="0">
             <a:noAutofit/>
           </a:bodyPr>
           <a:lstStyle/>
           <a:p>
-            <a:pPr indent="0" lvl="0" marL="0" rtl="0" algn="l">
+            <a:pPr marL="0" lvl="0" indent="0" algn="l" rtl="0">
               <a:spcBef>
                 <a:spcPts val="0"/>
               </a:spcBef>
@@ -749,9 +753,6 @@
               </a:spcAft>
               <a:buNone/>
             </a:pPr>
-            <a:r>
-              <a:t/>
-            </a:r>
             <a:endParaRPr/>
           </a:p>
         </p:txBody>
@@ -759,9 +760,11 @@
       <p:sp>
         <p:nvSpPr>
           <p:cNvPr id="67" name="Google Shape;67;p1:notes"/>
-          <p:cNvSpPr/>
+          <p:cNvSpPr>
+            <a:spLocks noGrp="1" noRot="1" noChangeAspect="1"/>
+          </p:cNvSpPr>
           <p:nvPr>
-            <p:ph idx="2" type="sldImg"/>
+            <p:ph type="sldImg" idx="2"/>
           </p:nvPr>
         </p:nvSpPr>
         <p:spPr>
@@ -770,9 +773,13 @@
             <a:ext cx="4572225" cy="3429000"/>
           </a:xfrm>
           <a:custGeom>
-            <a:rect b="b" l="l" r="r" t="t"/>
+            <a:avLst/>
+            <a:gdLst/>
+            <a:ahLst/>
+            <a:cxnLst/>
+            <a:rect l="l" t="t" r="r" b="b"/>
             <a:pathLst>
-              <a:path extrusionOk="0" h="120000" w="120000">
+              <a:path w="120000" h="120000" extrusionOk="0">
                 <a:moveTo>
                   <a:pt x="0" y="0"/>
                 </a:moveTo>
@@ -800,11 +807,11 @@
 </file>
 
 <file path=ppt/notesSlides/notesSlide10.xml><?xml version="1.0" encoding="utf-8"?>
-<p:notes xmlns:a="http://schemas.openxmlformats.org/drawingml/2006/main" xmlns:r="http://schemas.openxmlformats.org/officeDocument/2006/relationships" xmlns:mc="http://schemas.openxmlformats.org/markup-compatibility/2006" xmlns:mv="urn:schemas-microsoft-com:mac:vml" xmlns:p="http://schemas.openxmlformats.org/presentationml/2006/main" xmlns:c="http://schemas.openxmlformats.org/drawingml/2006/chart" xmlns:dgm="http://schemas.openxmlformats.org/drawingml/2006/diagram" xmlns:o="urn:schemas-microsoft-com:office:office" xmlns:v="urn:schemas-microsoft-com:vml" xmlns:pvml="urn:schemas-microsoft-com:office:powerpoint" xmlns:com="http://schemas.openxmlformats.org/drawingml/2006/compatibility" xmlns:p14="http://schemas.microsoft.com/office/powerpoint/2010/main" xmlns:p15="http://schemas.microsoft.com/office/powerpoint/2012/main" showMasterPhAnim="0" showMasterSp="0">
+<p:notes xmlns:a="http://schemas.openxmlformats.org/drawingml/2006/main" xmlns:r="http://schemas.openxmlformats.org/officeDocument/2006/relationships" xmlns:p="http://schemas.openxmlformats.org/presentationml/2006/main" showMasterSp="0" showMasterPhAnim="0">
   <p:cSld>
     <p:spTree>
       <p:nvGrpSpPr>
-        <p:cNvPr id="119" name="Shape 119"/>
+        <p:cNvPr id="1" name="Shape 119"/>
         <p:cNvGrpSpPr/>
         <p:nvPr/>
       </p:nvGrpSpPr>
@@ -819,9 +826,11 @@
       <p:sp>
         <p:nvSpPr>
           <p:cNvPr id="120" name="Google Shape;120;g42dcf3a53c_2_6:notes"/>
-          <p:cNvSpPr/>
+          <p:cNvSpPr>
+            <a:spLocks noGrp="1" noRot="1" noChangeAspect="1"/>
+          </p:cNvSpPr>
           <p:nvPr>
-            <p:ph idx="2" type="sldImg"/>
+            <p:ph type="sldImg" idx="2"/>
           </p:nvPr>
         </p:nvSpPr>
         <p:spPr>
@@ -830,9 +839,13 @@
             <a:ext cx="4572300" cy="3429000"/>
           </a:xfrm>
           <a:custGeom>
-            <a:rect b="b" l="l" r="r" t="t"/>
+            <a:avLst/>
+            <a:gdLst/>
+            <a:ahLst/>
+            <a:cxnLst/>
+            <a:rect l="l" t="t" r="r" b="b"/>
             <a:pathLst>
-              <a:path extrusionOk="0" h="120000" w="120000">
+              <a:path w="120000" h="120000" extrusionOk="0">
                 <a:moveTo>
                   <a:pt x="0" y="0"/>
                 </a:moveTo>
@@ -854,9 +867,11 @@
       <p:sp>
         <p:nvSpPr>
           <p:cNvPr id="121" name="Google Shape;121;g42dcf3a53c_2_6:notes"/>
-          <p:cNvSpPr txBox="1"/>
+          <p:cNvSpPr txBox="1">
+            <a:spLocks noGrp="1"/>
+          </p:cNvSpPr>
           <p:nvPr>
-            <p:ph idx="1" type="body"/>
+            <p:ph type="body" idx="1"/>
           </p:nvPr>
         </p:nvSpPr>
         <p:spPr>
@@ -869,12 +884,12 @@
           </a:prstGeom>
         </p:spPr>
         <p:txBody>
-          <a:bodyPr anchorCtr="0" anchor="t" bIns="91425" lIns="91425" spcFirstLastPara="1" rIns="91425" wrap="square" tIns="91425">
+          <a:bodyPr spcFirstLastPara="1" wrap="square" lIns="91425" tIns="91425" rIns="91425" bIns="91425" anchor="t" anchorCtr="0">
             <a:noAutofit/>
           </a:bodyPr>
           <a:lstStyle/>
           <a:p>
-            <a:pPr indent="0" lvl="0" marL="0" rtl="0" algn="l">
+            <a:pPr marL="0" lvl="0" indent="0" algn="l" rtl="0">
               <a:spcBef>
                 <a:spcPts val="0"/>
               </a:spcBef>
@@ -883,9 +898,6 @@
               </a:spcAft>
               <a:buNone/>
             </a:pPr>
-            <a:r>
-              <a:t/>
-            </a:r>
             <a:endParaRPr/>
           </a:p>
         </p:txBody>
@@ -899,11 +911,11 @@
 </file>
 
 <file path=ppt/notesSlides/notesSlide11.xml><?xml version="1.0" encoding="utf-8"?>
-<p:notes xmlns:a="http://schemas.openxmlformats.org/drawingml/2006/main" xmlns:r="http://schemas.openxmlformats.org/officeDocument/2006/relationships" xmlns:mc="http://schemas.openxmlformats.org/markup-compatibility/2006" xmlns:mv="urn:schemas-microsoft-com:mac:vml" xmlns:p="http://schemas.openxmlformats.org/presentationml/2006/main" xmlns:c="http://schemas.openxmlformats.org/drawingml/2006/chart" xmlns:dgm="http://schemas.openxmlformats.org/drawingml/2006/diagram" xmlns:o="urn:schemas-microsoft-com:office:office" xmlns:v="urn:schemas-microsoft-com:vml" xmlns:pvml="urn:schemas-microsoft-com:office:powerpoint" xmlns:com="http://schemas.openxmlformats.org/drawingml/2006/compatibility" xmlns:p14="http://schemas.microsoft.com/office/powerpoint/2010/main" xmlns:p15="http://schemas.microsoft.com/office/powerpoint/2012/main" showMasterPhAnim="0" showMasterSp="0">
+<p:notes xmlns:a="http://schemas.openxmlformats.org/drawingml/2006/main" xmlns:r="http://schemas.openxmlformats.org/officeDocument/2006/relationships" xmlns:p="http://schemas.openxmlformats.org/presentationml/2006/main" showMasterSp="0" showMasterPhAnim="0">
   <p:cSld>
     <p:spTree>
       <p:nvGrpSpPr>
-        <p:cNvPr id="125" name="Shape 125"/>
+        <p:cNvPr id="1" name="Shape 125"/>
         <p:cNvGrpSpPr/>
         <p:nvPr/>
       </p:nvGrpSpPr>
@@ -918,9 +930,11 @@
       <p:sp>
         <p:nvSpPr>
           <p:cNvPr id="126" name="Google Shape;126;p5:notes"/>
-          <p:cNvSpPr txBox="1"/>
+          <p:cNvSpPr txBox="1">
+            <a:spLocks noGrp="1"/>
+          </p:cNvSpPr>
           <p:nvPr>
-            <p:ph idx="1" type="body"/>
+            <p:ph type="body" idx="1"/>
           </p:nvPr>
         </p:nvSpPr>
         <p:spPr>
@@ -933,12 +947,12 @@
           </a:prstGeom>
         </p:spPr>
         <p:txBody>
-          <a:bodyPr anchorCtr="0" anchor="t" bIns="91425" lIns="91425" spcFirstLastPara="1" rIns="91425" wrap="square" tIns="91425">
+          <a:bodyPr spcFirstLastPara="1" wrap="square" lIns="91425" tIns="91425" rIns="91425" bIns="91425" anchor="t" anchorCtr="0">
             <a:noAutofit/>
           </a:bodyPr>
           <a:lstStyle/>
           <a:p>
-            <a:pPr indent="0" lvl="0" marL="0" rtl="0" algn="l">
+            <a:pPr marL="0" lvl="0" indent="0" algn="l" rtl="0">
               <a:spcBef>
                 <a:spcPts val="0"/>
               </a:spcBef>
@@ -958,9 +972,11 @@
       <p:sp>
         <p:nvSpPr>
           <p:cNvPr id="127" name="Google Shape;127;p5:notes"/>
-          <p:cNvSpPr/>
+          <p:cNvSpPr>
+            <a:spLocks noGrp="1" noRot="1" noChangeAspect="1"/>
+          </p:cNvSpPr>
           <p:nvPr>
-            <p:ph idx="2" type="sldImg"/>
+            <p:ph type="sldImg" idx="2"/>
           </p:nvPr>
         </p:nvSpPr>
         <p:spPr>
@@ -969,9 +985,13 @@
             <a:ext cx="4572225" cy="3429000"/>
           </a:xfrm>
           <a:custGeom>
-            <a:rect b="b" l="l" r="r" t="t"/>
+            <a:avLst/>
+            <a:gdLst/>
+            <a:ahLst/>
+            <a:cxnLst/>
+            <a:rect l="l" t="t" r="r" b="b"/>
             <a:pathLst>
-              <a:path extrusionOk="0" h="120000" w="120000">
+              <a:path w="120000" h="120000" extrusionOk="0">
                 <a:moveTo>
                   <a:pt x="0" y="0"/>
                 </a:moveTo>
@@ -999,11 +1019,11 @@
 </file>
 
 <file path=ppt/notesSlides/notesSlide12.xml><?xml version="1.0" encoding="utf-8"?>
-<p:notes xmlns:a="http://schemas.openxmlformats.org/drawingml/2006/main" xmlns:r="http://schemas.openxmlformats.org/officeDocument/2006/relationships" xmlns:mc="http://schemas.openxmlformats.org/markup-compatibility/2006" xmlns:mv="urn:schemas-microsoft-com:mac:vml" xmlns:p="http://schemas.openxmlformats.org/presentationml/2006/main" xmlns:c="http://schemas.openxmlformats.org/drawingml/2006/chart" xmlns:dgm="http://schemas.openxmlformats.org/drawingml/2006/diagram" xmlns:o="urn:schemas-microsoft-com:office:office" xmlns:v="urn:schemas-microsoft-com:vml" xmlns:pvml="urn:schemas-microsoft-com:office:powerpoint" xmlns:com="http://schemas.openxmlformats.org/drawingml/2006/compatibility" xmlns:p14="http://schemas.microsoft.com/office/powerpoint/2010/main" xmlns:p15="http://schemas.microsoft.com/office/powerpoint/2012/main" showMasterPhAnim="0" showMasterSp="0">
+<p:notes xmlns:a="http://schemas.openxmlformats.org/drawingml/2006/main" xmlns:r="http://schemas.openxmlformats.org/officeDocument/2006/relationships" xmlns:p="http://schemas.openxmlformats.org/presentationml/2006/main" showMasterSp="0" showMasterPhAnim="0">
   <p:cSld>
     <p:spTree>
       <p:nvGrpSpPr>
-        <p:cNvPr id="131" name="Shape 131"/>
+        <p:cNvPr id="1" name="Shape 131"/>
         <p:cNvGrpSpPr/>
         <p:nvPr/>
       </p:nvGrpSpPr>
@@ -1018,9 +1038,11 @@
       <p:sp>
         <p:nvSpPr>
           <p:cNvPr id="132" name="Google Shape;132;g42dcf3a53c_2_18:notes"/>
-          <p:cNvSpPr/>
+          <p:cNvSpPr>
+            <a:spLocks noGrp="1" noRot="1" noChangeAspect="1"/>
+          </p:cNvSpPr>
           <p:nvPr>
-            <p:ph idx="2" type="sldImg"/>
+            <p:ph type="sldImg" idx="2"/>
           </p:nvPr>
         </p:nvSpPr>
         <p:spPr>
@@ -1029,9 +1051,13 @@
             <a:ext cx="4572300" cy="3429000"/>
           </a:xfrm>
           <a:custGeom>
-            <a:rect b="b" l="l" r="r" t="t"/>
+            <a:avLst/>
+            <a:gdLst/>
+            <a:ahLst/>
+            <a:cxnLst/>
+            <a:rect l="l" t="t" r="r" b="b"/>
             <a:pathLst>
-              <a:path extrusionOk="0" h="120000" w="120000">
+              <a:path w="120000" h="120000" extrusionOk="0">
                 <a:moveTo>
                   <a:pt x="0" y="0"/>
                 </a:moveTo>
@@ -1053,9 +1079,11 @@
       <p:sp>
         <p:nvSpPr>
           <p:cNvPr id="133" name="Google Shape;133;g42dcf3a53c_2_18:notes"/>
-          <p:cNvSpPr txBox="1"/>
+          <p:cNvSpPr txBox="1">
+            <a:spLocks noGrp="1"/>
+          </p:cNvSpPr>
           <p:nvPr>
-            <p:ph idx="1" type="body"/>
+            <p:ph type="body" idx="1"/>
           </p:nvPr>
         </p:nvSpPr>
         <p:spPr>
@@ -1068,12 +1096,12 @@
           </a:prstGeom>
         </p:spPr>
         <p:txBody>
-          <a:bodyPr anchorCtr="0" anchor="t" bIns="91425" lIns="91425" spcFirstLastPara="1" rIns="91425" wrap="square" tIns="91425">
+          <a:bodyPr spcFirstLastPara="1" wrap="square" lIns="91425" tIns="91425" rIns="91425" bIns="91425" anchor="t" anchorCtr="0">
             <a:noAutofit/>
           </a:bodyPr>
           <a:lstStyle/>
           <a:p>
-            <a:pPr indent="0" lvl="0" marL="0" rtl="0" algn="l">
+            <a:pPr marL="0" lvl="0" indent="0" algn="l" rtl="0">
               <a:spcBef>
                 <a:spcPts val="0"/>
               </a:spcBef>
@@ -1082,9 +1110,6 @@
               </a:spcAft>
               <a:buNone/>
             </a:pPr>
-            <a:r>
-              <a:t/>
-            </a:r>
             <a:endParaRPr/>
           </a:p>
         </p:txBody>
@@ -1098,11 +1123,11 @@
 </file>
 
 <file path=ppt/notesSlides/notesSlide13.xml><?xml version="1.0" encoding="utf-8"?>
-<p:notes xmlns:a="http://schemas.openxmlformats.org/drawingml/2006/main" xmlns:r="http://schemas.openxmlformats.org/officeDocument/2006/relationships" xmlns:mc="http://schemas.openxmlformats.org/markup-compatibility/2006" xmlns:mv="urn:schemas-microsoft-com:mac:vml" xmlns:p="http://schemas.openxmlformats.org/presentationml/2006/main" xmlns:c="http://schemas.openxmlformats.org/drawingml/2006/chart" xmlns:dgm="http://schemas.openxmlformats.org/drawingml/2006/diagram" xmlns:o="urn:schemas-microsoft-com:office:office" xmlns:v="urn:schemas-microsoft-com:vml" xmlns:pvml="urn:schemas-microsoft-com:office:powerpoint" xmlns:com="http://schemas.openxmlformats.org/drawingml/2006/compatibility" xmlns:p14="http://schemas.microsoft.com/office/powerpoint/2010/main" xmlns:p15="http://schemas.microsoft.com/office/powerpoint/2012/main" showMasterPhAnim="0" showMasterSp="0">
+<p:notes xmlns:a="http://schemas.openxmlformats.org/drawingml/2006/main" xmlns:r="http://schemas.openxmlformats.org/officeDocument/2006/relationships" xmlns:p="http://schemas.openxmlformats.org/presentationml/2006/main" showMasterSp="0" showMasterPhAnim="0">
   <p:cSld>
     <p:spTree>
       <p:nvGrpSpPr>
-        <p:cNvPr id="137" name="Shape 137"/>
+        <p:cNvPr id="1" name="Shape 137"/>
         <p:cNvGrpSpPr/>
         <p:nvPr/>
       </p:nvGrpSpPr>
@@ -1117,9 +1142,11 @@
       <p:sp>
         <p:nvSpPr>
           <p:cNvPr id="138" name="Google Shape;138;p6:notes"/>
-          <p:cNvSpPr txBox="1"/>
+          <p:cNvSpPr txBox="1">
+            <a:spLocks noGrp="1"/>
+          </p:cNvSpPr>
           <p:nvPr>
-            <p:ph idx="1" type="body"/>
+            <p:ph type="body" idx="1"/>
           </p:nvPr>
         </p:nvSpPr>
         <p:spPr>
@@ -1132,12 +1159,12 @@
           </a:prstGeom>
         </p:spPr>
         <p:txBody>
-          <a:bodyPr anchorCtr="0" anchor="t" bIns="91425" lIns="91425" spcFirstLastPara="1" rIns="91425" wrap="square" tIns="91425">
+          <a:bodyPr spcFirstLastPara="1" wrap="square" lIns="91425" tIns="91425" rIns="91425" bIns="91425" anchor="t" anchorCtr="0">
             <a:noAutofit/>
           </a:bodyPr>
           <a:lstStyle/>
           <a:p>
-            <a:pPr indent="0" lvl="0" marL="0" rtl="0" algn="l">
+            <a:pPr marL="0" lvl="0" indent="0" algn="l" rtl="0">
               <a:spcBef>
                 <a:spcPts val="0"/>
               </a:spcBef>
@@ -1157,9 +1184,11 @@
       <p:sp>
         <p:nvSpPr>
           <p:cNvPr id="139" name="Google Shape;139;p6:notes"/>
-          <p:cNvSpPr/>
+          <p:cNvSpPr>
+            <a:spLocks noGrp="1" noRot="1" noChangeAspect="1"/>
+          </p:cNvSpPr>
           <p:nvPr>
-            <p:ph idx="2" type="sldImg"/>
+            <p:ph type="sldImg" idx="2"/>
           </p:nvPr>
         </p:nvSpPr>
         <p:spPr>
@@ -1168,9 +1197,13 @@
             <a:ext cx="4572225" cy="3429000"/>
           </a:xfrm>
           <a:custGeom>
-            <a:rect b="b" l="l" r="r" t="t"/>
+            <a:avLst/>
+            <a:gdLst/>
+            <a:ahLst/>
+            <a:cxnLst/>
+            <a:rect l="l" t="t" r="r" b="b"/>
             <a:pathLst>
-              <a:path extrusionOk="0" h="120000" w="120000">
+              <a:path w="120000" h="120000" extrusionOk="0">
                 <a:moveTo>
                   <a:pt x="0" y="0"/>
                 </a:moveTo>
@@ -1198,11 +1231,11 @@
 </file>
 
 <file path=ppt/notesSlides/notesSlide14.xml><?xml version="1.0" encoding="utf-8"?>
-<p:notes xmlns:a="http://schemas.openxmlformats.org/drawingml/2006/main" xmlns:r="http://schemas.openxmlformats.org/officeDocument/2006/relationships" xmlns:mc="http://schemas.openxmlformats.org/markup-compatibility/2006" xmlns:mv="urn:schemas-microsoft-com:mac:vml" xmlns:p="http://schemas.openxmlformats.org/presentationml/2006/main" xmlns:c="http://schemas.openxmlformats.org/drawingml/2006/chart" xmlns:dgm="http://schemas.openxmlformats.org/drawingml/2006/diagram" xmlns:o="urn:schemas-microsoft-com:office:office" xmlns:v="urn:schemas-microsoft-com:vml" xmlns:pvml="urn:schemas-microsoft-com:office:powerpoint" xmlns:com="http://schemas.openxmlformats.org/drawingml/2006/compatibility" xmlns:p14="http://schemas.microsoft.com/office/powerpoint/2010/main" xmlns:p15="http://schemas.microsoft.com/office/powerpoint/2012/main" showMasterPhAnim="0" showMasterSp="0">
+<p:notes xmlns:a="http://schemas.openxmlformats.org/drawingml/2006/main" xmlns:r="http://schemas.openxmlformats.org/officeDocument/2006/relationships" xmlns:p="http://schemas.openxmlformats.org/presentationml/2006/main" showMasterSp="0" showMasterPhAnim="0">
   <p:cSld>
     <p:spTree>
       <p:nvGrpSpPr>
-        <p:cNvPr id="143" name="Shape 143"/>
+        <p:cNvPr id="1" name="Shape 143"/>
         <p:cNvGrpSpPr/>
         <p:nvPr/>
       </p:nvGrpSpPr>
@@ -1217,9 +1250,11 @@
       <p:sp>
         <p:nvSpPr>
           <p:cNvPr id="144" name="Google Shape;144;p7:notes"/>
-          <p:cNvSpPr txBox="1"/>
+          <p:cNvSpPr txBox="1">
+            <a:spLocks noGrp="1"/>
+          </p:cNvSpPr>
           <p:nvPr>
-            <p:ph idx="1" type="body"/>
+            <p:ph type="body" idx="1"/>
           </p:nvPr>
         </p:nvSpPr>
         <p:spPr>
@@ -1232,12 +1267,12 @@
           </a:prstGeom>
         </p:spPr>
         <p:txBody>
-          <a:bodyPr anchorCtr="0" anchor="t" bIns="91425" lIns="91425" spcFirstLastPara="1" rIns="91425" wrap="square" tIns="91425">
+          <a:bodyPr spcFirstLastPara="1" wrap="square" lIns="91425" tIns="91425" rIns="91425" bIns="91425" anchor="t" anchorCtr="0">
             <a:noAutofit/>
           </a:bodyPr>
           <a:lstStyle/>
           <a:p>
-            <a:pPr indent="0" lvl="0" marL="0" rtl="0" algn="l">
+            <a:pPr marL="0" lvl="0" indent="0" algn="l" rtl="0">
               <a:spcBef>
                 <a:spcPts val="0"/>
               </a:spcBef>
@@ -1257,9 +1292,11 @@
       <p:sp>
         <p:nvSpPr>
           <p:cNvPr id="145" name="Google Shape;145;p7:notes"/>
-          <p:cNvSpPr/>
+          <p:cNvSpPr>
+            <a:spLocks noGrp="1" noRot="1" noChangeAspect="1"/>
+          </p:cNvSpPr>
           <p:nvPr>
-            <p:ph idx="2" type="sldImg"/>
+            <p:ph type="sldImg" idx="2"/>
           </p:nvPr>
         </p:nvSpPr>
         <p:spPr>
@@ -1268,9 +1305,13 @@
             <a:ext cx="4572225" cy="3429000"/>
           </a:xfrm>
           <a:custGeom>
-            <a:rect b="b" l="l" r="r" t="t"/>
+            <a:avLst/>
+            <a:gdLst/>
+            <a:ahLst/>
+            <a:cxnLst/>
+            <a:rect l="l" t="t" r="r" b="b"/>
             <a:pathLst>
-              <a:path extrusionOk="0" h="120000" w="120000">
+              <a:path w="120000" h="120000" extrusionOk="0">
                 <a:moveTo>
                   <a:pt x="0" y="0"/>
                 </a:moveTo>
@@ -1298,11 +1339,11 @@
 </file>
 
 <file path=ppt/notesSlides/notesSlide15.xml><?xml version="1.0" encoding="utf-8"?>
-<p:notes xmlns:a="http://schemas.openxmlformats.org/drawingml/2006/main" xmlns:r="http://schemas.openxmlformats.org/officeDocument/2006/relationships" xmlns:mc="http://schemas.openxmlformats.org/markup-compatibility/2006" xmlns:mv="urn:schemas-microsoft-com:mac:vml" xmlns:p="http://schemas.openxmlformats.org/presentationml/2006/main" xmlns:c="http://schemas.openxmlformats.org/drawingml/2006/chart" xmlns:dgm="http://schemas.openxmlformats.org/drawingml/2006/diagram" xmlns:o="urn:schemas-microsoft-com:office:office" xmlns:v="urn:schemas-microsoft-com:vml" xmlns:pvml="urn:schemas-microsoft-com:office:powerpoint" xmlns:com="http://schemas.openxmlformats.org/drawingml/2006/compatibility" xmlns:p14="http://schemas.microsoft.com/office/powerpoint/2010/main" xmlns:p15="http://schemas.microsoft.com/office/powerpoint/2012/main" showMasterPhAnim="0" showMasterSp="0">
+<p:notes xmlns:a="http://schemas.openxmlformats.org/drawingml/2006/main" xmlns:r="http://schemas.openxmlformats.org/officeDocument/2006/relationships" xmlns:p="http://schemas.openxmlformats.org/presentationml/2006/main" showMasterSp="0" showMasterPhAnim="0">
   <p:cSld>
     <p:spTree>
       <p:nvGrpSpPr>
-        <p:cNvPr id="149" name="Shape 149"/>
+        <p:cNvPr id="1" name="Shape 149"/>
         <p:cNvGrpSpPr/>
         <p:nvPr/>
       </p:nvGrpSpPr>
@@ -1317,9 +1358,11 @@
       <p:sp>
         <p:nvSpPr>
           <p:cNvPr id="150" name="Google Shape;150;g42dcf3a53c_2_13:notes"/>
-          <p:cNvSpPr txBox="1"/>
+          <p:cNvSpPr txBox="1">
+            <a:spLocks noGrp="1"/>
+          </p:cNvSpPr>
           <p:nvPr>
-            <p:ph idx="1" type="body"/>
+            <p:ph type="body" idx="1"/>
           </p:nvPr>
         </p:nvSpPr>
         <p:spPr>
@@ -1332,12 +1375,12 @@
           </a:prstGeom>
         </p:spPr>
         <p:txBody>
-          <a:bodyPr anchorCtr="0" anchor="t" bIns="91425" lIns="91425" spcFirstLastPara="1" rIns="91425" wrap="square" tIns="91425">
+          <a:bodyPr spcFirstLastPara="1" wrap="square" lIns="91425" tIns="91425" rIns="91425" bIns="91425" anchor="t" anchorCtr="0">
             <a:noAutofit/>
           </a:bodyPr>
           <a:lstStyle/>
           <a:p>
-            <a:pPr indent="0" lvl="0" marL="0" rtl="0" algn="l">
+            <a:pPr marL="0" lvl="0" indent="0" algn="l" rtl="0">
               <a:spcBef>
                 <a:spcPts val="0"/>
               </a:spcBef>
@@ -1357,9 +1400,11 @@
       <p:sp>
         <p:nvSpPr>
           <p:cNvPr id="151" name="Google Shape;151;g42dcf3a53c_2_13:notes"/>
-          <p:cNvSpPr/>
+          <p:cNvSpPr>
+            <a:spLocks noGrp="1" noRot="1" noChangeAspect="1"/>
+          </p:cNvSpPr>
           <p:nvPr>
-            <p:ph idx="2" type="sldImg"/>
+            <p:ph type="sldImg" idx="2"/>
           </p:nvPr>
         </p:nvSpPr>
         <p:spPr>
@@ -1368,9 +1413,13 @@
             <a:ext cx="4572300" cy="3429000"/>
           </a:xfrm>
           <a:custGeom>
-            <a:rect b="b" l="l" r="r" t="t"/>
+            <a:avLst/>
+            <a:gdLst/>
+            <a:ahLst/>
+            <a:cxnLst/>
+            <a:rect l="l" t="t" r="r" b="b"/>
             <a:pathLst>
-              <a:path extrusionOk="0" h="120000" w="120000">
+              <a:path w="120000" h="120000" extrusionOk="0">
                 <a:moveTo>
                   <a:pt x="0" y="0"/>
                 </a:moveTo>
@@ -1398,11 +1447,11 @@
 </file>
 
 <file path=ppt/notesSlides/notesSlide2.xml><?xml version="1.0" encoding="utf-8"?>
-<p:notes xmlns:a="http://schemas.openxmlformats.org/drawingml/2006/main" xmlns:r="http://schemas.openxmlformats.org/officeDocument/2006/relationships" xmlns:mc="http://schemas.openxmlformats.org/markup-compatibility/2006" xmlns:mv="urn:schemas-microsoft-com:mac:vml" xmlns:p="http://schemas.openxmlformats.org/presentationml/2006/main" xmlns:c="http://schemas.openxmlformats.org/drawingml/2006/chart" xmlns:dgm="http://schemas.openxmlformats.org/drawingml/2006/diagram" xmlns:o="urn:schemas-microsoft-com:office:office" xmlns:v="urn:schemas-microsoft-com:vml" xmlns:pvml="urn:schemas-microsoft-com:office:powerpoint" xmlns:com="http://schemas.openxmlformats.org/drawingml/2006/compatibility" xmlns:p14="http://schemas.microsoft.com/office/powerpoint/2010/main" xmlns:p15="http://schemas.microsoft.com/office/powerpoint/2012/main" showMasterPhAnim="0" showMasterSp="0">
+<p:notes xmlns:a="http://schemas.openxmlformats.org/drawingml/2006/main" xmlns:r="http://schemas.openxmlformats.org/officeDocument/2006/relationships" xmlns:p="http://schemas.openxmlformats.org/presentationml/2006/main" showMasterSp="0" showMasterPhAnim="0">
   <p:cSld>
     <p:spTree>
       <p:nvGrpSpPr>
-        <p:cNvPr id="71" name="Shape 71"/>
+        <p:cNvPr id="1" name="Shape 71"/>
         <p:cNvGrpSpPr/>
         <p:nvPr/>
       </p:nvGrpSpPr>
@@ -1417,9 +1466,11 @@
       <p:sp>
         <p:nvSpPr>
           <p:cNvPr id="72" name="Google Shape;72;g4249d6b9d9_2_0:notes"/>
-          <p:cNvSpPr/>
+          <p:cNvSpPr>
+            <a:spLocks noGrp="1" noRot="1" noChangeAspect="1"/>
+          </p:cNvSpPr>
           <p:nvPr>
-            <p:ph idx="2" type="sldImg"/>
+            <p:ph type="sldImg" idx="2"/>
           </p:nvPr>
         </p:nvSpPr>
         <p:spPr>
@@ -1428,9 +1479,13 @@
             <a:ext cx="4572300" cy="3429000"/>
           </a:xfrm>
           <a:custGeom>
-            <a:rect b="b" l="l" r="r" t="t"/>
+            <a:avLst/>
+            <a:gdLst/>
+            <a:ahLst/>
+            <a:cxnLst/>
+            <a:rect l="l" t="t" r="r" b="b"/>
             <a:pathLst>
-              <a:path extrusionOk="0" h="120000" w="120000">
+              <a:path w="120000" h="120000" extrusionOk="0">
                 <a:moveTo>
                   <a:pt x="0" y="0"/>
                 </a:moveTo>
@@ -1452,9 +1507,11 @@
       <p:sp>
         <p:nvSpPr>
           <p:cNvPr id="73" name="Google Shape;73;g4249d6b9d9_2_0:notes"/>
-          <p:cNvSpPr txBox="1"/>
+          <p:cNvSpPr txBox="1">
+            <a:spLocks noGrp="1"/>
+          </p:cNvSpPr>
           <p:nvPr>
-            <p:ph idx="1" type="body"/>
+            <p:ph type="body" idx="1"/>
           </p:nvPr>
         </p:nvSpPr>
         <p:spPr>
@@ -1467,12 +1524,12 @@
           </a:prstGeom>
         </p:spPr>
         <p:txBody>
-          <a:bodyPr anchorCtr="0" anchor="t" bIns="91425" lIns="91425" spcFirstLastPara="1" rIns="91425" wrap="square" tIns="91425">
+          <a:bodyPr spcFirstLastPara="1" wrap="square" lIns="91425" tIns="91425" rIns="91425" bIns="91425" anchor="t" anchorCtr="0">
             <a:noAutofit/>
           </a:bodyPr>
           <a:lstStyle/>
           <a:p>
-            <a:pPr indent="0" lvl="0" marL="0" rtl="0" algn="l">
+            <a:pPr marL="0" lvl="0" indent="0" algn="l" rtl="0">
               <a:spcBef>
                 <a:spcPts val="0"/>
               </a:spcBef>
@@ -1481,9 +1538,6 @@
               </a:spcAft>
               <a:buNone/>
             </a:pPr>
-            <a:r>
-              <a:t/>
-            </a:r>
             <a:endParaRPr/>
           </a:p>
         </p:txBody>
@@ -1497,11 +1551,11 @@
 </file>
 
 <file path=ppt/notesSlides/notesSlide3.xml><?xml version="1.0" encoding="utf-8"?>
-<p:notes xmlns:a="http://schemas.openxmlformats.org/drawingml/2006/main" xmlns:r="http://schemas.openxmlformats.org/officeDocument/2006/relationships" xmlns:mc="http://schemas.openxmlformats.org/markup-compatibility/2006" xmlns:mv="urn:schemas-microsoft-com:mac:vml" xmlns:p="http://schemas.openxmlformats.org/presentationml/2006/main" xmlns:c="http://schemas.openxmlformats.org/drawingml/2006/chart" xmlns:dgm="http://schemas.openxmlformats.org/drawingml/2006/diagram" xmlns:o="urn:schemas-microsoft-com:office:office" xmlns:v="urn:schemas-microsoft-com:vml" xmlns:pvml="urn:schemas-microsoft-com:office:powerpoint" xmlns:com="http://schemas.openxmlformats.org/drawingml/2006/compatibility" xmlns:p14="http://schemas.microsoft.com/office/powerpoint/2010/main" xmlns:p15="http://schemas.microsoft.com/office/powerpoint/2012/main" showMasterPhAnim="0" showMasterSp="0">
+<p:notes xmlns:a="http://schemas.openxmlformats.org/drawingml/2006/main" xmlns:r="http://schemas.openxmlformats.org/officeDocument/2006/relationships" xmlns:p="http://schemas.openxmlformats.org/presentationml/2006/main" showMasterSp="0" showMasterPhAnim="0">
   <p:cSld>
     <p:spTree>
       <p:nvGrpSpPr>
-        <p:cNvPr id="77" name="Shape 77"/>
+        <p:cNvPr id="1" name="Shape 77"/>
         <p:cNvGrpSpPr/>
         <p:nvPr/>
       </p:nvGrpSpPr>
@@ -1516,9 +1570,11 @@
       <p:sp>
         <p:nvSpPr>
           <p:cNvPr id="78" name="Google Shape;78;p3:notes"/>
-          <p:cNvSpPr txBox="1"/>
+          <p:cNvSpPr txBox="1">
+            <a:spLocks noGrp="1"/>
+          </p:cNvSpPr>
           <p:nvPr>
-            <p:ph idx="1" type="body"/>
+            <p:ph type="body" idx="1"/>
           </p:nvPr>
         </p:nvSpPr>
         <p:spPr>
@@ -1531,12 +1587,12 @@
           </a:prstGeom>
         </p:spPr>
         <p:txBody>
-          <a:bodyPr anchorCtr="0" anchor="t" bIns="91425" lIns="91425" spcFirstLastPara="1" rIns="91425" wrap="square" tIns="91425">
+          <a:bodyPr spcFirstLastPara="1" wrap="square" lIns="91425" tIns="91425" rIns="91425" bIns="91425" anchor="t" anchorCtr="0">
             <a:noAutofit/>
           </a:bodyPr>
           <a:lstStyle/>
           <a:p>
-            <a:pPr indent="0" lvl="0" marL="0" rtl="0" algn="l">
+            <a:pPr marL="0" lvl="0" indent="0" algn="l" rtl="0">
               <a:spcBef>
                 <a:spcPts val="0"/>
               </a:spcBef>
@@ -1556,9 +1612,11 @@
       <p:sp>
         <p:nvSpPr>
           <p:cNvPr id="79" name="Google Shape;79;p3:notes"/>
-          <p:cNvSpPr/>
+          <p:cNvSpPr>
+            <a:spLocks noGrp="1" noRot="1" noChangeAspect="1"/>
+          </p:cNvSpPr>
           <p:nvPr>
-            <p:ph idx="2" type="sldImg"/>
+            <p:ph type="sldImg" idx="2"/>
           </p:nvPr>
         </p:nvSpPr>
         <p:spPr>
@@ -1567,9 +1625,13 @@
             <a:ext cx="4572225" cy="3429000"/>
           </a:xfrm>
           <a:custGeom>
-            <a:rect b="b" l="l" r="r" t="t"/>
+            <a:avLst/>
+            <a:gdLst/>
+            <a:ahLst/>
+            <a:cxnLst/>
+            <a:rect l="l" t="t" r="r" b="b"/>
             <a:pathLst>
-              <a:path extrusionOk="0" h="120000" w="120000">
+              <a:path w="120000" h="120000" extrusionOk="0">
                 <a:moveTo>
                   <a:pt x="0" y="0"/>
                 </a:moveTo>
@@ -1597,11 +1659,11 @@
 </file>
 
 <file path=ppt/notesSlides/notesSlide4.xml><?xml version="1.0" encoding="utf-8"?>
-<p:notes xmlns:a="http://schemas.openxmlformats.org/drawingml/2006/main" xmlns:r="http://schemas.openxmlformats.org/officeDocument/2006/relationships" xmlns:mc="http://schemas.openxmlformats.org/markup-compatibility/2006" xmlns:mv="urn:schemas-microsoft-com:mac:vml" xmlns:p="http://schemas.openxmlformats.org/presentationml/2006/main" xmlns:c="http://schemas.openxmlformats.org/drawingml/2006/chart" xmlns:dgm="http://schemas.openxmlformats.org/drawingml/2006/diagram" xmlns:o="urn:schemas-microsoft-com:office:office" xmlns:v="urn:schemas-microsoft-com:vml" xmlns:pvml="urn:schemas-microsoft-com:office:powerpoint" xmlns:com="http://schemas.openxmlformats.org/drawingml/2006/compatibility" xmlns:p14="http://schemas.microsoft.com/office/powerpoint/2010/main" xmlns:p15="http://schemas.microsoft.com/office/powerpoint/2012/main" showMasterPhAnim="0" showMasterSp="0">
+<p:notes xmlns:a="http://schemas.openxmlformats.org/drawingml/2006/main" xmlns:r="http://schemas.openxmlformats.org/officeDocument/2006/relationships" xmlns:p="http://schemas.openxmlformats.org/presentationml/2006/main" showMasterSp="0" showMasterPhAnim="0">
   <p:cSld>
     <p:spTree>
       <p:nvGrpSpPr>
-        <p:cNvPr id="83" name="Shape 83"/>
+        <p:cNvPr id="1" name="Shape 83"/>
         <p:cNvGrpSpPr/>
         <p:nvPr/>
       </p:nvGrpSpPr>
@@ -1616,9 +1678,11 @@
       <p:sp>
         <p:nvSpPr>
           <p:cNvPr id="84" name="Google Shape;84;g42dba00ac2_1_0:notes"/>
-          <p:cNvSpPr/>
+          <p:cNvSpPr>
+            <a:spLocks noGrp="1" noRot="1" noChangeAspect="1"/>
+          </p:cNvSpPr>
           <p:nvPr>
-            <p:ph idx="2" type="sldImg"/>
+            <p:ph type="sldImg" idx="2"/>
           </p:nvPr>
         </p:nvSpPr>
         <p:spPr>
@@ -1627,9 +1691,13 @@
             <a:ext cx="4572300" cy="3429000"/>
           </a:xfrm>
           <a:custGeom>
-            <a:rect b="b" l="l" r="r" t="t"/>
+            <a:avLst/>
+            <a:gdLst/>
+            <a:ahLst/>
+            <a:cxnLst/>
+            <a:rect l="l" t="t" r="r" b="b"/>
             <a:pathLst>
-              <a:path extrusionOk="0" h="120000" w="120000">
+              <a:path w="120000" h="120000" extrusionOk="0">
                 <a:moveTo>
                   <a:pt x="0" y="0"/>
                 </a:moveTo>
@@ -1651,9 +1719,11 @@
       <p:sp>
         <p:nvSpPr>
           <p:cNvPr id="85" name="Google Shape;85;g42dba00ac2_1_0:notes"/>
-          <p:cNvSpPr txBox="1"/>
+          <p:cNvSpPr txBox="1">
+            <a:spLocks noGrp="1"/>
+          </p:cNvSpPr>
           <p:nvPr>
-            <p:ph idx="1" type="body"/>
+            <p:ph type="body" idx="1"/>
           </p:nvPr>
         </p:nvSpPr>
         <p:spPr>
@@ -1666,12 +1736,12 @@
           </a:prstGeom>
         </p:spPr>
         <p:txBody>
-          <a:bodyPr anchorCtr="0" anchor="t" bIns="91425" lIns="91425" spcFirstLastPara="1" rIns="91425" wrap="square" tIns="91425">
+          <a:bodyPr spcFirstLastPara="1" wrap="square" lIns="91425" tIns="91425" rIns="91425" bIns="91425" anchor="t" anchorCtr="0">
             <a:noAutofit/>
           </a:bodyPr>
           <a:lstStyle/>
           <a:p>
-            <a:pPr indent="0" lvl="0" marL="0" rtl="0" algn="l">
+            <a:pPr marL="0" lvl="0" indent="0" algn="l" rtl="0">
               <a:spcBef>
                 <a:spcPts val="0"/>
               </a:spcBef>
@@ -1680,9 +1750,6 @@
               </a:spcAft>
               <a:buNone/>
             </a:pPr>
-            <a:r>
-              <a:t/>
-            </a:r>
             <a:endParaRPr/>
           </a:p>
         </p:txBody>
@@ -1696,11 +1763,11 @@
 </file>
 
 <file path=ppt/notesSlides/notesSlide5.xml><?xml version="1.0" encoding="utf-8"?>
-<p:notes xmlns:a="http://schemas.openxmlformats.org/drawingml/2006/main" xmlns:r="http://schemas.openxmlformats.org/officeDocument/2006/relationships" xmlns:mc="http://schemas.openxmlformats.org/markup-compatibility/2006" xmlns:mv="urn:schemas-microsoft-com:mac:vml" xmlns:p="http://schemas.openxmlformats.org/presentationml/2006/main" xmlns:c="http://schemas.openxmlformats.org/drawingml/2006/chart" xmlns:dgm="http://schemas.openxmlformats.org/drawingml/2006/diagram" xmlns:o="urn:schemas-microsoft-com:office:office" xmlns:v="urn:schemas-microsoft-com:vml" xmlns:pvml="urn:schemas-microsoft-com:office:powerpoint" xmlns:com="http://schemas.openxmlformats.org/drawingml/2006/compatibility" xmlns:p14="http://schemas.microsoft.com/office/powerpoint/2010/main" xmlns:p15="http://schemas.microsoft.com/office/powerpoint/2012/main" showMasterPhAnim="0" showMasterSp="0">
+<p:notes xmlns:a="http://schemas.openxmlformats.org/drawingml/2006/main" xmlns:r="http://schemas.openxmlformats.org/officeDocument/2006/relationships" xmlns:p="http://schemas.openxmlformats.org/presentationml/2006/main" showMasterSp="0" showMasterPhAnim="0">
   <p:cSld>
     <p:spTree>
       <p:nvGrpSpPr>
-        <p:cNvPr id="89" name="Shape 89"/>
+        <p:cNvPr id="1" name="Shape 89"/>
         <p:cNvGrpSpPr/>
         <p:nvPr/>
       </p:nvGrpSpPr>
@@ -1715,9 +1782,11 @@
       <p:sp>
         <p:nvSpPr>
           <p:cNvPr id="90" name="Google Shape;90;p4:notes"/>
-          <p:cNvSpPr txBox="1"/>
+          <p:cNvSpPr txBox="1">
+            <a:spLocks noGrp="1"/>
+          </p:cNvSpPr>
           <p:nvPr>
-            <p:ph idx="1" type="body"/>
+            <p:ph type="body" idx="1"/>
           </p:nvPr>
         </p:nvSpPr>
         <p:spPr>
@@ -1730,12 +1799,12 @@
           </a:prstGeom>
         </p:spPr>
         <p:txBody>
-          <a:bodyPr anchorCtr="0" anchor="t" bIns="91425" lIns="91425" spcFirstLastPara="1" rIns="91425" wrap="square" tIns="91425">
+          <a:bodyPr spcFirstLastPara="1" wrap="square" lIns="91425" tIns="91425" rIns="91425" bIns="91425" anchor="t" anchorCtr="0">
             <a:noAutofit/>
           </a:bodyPr>
           <a:lstStyle/>
           <a:p>
-            <a:pPr indent="0" lvl="0" marL="0" rtl="0" algn="l">
+            <a:pPr marL="0" lvl="0" indent="0" algn="l" rtl="0">
               <a:spcBef>
                 <a:spcPts val="0"/>
               </a:spcBef>
@@ -1751,7 +1820,7 @@
             <a:endParaRPr/>
           </a:p>
           <a:p>
-            <a:pPr indent="0" lvl="0" marL="0" rtl="0" algn="l">
+            <a:pPr marL="0" lvl="0" indent="0" algn="l" rtl="0">
               <a:spcBef>
                 <a:spcPts val="0"/>
               </a:spcBef>
@@ -1771,9 +1840,11 @@
       <p:sp>
         <p:nvSpPr>
           <p:cNvPr id="91" name="Google Shape;91;p4:notes"/>
-          <p:cNvSpPr/>
+          <p:cNvSpPr>
+            <a:spLocks noGrp="1" noRot="1" noChangeAspect="1"/>
+          </p:cNvSpPr>
           <p:nvPr>
-            <p:ph idx="2" type="sldImg"/>
+            <p:ph type="sldImg" idx="2"/>
           </p:nvPr>
         </p:nvSpPr>
         <p:spPr>
@@ -1782,9 +1853,13 @@
             <a:ext cx="4572225" cy="3429000"/>
           </a:xfrm>
           <a:custGeom>
-            <a:rect b="b" l="l" r="r" t="t"/>
+            <a:avLst/>
+            <a:gdLst/>
+            <a:ahLst/>
+            <a:cxnLst/>
+            <a:rect l="l" t="t" r="r" b="b"/>
             <a:pathLst>
-              <a:path extrusionOk="0" h="120000" w="120000">
+              <a:path w="120000" h="120000" extrusionOk="0">
                 <a:moveTo>
                   <a:pt x="0" y="0"/>
                 </a:moveTo>
@@ -1812,11 +1887,11 @@
 </file>
 
 <file path=ppt/notesSlides/notesSlide6.xml><?xml version="1.0" encoding="utf-8"?>
-<p:notes xmlns:a="http://schemas.openxmlformats.org/drawingml/2006/main" xmlns:r="http://schemas.openxmlformats.org/officeDocument/2006/relationships" xmlns:mc="http://schemas.openxmlformats.org/markup-compatibility/2006" xmlns:mv="urn:schemas-microsoft-com:mac:vml" xmlns:p="http://schemas.openxmlformats.org/presentationml/2006/main" xmlns:c="http://schemas.openxmlformats.org/drawingml/2006/chart" xmlns:dgm="http://schemas.openxmlformats.org/drawingml/2006/diagram" xmlns:o="urn:schemas-microsoft-com:office:office" xmlns:v="urn:schemas-microsoft-com:vml" xmlns:pvml="urn:schemas-microsoft-com:office:powerpoint" xmlns:com="http://schemas.openxmlformats.org/drawingml/2006/compatibility" xmlns:p14="http://schemas.microsoft.com/office/powerpoint/2010/main" xmlns:p15="http://schemas.microsoft.com/office/powerpoint/2012/main" showMasterPhAnim="0" showMasterSp="0">
+<p:notes xmlns:a="http://schemas.openxmlformats.org/drawingml/2006/main" xmlns:r="http://schemas.openxmlformats.org/officeDocument/2006/relationships" xmlns:p="http://schemas.openxmlformats.org/presentationml/2006/main" showMasterSp="0" showMasterPhAnim="0">
   <p:cSld>
     <p:spTree>
       <p:nvGrpSpPr>
-        <p:cNvPr id="95" name="Shape 95"/>
+        <p:cNvPr id="1" name="Shape 95"/>
         <p:cNvGrpSpPr/>
         <p:nvPr/>
       </p:nvGrpSpPr>
@@ -1831,9 +1906,11 @@
       <p:sp>
         <p:nvSpPr>
           <p:cNvPr id="96" name="Google Shape;96;g42e459a211_2_0:notes"/>
-          <p:cNvSpPr/>
+          <p:cNvSpPr>
+            <a:spLocks noGrp="1" noRot="1" noChangeAspect="1"/>
+          </p:cNvSpPr>
           <p:nvPr>
-            <p:ph idx="2" type="sldImg"/>
+            <p:ph type="sldImg" idx="2"/>
           </p:nvPr>
         </p:nvSpPr>
         <p:spPr>
@@ -1842,9 +1919,13 @@
             <a:ext cx="4572300" cy="3429000"/>
           </a:xfrm>
           <a:custGeom>
-            <a:rect b="b" l="l" r="r" t="t"/>
+            <a:avLst/>
+            <a:gdLst/>
+            <a:ahLst/>
+            <a:cxnLst/>
+            <a:rect l="l" t="t" r="r" b="b"/>
             <a:pathLst>
-              <a:path extrusionOk="0" h="120000" w="120000">
+              <a:path w="120000" h="120000" extrusionOk="0">
                 <a:moveTo>
                   <a:pt x="0" y="0"/>
                 </a:moveTo>
@@ -1866,9 +1947,11 @@
       <p:sp>
         <p:nvSpPr>
           <p:cNvPr id="97" name="Google Shape;97;g42e459a211_2_0:notes"/>
-          <p:cNvSpPr txBox="1"/>
+          <p:cNvSpPr txBox="1">
+            <a:spLocks noGrp="1"/>
+          </p:cNvSpPr>
           <p:nvPr>
-            <p:ph idx="1" type="body"/>
+            <p:ph type="body" idx="1"/>
           </p:nvPr>
         </p:nvSpPr>
         <p:spPr>
@@ -1881,12 +1964,12 @@
           </a:prstGeom>
         </p:spPr>
         <p:txBody>
-          <a:bodyPr anchorCtr="0" anchor="t" bIns="91425" lIns="91425" spcFirstLastPara="1" rIns="91425" wrap="square" tIns="91425">
+          <a:bodyPr spcFirstLastPara="1" wrap="square" lIns="91425" tIns="91425" rIns="91425" bIns="91425" anchor="t" anchorCtr="0">
             <a:noAutofit/>
           </a:bodyPr>
           <a:lstStyle/>
           <a:p>
-            <a:pPr indent="0" lvl="0" marL="0" rtl="0" algn="l">
+            <a:pPr marL="0" lvl="0" indent="0" algn="l" rtl="0">
               <a:spcBef>
                 <a:spcPts val="0"/>
               </a:spcBef>
@@ -1895,9 +1978,6 @@
               </a:spcAft>
               <a:buNone/>
             </a:pPr>
-            <a:r>
-              <a:t/>
-            </a:r>
             <a:endParaRPr/>
           </a:p>
         </p:txBody>
@@ -1911,11 +1991,11 @@
 </file>
 
 <file path=ppt/notesSlides/notesSlide7.xml><?xml version="1.0" encoding="utf-8"?>
-<p:notes xmlns:a="http://schemas.openxmlformats.org/drawingml/2006/main" xmlns:r="http://schemas.openxmlformats.org/officeDocument/2006/relationships" xmlns:mc="http://schemas.openxmlformats.org/markup-compatibility/2006" xmlns:mv="urn:schemas-microsoft-com:mac:vml" xmlns:p="http://schemas.openxmlformats.org/presentationml/2006/main" xmlns:c="http://schemas.openxmlformats.org/drawingml/2006/chart" xmlns:dgm="http://schemas.openxmlformats.org/drawingml/2006/diagram" xmlns:o="urn:schemas-microsoft-com:office:office" xmlns:v="urn:schemas-microsoft-com:vml" xmlns:pvml="urn:schemas-microsoft-com:office:powerpoint" xmlns:com="http://schemas.openxmlformats.org/drawingml/2006/compatibility" xmlns:p14="http://schemas.microsoft.com/office/powerpoint/2010/main" xmlns:p15="http://schemas.microsoft.com/office/powerpoint/2012/main" showMasterPhAnim="0" showMasterSp="0">
+<p:notes xmlns:a="http://schemas.openxmlformats.org/drawingml/2006/main" xmlns:r="http://schemas.openxmlformats.org/officeDocument/2006/relationships" xmlns:p="http://schemas.openxmlformats.org/presentationml/2006/main" showMasterSp="0" showMasterPhAnim="0">
   <p:cSld>
     <p:spTree>
       <p:nvGrpSpPr>
-        <p:cNvPr id="101" name="Shape 101"/>
+        <p:cNvPr id="1" name="Shape 101"/>
         <p:cNvGrpSpPr/>
         <p:nvPr/>
       </p:nvGrpSpPr>
@@ -1930,9 +2010,11 @@
       <p:sp>
         <p:nvSpPr>
           <p:cNvPr id="102" name="Google Shape;102;g42e459a211_2_6:notes"/>
-          <p:cNvSpPr/>
+          <p:cNvSpPr>
+            <a:spLocks noGrp="1" noRot="1" noChangeAspect="1"/>
+          </p:cNvSpPr>
           <p:nvPr>
-            <p:ph idx="2" type="sldImg"/>
+            <p:ph type="sldImg" idx="2"/>
           </p:nvPr>
         </p:nvSpPr>
         <p:spPr>
@@ -1941,9 +2023,13 @@
             <a:ext cx="4572300" cy="3429000"/>
           </a:xfrm>
           <a:custGeom>
-            <a:rect b="b" l="l" r="r" t="t"/>
+            <a:avLst/>
+            <a:gdLst/>
+            <a:ahLst/>
+            <a:cxnLst/>
+            <a:rect l="l" t="t" r="r" b="b"/>
             <a:pathLst>
-              <a:path extrusionOk="0" h="120000" w="120000">
+              <a:path w="120000" h="120000" extrusionOk="0">
                 <a:moveTo>
                   <a:pt x="0" y="0"/>
                 </a:moveTo>
@@ -1965,9 +2051,11 @@
       <p:sp>
         <p:nvSpPr>
           <p:cNvPr id="103" name="Google Shape;103;g42e459a211_2_6:notes"/>
-          <p:cNvSpPr txBox="1"/>
+          <p:cNvSpPr txBox="1">
+            <a:spLocks noGrp="1"/>
+          </p:cNvSpPr>
           <p:nvPr>
-            <p:ph idx="1" type="body"/>
+            <p:ph type="body" idx="1"/>
           </p:nvPr>
         </p:nvSpPr>
         <p:spPr>
@@ -1980,12 +2068,12 @@
           </a:prstGeom>
         </p:spPr>
         <p:txBody>
-          <a:bodyPr anchorCtr="0" anchor="t" bIns="91425" lIns="91425" spcFirstLastPara="1" rIns="91425" wrap="square" tIns="91425">
+          <a:bodyPr spcFirstLastPara="1" wrap="square" lIns="91425" tIns="91425" rIns="91425" bIns="91425" anchor="t" anchorCtr="0">
             <a:noAutofit/>
           </a:bodyPr>
           <a:lstStyle/>
           <a:p>
-            <a:pPr indent="0" lvl="0" marL="0" rtl="0" algn="l">
+            <a:pPr marL="0" lvl="0" indent="0" algn="l" rtl="0">
               <a:spcBef>
                 <a:spcPts val="0"/>
               </a:spcBef>
@@ -1994,9 +2082,6 @@
               </a:spcAft>
               <a:buNone/>
             </a:pPr>
-            <a:r>
-              <a:t/>
-            </a:r>
             <a:endParaRPr/>
           </a:p>
         </p:txBody>
@@ -2010,11 +2095,11 @@
 </file>
 
 <file path=ppt/notesSlides/notesSlide8.xml><?xml version="1.0" encoding="utf-8"?>
-<p:notes xmlns:a="http://schemas.openxmlformats.org/drawingml/2006/main" xmlns:r="http://schemas.openxmlformats.org/officeDocument/2006/relationships" xmlns:mc="http://schemas.openxmlformats.org/markup-compatibility/2006" xmlns:mv="urn:schemas-microsoft-com:mac:vml" xmlns:p="http://schemas.openxmlformats.org/presentationml/2006/main" xmlns:c="http://schemas.openxmlformats.org/drawingml/2006/chart" xmlns:dgm="http://schemas.openxmlformats.org/drawingml/2006/diagram" xmlns:o="urn:schemas-microsoft-com:office:office" xmlns:v="urn:schemas-microsoft-com:vml" xmlns:pvml="urn:schemas-microsoft-com:office:powerpoint" xmlns:com="http://schemas.openxmlformats.org/drawingml/2006/compatibility" xmlns:p14="http://schemas.microsoft.com/office/powerpoint/2010/main" xmlns:p15="http://schemas.microsoft.com/office/powerpoint/2012/main" showMasterPhAnim="0" showMasterSp="0">
+<p:notes xmlns:a="http://schemas.openxmlformats.org/drawingml/2006/main" xmlns:r="http://schemas.openxmlformats.org/officeDocument/2006/relationships" xmlns:p="http://schemas.openxmlformats.org/presentationml/2006/main" showMasterSp="0" showMasterPhAnim="0">
   <p:cSld>
     <p:spTree>
       <p:nvGrpSpPr>
-        <p:cNvPr id="107" name="Shape 107"/>
+        <p:cNvPr id="1" name="Shape 107"/>
         <p:cNvGrpSpPr/>
         <p:nvPr/>
       </p:nvGrpSpPr>
@@ -2029,9 +2114,11 @@
       <p:sp>
         <p:nvSpPr>
           <p:cNvPr id="108" name="Google Shape;108;g42e459a211_2_11:notes"/>
-          <p:cNvSpPr/>
+          <p:cNvSpPr>
+            <a:spLocks noGrp="1" noRot="1" noChangeAspect="1"/>
+          </p:cNvSpPr>
           <p:nvPr>
-            <p:ph idx="2" type="sldImg"/>
+            <p:ph type="sldImg" idx="2"/>
           </p:nvPr>
         </p:nvSpPr>
         <p:spPr>
@@ -2040,9 +2127,13 @@
             <a:ext cx="4572300" cy="3429000"/>
           </a:xfrm>
           <a:custGeom>
-            <a:rect b="b" l="l" r="r" t="t"/>
+            <a:avLst/>
+            <a:gdLst/>
+            <a:ahLst/>
+            <a:cxnLst/>
+            <a:rect l="l" t="t" r="r" b="b"/>
             <a:pathLst>
-              <a:path extrusionOk="0" h="120000" w="120000">
+              <a:path w="120000" h="120000" extrusionOk="0">
                 <a:moveTo>
                   <a:pt x="0" y="0"/>
                 </a:moveTo>
@@ -2064,9 +2155,11 @@
       <p:sp>
         <p:nvSpPr>
           <p:cNvPr id="109" name="Google Shape;109;g42e459a211_2_11:notes"/>
-          <p:cNvSpPr txBox="1"/>
+          <p:cNvSpPr txBox="1">
+            <a:spLocks noGrp="1"/>
+          </p:cNvSpPr>
           <p:nvPr>
-            <p:ph idx="1" type="body"/>
+            <p:ph type="body" idx="1"/>
           </p:nvPr>
         </p:nvSpPr>
         <p:spPr>
@@ -2079,12 +2172,12 @@
           </a:prstGeom>
         </p:spPr>
         <p:txBody>
-          <a:bodyPr anchorCtr="0" anchor="t" bIns="91425" lIns="91425" spcFirstLastPara="1" rIns="91425" wrap="square" tIns="91425">
+          <a:bodyPr spcFirstLastPara="1" wrap="square" lIns="91425" tIns="91425" rIns="91425" bIns="91425" anchor="t" anchorCtr="0">
             <a:noAutofit/>
           </a:bodyPr>
           <a:lstStyle/>
           <a:p>
-            <a:pPr indent="0" lvl="0" marL="0" rtl="0" algn="l">
+            <a:pPr marL="0" lvl="0" indent="0" algn="l" rtl="0">
               <a:spcBef>
                 <a:spcPts val="0"/>
               </a:spcBef>
@@ -2093,9 +2186,6 @@
               </a:spcAft>
               <a:buNone/>
             </a:pPr>
-            <a:r>
-              <a:t/>
-            </a:r>
             <a:endParaRPr/>
           </a:p>
         </p:txBody>
@@ -2109,11 +2199,11 @@
 </file>
 
 <file path=ppt/notesSlides/notesSlide9.xml><?xml version="1.0" encoding="utf-8"?>
-<p:notes xmlns:a="http://schemas.openxmlformats.org/drawingml/2006/main" xmlns:r="http://schemas.openxmlformats.org/officeDocument/2006/relationships" xmlns:mc="http://schemas.openxmlformats.org/markup-compatibility/2006" xmlns:mv="urn:schemas-microsoft-com:mac:vml" xmlns:p="http://schemas.openxmlformats.org/presentationml/2006/main" xmlns:c="http://schemas.openxmlformats.org/drawingml/2006/chart" xmlns:dgm="http://schemas.openxmlformats.org/drawingml/2006/diagram" xmlns:o="urn:schemas-microsoft-com:office:office" xmlns:v="urn:schemas-microsoft-com:vml" xmlns:pvml="urn:schemas-microsoft-com:office:powerpoint" xmlns:com="http://schemas.openxmlformats.org/drawingml/2006/compatibility" xmlns:p14="http://schemas.microsoft.com/office/powerpoint/2010/main" xmlns:p15="http://schemas.microsoft.com/office/powerpoint/2012/main" showMasterPhAnim="0" showMasterSp="0">
+<p:notes xmlns:a="http://schemas.openxmlformats.org/drawingml/2006/main" xmlns:r="http://schemas.openxmlformats.org/officeDocument/2006/relationships" xmlns:p="http://schemas.openxmlformats.org/presentationml/2006/main" showMasterSp="0" showMasterPhAnim="0">
   <p:cSld>
     <p:spTree>
       <p:nvGrpSpPr>
-        <p:cNvPr id="113" name="Shape 113"/>
+        <p:cNvPr id="1" name="Shape 113"/>
         <p:cNvGrpSpPr/>
         <p:nvPr/>
       </p:nvGrpSpPr>
@@ -2128,9 +2218,11 @@
       <p:sp>
         <p:nvSpPr>
           <p:cNvPr id="114" name="Google Shape;114;g42dcf3a53c_2_1:notes"/>
-          <p:cNvSpPr/>
+          <p:cNvSpPr>
+            <a:spLocks noGrp="1" noRot="1" noChangeAspect="1"/>
+          </p:cNvSpPr>
           <p:nvPr>
-            <p:ph idx="2" type="sldImg"/>
+            <p:ph type="sldImg" idx="2"/>
           </p:nvPr>
         </p:nvSpPr>
         <p:spPr>
@@ -2139,9 +2231,13 @@
             <a:ext cx="4572300" cy="3429000"/>
           </a:xfrm>
           <a:custGeom>
-            <a:rect b="b" l="l" r="r" t="t"/>
+            <a:avLst/>
+            <a:gdLst/>
+            <a:ahLst/>
+            <a:cxnLst/>
+            <a:rect l="l" t="t" r="r" b="b"/>
             <a:pathLst>
-              <a:path extrusionOk="0" h="120000" w="120000">
+              <a:path w="120000" h="120000" extrusionOk="0">
                 <a:moveTo>
                   <a:pt x="0" y="0"/>
                 </a:moveTo>
@@ -2163,9 +2259,11 @@
       <p:sp>
         <p:nvSpPr>
           <p:cNvPr id="115" name="Google Shape;115;g42dcf3a53c_2_1:notes"/>
-          <p:cNvSpPr txBox="1"/>
+          <p:cNvSpPr txBox="1">
+            <a:spLocks noGrp="1"/>
+          </p:cNvSpPr>
           <p:nvPr>
-            <p:ph idx="1" type="body"/>
+            <p:ph type="body" idx="1"/>
           </p:nvPr>
         </p:nvSpPr>
         <p:spPr>
@@ -2178,12 +2276,12 @@
           </a:prstGeom>
         </p:spPr>
         <p:txBody>
-          <a:bodyPr anchorCtr="0" anchor="t" bIns="91425" lIns="91425" spcFirstLastPara="1" rIns="91425" wrap="square" tIns="91425">
+          <a:bodyPr spcFirstLastPara="1" wrap="square" lIns="91425" tIns="91425" rIns="91425" bIns="91425" anchor="t" anchorCtr="0">
             <a:noAutofit/>
           </a:bodyPr>
           <a:lstStyle/>
           <a:p>
-            <a:pPr indent="0" lvl="0" marL="0" rtl="0" algn="l">
+            <a:pPr marL="0" lvl="0" indent="0" algn="l" rtl="0">
               <a:spcBef>
                 <a:spcPts val="0"/>
               </a:spcBef>
@@ -2192,9 +2290,6 @@
               </a:spcAft>
               <a:buNone/>
             </a:pPr>
-            <a:r>
-              <a:t/>
-            </a:r>
             <a:endParaRPr/>
           </a:p>
         </p:txBody>
@@ -2208,11 +2303,11 @@
 </file>
 
 <file path=ppt/slideLayouts/slideLayout1.xml><?xml version="1.0" encoding="utf-8"?>
-<p:sldLayout xmlns:a="http://schemas.openxmlformats.org/drawingml/2006/main" xmlns:r="http://schemas.openxmlformats.org/officeDocument/2006/relationships" xmlns:mc="http://schemas.openxmlformats.org/markup-compatibility/2006" xmlns:mv="urn:schemas-microsoft-com:mac:vml" xmlns:p="http://schemas.openxmlformats.org/presentationml/2006/main" xmlns:c="http://schemas.openxmlformats.org/drawingml/2006/chart" xmlns:dgm="http://schemas.openxmlformats.org/drawingml/2006/diagram" xmlns:o="urn:schemas-microsoft-com:office:office" xmlns:v="urn:schemas-microsoft-com:vml" xmlns:pvml="urn:schemas-microsoft-com:office:powerpoint" xmlns:com="http://schemas.openxmlformats.org/drawingml/2006/compatibility" xmlns:p14="http://schemas.microsoft.com/office/powerpoint/2010/main" xmlns:p15="http://schemas.microsoft.com/office/powerpoint/2012/main" matchingName="Title slide" type="title">
+<p:sldLayout xmlns:a="http://schemas.openxmlformats.org/drawingml/2006/main" xmlns:r="http://schemas.openxmlformats.org/officeDocument/2006/relationships" xmlns:p="http://schemas.openxmlformats.org/presentationml/2006/main" matchingName="Title slide" type="title">
   <p:cSld name="TITLE">
     <p:spTree>
       <p:nvGrpSpPr>
-        <p:cNvPr id="9" name="Shape 9"/>
+        <p:cNvPr id="1" name="Shape 9"/>
         <p:cNvGrpSpPr/>
         <p:nvPr/>
       </p:nvGrpSpPr>
@@ -2236,9 +2331,13 @@
             <a:ext cx="1442131" cy="1499896"/>
           </a:xfrm>
           <a:custGeom>
-            <a:rect b="b" l="l" r="r" t="t"/>
+            <a:avLst/>
+            <a:gdLst/>
+            <a:ahLst/>
+            <a:cxnLst/>
+            <a:rect l="l" t="t" r="r" b="b"/>
             <a:pathLst>
-              <a:path extrusionOk="0" h="44998" w="43265">
+              <a:path w="43265" h="44998" extrusionOk="0">
                 <a:moveTo>
                   <a:pt x="0" y="44998"/>
                 </a:moveTo>
@@ -2252,14 +2351,14 @@
             </a:pathLst>
           </a:custGeom>
           <a:noFill/>
-          <a:ln cap="flat" cmpd="sng" w="28575">
+          <a:ln w="28575" cap="flat" cmpd="sng">
             <a:solidFill>
               <a:schemeClr val="accent5"/>
             </a:solidFill>
             <a:prstDash val="solid"/>
             <a:miter lim="8000"/>
-            <a:headEnd len="sm" w="sm" type="none"/>
-            <a:tailEnd len="sm" w="sm" type="none"/>
+            <a:headEnd type="none" w="sm" len="sm"/>
+            <a:tailEnd type="none" w="sm" len="sm"/>
           </a:ln>
         </p:spPr>
       </p:sp>
@@ -2275,9 +2374,13 @@
             <a:ext cx="1442131" cy="1499896"/>
           </a:xfrm>
           <a:custGeom>
-            <a:rect b="b" l="l" r="r" t="t"/>
+            <a:avLst/>
+            <a:gdLst/>
+            <a:ahLst/>
+            <a:cxnLst/>
+            <a:rect l="l" t="t" r="r" b="b"/>
             <a:pathLst>
-              <a:path extrusionOk="0" h="44998" w="43265">
+              <a:path w="43265" h="44998" extrusionOk="0">
                 <a:moveTo>
                   <a:pt x="0" y="44998"/>
                 </a:moveTo>
@@ -2291,14 +2394,14 @@
             </a:pathLst>
           </a:custGeom>
           <a:noFill/>
-          <a:ln cap="flat" cmpd="sng" w="28575">
+          <a:ln w="28575" cap="flat" cmpd="sng">
             <a:solidFill>
               <a:schemeClr val="accent5"/>
             </a:solidFill>
             <a:prstDash val="solid"/>
             <a:miter lim="8000"/>
-            <a:headEnd len="sm" w="sm" type="none"/>
-            <a:tailEnd len="sm" w="sm" type="none"/>
+            <a:headEnd type="none" w="sm" len="sm"/>
+            <a:tailEnd type="none" w="sm" len="sm"/>
           </a:ln>
         </p:spPr>
       </p:sp>
@@ -2317,21 +2420,23 @@
             <a:avLst/>
           </a:prstGeom>
           <a:noFill/>
-          <a:ln cap="flat" cmpd="sng" w="38100">
+          <a:ln w="38100" cap="flat" cmpd="sng">
             <a:solidFill>
               <a:schemeClr val="accent4"/>
             </a:solidFill>
             <a:prstDash val="solid"/>
             <a:round/>
-            <a:headEnd len="sm" w="sm" type="none"/>
-            <a:tailEnd len="sm" w="sm" type="none"/>
+            <a:headEnd type="none" w="sm" len="sm"/>
+            <a:tailEnd type="none" w="sm" len="sm"/>
           </a:ln>
         </p:spPr>
       </p:cxnSp>
       <p:sp>
         <p:nvSpPr>
           <p:cNvPr id="13" name="Google Shape;13;p2"/>
-          <p:cNvSpPr txBox="1"/>
+          <p:cNvSpPr txBox="1">
+            <a:spLocks noGrp="1"/>
+          </p:cNvSpPr>
           <p:nvPr>
             <p:ph type="ctrTitle"/>
           </p:nvPr>
@@ -2346,7 +2451,7 @@
           </a:prstGeom>
         </p:spPr>
         <p:txBody>
-          <a:bodyPr anchorCtr="0" anchor="b" bIns="121900" lIns="121900" spcFirstLastPara="1" rIns="121900" wrap="square" tIns="121900"/>
+          <a:bodyPr spcFirstLastPara="1" wrap="square" lIns="121900" tIns="121900" rIns="121900" bIns="121900" anchor="b" anchorCtr="0"/>
           <a:lstStyle>
             <a:lvl1pPr lvl="0" algn="ctr">
               <a:spcBef>
@@ -2448,15 +2553,19 @@
               <a:defRPr sz="5300"/>
             </a:lvl9pPr>
           </a:lstStyle>
-          <a:p/>
+          <a:p>
+            <a:endParaRPr/>
+          </a:p>
         </p:txBody>
       </p:sp>
       <p:sp>
         <p:nvSpPr>
           <p:cNvPr id="14" name="Google Shape;14;p2"/>
-          <p:cNvSpPr txBox="1"/>
+          <p:cNvSpPr txBox="1">
+            <a:spLocks noGrp="1"/>
+          </p:cNvSpPr>
           <p:nvPr>
-            <p:ph idx="1" type="subTitle"/>
+            <p:ph type="subTitle" idx="1"/>
           </p:nvPr>
         </p:nvSpPr>
         <p:spPr>
@@ -2469,7 +2578,7 @@
           </a:prstGeom>
         </p:spPr>
         <p:txBody>
-          <a:bodyPr anchorCtr="0" anchor="t" bIns="121900" lIns="121900" spcFirstLastPara="1" rIns="121900" wrap="square" tIns="121900"/>
+          <a:bodyPr spcFirstLastPara="1" wrap="square" lIns="121900" tIns="121900" rIns="121900" bIns="121900" anchor="t" anchorCtr="0"/>
           <a:lstStyle>
             <a:lvl1pPr lvl="0" algn="ctr">
               <a:lnSpc>
@@ -2706,15 +2815,19 @@
               </a:defRPr>
             </a:lvl9pPr>
           </a:lstStyle>
-          <a:p/>
+          <a:p>
+            <a:endParaRPr/>
+          </a:p>
         </p:txBody>
       </p:sp>
       <p:sp>
         <p:nvSpPr>
           <p:cNvPr id="15" name="Google Shape;15;p2"/>
-          <p:cNvSpPr txBox="1"/>
+          <p:cNvSpPr txBox="1">
+            <a:spLocks noGrp="1"/>
+          </p:cNvSpPr>
           <p:nvPr>
-            <p:ph idx="12" type="sldNum"/>
+            <p:ph type="sldNum" idx="12"/>
           </p:nvPr>
         </p:nvSpPr>
         <p:spPr>
@@ -2727,7 +2840,7 @@
           </a:prstGeom>
         </p:spPr>
         <p:txBody>
-          <a:bodyPr anchorCtr="0" anchor="ctr" bIns="121900" lIns="121900" spcFirstLastPara="1" rIns="121900" wrap="square" tIns="121900">
+          <a:bodyPr spcFirstLastPara="1" wrap="square" lIns="121900" tIns="121900" rIns="121900" bIns="121900" anchor="ctr" anchorCtr="0">
             <a:noAutofit/>
           </a:bodyPr>
           <a:lstStyle>
@@ -2769,7 +2882,7 @@
             </a:lvl9pPr>
           </a:lstStyle>
           <a:p>
-            <a:pPr indent="0" lvl="0" marL="0" rtl="0" algn="r">
+            <a:pPr marL="0" lvl="0" indent="0" algn="r" rtl="0">
               <a:spcBef>
                 <a:spcPts val="0"/>
               </a:spcBef>
@@ -2795,11 +2908,11 @@
 </file>
 
 <file path=ppt/slideLayouts/slideLayout10.xml><?xml version="1.0" encoding="utf-8"?>
-<p:sldLayout xmlns:a="http://schemas.openxmlformats.org/drawingml/2006/main" xmlns:r="http://schemas.openxmlformats.org/officeDocument/2006/relationships" xmlns:mc="http://schemas.openxmlformats.org/markup-compatibility/2006" xmlns:mv="urn:schemas-microsoft-com:mac:vml" xmlns:p="http://schemas.openxmlformats.org/presentationml/2006/main" xmlns:c="http://schemas.openxmlformats.org/drawingml/2006/chart" xmlns:dgm="http://schemas.openxmlformats.org/drawingml/2006/diagram" xmlns:o="urn:schemas-microsoft-com:office:office" xmlns:v="urn:schemas-microsoft-com:vml" xmlns:pvml="urn:schemas-microsoft-com:office:powerpoint" xmlns:com="http://schemas.openxmlformats.org/drawingml/2006/compatibility" xmlns:p14="http://schemas.microsoft.com/office/powerpoint/2010/main" xmlns:p15="http://schemas.microsoft.com/office/powerpoint/2012/main" matchingName="Big number">
+<p:sldLayout xmlns:a="http://schemas.openxmlformats.org/drawingml/2006/main" xmlns:r="http://schemas.openxmlformats.org/officeDocument/2006/relationships" xmlns:p="http://schemas.openxmlformats.org/presentationml/2006/main" matchingName="Big number">
   <p:cSld name="BIG_NUMBER">
     <p:spTree>
       <p:nvGrpSpPr>
-        <p:cNvPr id="52" name="Shape 52"/>
+        <p:cNvPr id="1" name="Shape 52"/>
         <p:cNvGrpSpPr/>
         <p:nvPr/>
       </p:nvGrpSpPr>
@@ -2833,12 +2946,12 @@
           </a:ln>
         </p:spPr>
         <p:txBody>
-          <a:bodyPr anchorCtr="0" anchor="ctr" bIns="121900" lIns="121900" spcFirstLastPara="1" rIns="121900" wrap="square" tIns="121900">
+          <a:bodyPr spcFirstLastPara="1" wrap="square" lIns="121900" tIns="121900" rIns="121900" bIns="121900" anchor="ctr" anchorCtr="0">
             <a:noAutofit/>
           </a:bodyPr>
           <a:lstStyle/>
           <a:p>
-            <a:pPr indent="0" lvl="0" marL="0" rtl="0" algn="l">
+            <a:pPr marL="0" lvl="0" indent="0" algn="l" rtl="0">
               <a:spcBef>
                 <a:spcPts val="0"/>
               </a:spcBef>
@@ -2847,9 +2960,6 @@
               </a:spcAft>
               <a:buNone/>
             </a:pPr>
-            <a:r>
-              <a:t/>
-            </a:r>
             <a:endParaRPr/>
           </a:p>
         </p:txBody>
@@ -2857,9 +2967,11 @@
       <p:sp>
         <p:nvSpPr>
           <p:cNvPr id="54" name="Google Shape;54;p11"/>
-          <p:cNvSpPr txBox="1"/>
+          <p:cNvSpPr txBox="1">
+            <a:spLocks noGrp="1"/>
+          </p:cNvSpPr>
           <p:nvPr>
-            <p:ph hasCustomPrompt="1" type="title"/>
+            <p:ph type="title" hasCustomPrompt="1"/>
           </p:nvPr>
         </p:nvSpPr>
         <p:spPr>
@@ -2872,7 +2984,7 @@
           </a:prstGeom>
         </p:spPr>
         <p:txBody>
-          <a:bodyPr anchorCtr="0" anchor="ctr" bIns="121900" lIns="121900" spcFirstLastPara="1" rIns="121900" wrap="square" tIns="121900"/>
+          <a:bodyPr spcFirstLastPara="1" wrap="square" lIns="121900" tIns="121900" rIns="121900" bIns="121900" anchor="ctr" anchorCtr="0"/>
           <a:lstStyle>
             <a:lvl1pPr lvl="0" algn="ctr">
               <a:spcBef>
@@ -3047,9 +3159,11 @@
       <p:sp>
         <p:nvSpPr>
           <p:cNvPr id="55" name="Google Shape;55;p11"/>
-          <p:cNvSpPr txBox="1"/>
+          <p:cNvSpPr txBox="1">
+            <a:spLocks noGrp="1"/>
+          </p:cNvSpPr>
           <p:nvPr>
-            <p:ph idx="1" type="body"/>
+            <p:ph type="body" idx="1"/>
           </p:nvPr>
         </p:nvSpPr>
         <p:spPr>
@@ -3062,9 +3176,9 @@
           </a:prstGeom>
         </p:spPr>
         <p:txBody>
-          <a:bodyPr anchorCtr="0" anchor="t" bIns="121900" lIns="121900" spcFirstLastPara="1" rIns="121900" wrap="square" tIns="121900"/>
+          <a:bodyPr spcFirstLastPara="1" wrap="square" lIns="121900" tIns="121900" rIns="121900" bIns="121900" anchor="t" anchorCtr="0"/>
           <a:lstStyle>
-            <a:lvl1pPr indent="-381000" lvl="0" marL="457200" algn="ctr">
+            <a:lvl1pPr marL="457200" lvl="0" indent="-381000" algn="ctr">
               <a:spcBef>
                 <a:spcPts val="0"/>
               </a:spcBef>
@@ -3075,7 +3189,7 @@
               <a:buChar char="●"/>
               <a:defRPr/>
             </a:lvl1pPr>
-            <a:lvl2pPr indent="-349250" lvl="1" marL="914400" algn="ctr">
+            <a:lvl2pPr marL="914400" lvl="1" indent="-349250" algn="ctr">
               <a:spcBef>
                 <a:spcPts val="2100"/>
               </a:spcBef>
@@ -3086,7 +3200,7 @@
               <a:buChar char="○"/>
               <a:defRPr/>
             </a:lvl2pPr>
-            <a:lvl3pPr indent="-349250" lvl="2" marL="1371600" algn="ctr">
+            <a:lvl3pPr marL="1371600" lvl="2" indent="-349250" algn="ctr">
               <a:spcBef>
                 <a:spcPts val="2100"/>
               </a:spcBef>
@@ -3097,7 +3211,7 @@
               <a:buChar char="■"/>
               <a:defRPr/>
             </a:lvl3pPr>
-            <a:lvl4pPr indent="-349250" lvl="3" marL="1828800" algn="ctr">
+            <a:lvl4pPr marL="1828800" lvl="3" indent="-349250" algn="ctr">
               <a:spcBef>
                 <a:spcPts val="2100"/>
               </a:spcBef>
@@ -3108,7 +3222,7 @@
               <a:buChar char="●"/>
               <a:defRPr/>
             </a:lvl4pPr>
-            <a:lvl5pPr indent="-349250" lvl="4" marL="2286000" algn="ctr">
+            <a:lvl5pPr marL="2286000" lvl="4" indent="-349250" algn="ctr">
               <a:spcBef>
                 <a:spcPts val="2100"/>
               </a:spcBef>
@@ -3119,7 +3233,7 @@
               <a:buChar char="○"/>
               <a:defRPr/>
             </a:lvl5pPr>
-            <a:lvl6pPr indent="-349250" lvl="5" marL="2743200" algn="ctr">
+            <a:lvl6pPr marL="2743200" lvl="5" indent="-349250" algn="ctr">
               <a:spcBef>
                 <a:spcPts val="2100"/>
               </a:spcBef>
@@ -3130,7 +3244,7 @@
               <a:buChar char="■"/>
               <a:defRPr/>
             </a:lvl6pPr>
-            <a:lvl7pPr indent="-349250" lvl="6" marL="3200400" algn="ctr">
+            <a:lvl7pPr marL="3200400" lvl="6" indent="-349250" algn="ctr">
               <a:spcBef>
                 <a:spcPts val="2100"/>
               </a:spcBef>
@@ -3141,7 +3255,7 @@
               <a:buChar char="●"/>
               <a:defRPr/>
             </a:lvl7pPr>
-            <a:lvl8pPr indent="-349250" lvl="7" marL="3657600" algn="ctr">
+            <a:lvl8pPr marL="3657600" lvl="7" indent="-349250" algn="ctr">
               <a:spcBef>
                 <a:spcPts val="2100"/>
               </a:spcBef>
@@ -3152,7 +3266,7 @@
               <a:buChar char="○"/>
               <a:defRPr/>
             </a:lvl8pPr>
-            <a:lvl9pPr indent="-349250" lvl="8" marL="4114800" algn="ctr">
+            <a:lvl9pPr marL="4114800" lvl="8" indent="-349250" algn="ctr">
               <a:spcBef>
                 <a:spcPts val="2100"/>
               </a:spcBef>
@@ -3164,15 +3278,19 @@
               <a:defRPr/>
             </a:lvl9pPr>
           </a:lstStyle>
-          <a:p/>
+          <a:p>
+            <a:endParaRPr/>
+          </a:p>
         </p:txBody>
       </p:sp>
       <p:sp>
         <p:nvSpPr>
           <p:cNvPr id="56" name="Google Shape;56;p11"/>
-          <p:cNvSpPr txBox="1"/>
+          <p:cNvSpPr txBox="1">
+            <a:spLocks noGrp="1"/>
+          </p:cNvSpPr>
           <p:nvPr>
-            <p:ph idx="12" type="sldNum"/>
+            <p:ph type="sldNum" idx="12"/>
           </p:nvPr>
         </p:nvSpPr>
         <p:spPr>
@@ -3185,7 +3303,7 @@
           </a:prstGeom>
         </p:spPr>
         <p:txBody>
-          <a:bodyPr anchorCtr="0" anchor="ctr" bIns="121900" lIns="121900" spcFirstLastPara="1" rIns="121900" wrap="square" tIns="121900">
+          <a:bodyPr spcFirstLastPara="1" wrap="square" lIns="121900" tIns="121900" rIns="121900" bIns="121900" anchor="ctr" anchorCtr="0">
             <a:noAutofit/>
           </a:bodyPr>
           <a:lstStyle>
@@ -3227,7 +3345,7 @@
             </a:lvl9pPr>
           </a:lstStyle>
           <a:p>
-            <a:pPr indent="0" lvl="0" marL="0" rtl="0" algn="r">
+            <a:pPr marL="0" lvl="0" indent="0" algn="r" rtl="0">
               <a:spcBef>
                 <a:spcPts val="0"/>
               </a:spcBef>
@@ -3253,11 +3371,11 @@
 </file>
 
 <file path=ppt/slideLayouts/slideLayout11.xml><?xml version="1.0" encoding="utf-8"?>
-<p:sldLayout xmlns:a="http://schemas.openxmlformats.org/drawingml/2006/main" xmlns:r="http://schemas.openxmlformats.org/officeDocument/2006/relationships" xmlns:mc="http://schemas.openxmlformats.org/markup-compatibility/2006" xmlns:mv="urn:schemas-microsoft-com:mac:vml" xmlns:p="http://schemas.openxmlformats.org/presentationml/2006/main" xmlns:c="http://schemas.openxmlformats.org/drawingml/2006/chart" xmlns:dgm="http://schemas.openxmlformats.org/drawingml/2006/diagram" xmlns:o="urn:schemas-microsoft-com:office:office" xmlns:v="urn:schemas-microsoft-com:vml" xmlns:pvml="urn:schemas-microsoft-com:office:powerpoint" xmlns:com="http://schemas.openxmlformats.org/drawingml/2006/compatibility" xmlns:p14="http://schemas.microsoft.com/office/powerpoint/2010/main" xmlns:p15="http://schemas.microsoft.com/office/powerpoint/2012/main" matchingName="Blank" type="blank">
+<p:sldLayout xmlns:a="http://schemas.openxmlformats.org/drawingml/2006/main" xmlns:r="http://schemas.openxmlformats.org/officeDocument/2006/relationships" xmlns:p="http://schemas.openxmlformats.org/presentationml/2006/main" matchingName="Blank" type="blank">
   <p:cSld name="BLANK">
     <p:spTree>
       <p:nvGrpSpPr>
-        <p:cNvPr id="57" name="Shape 57"/>
+        <p:cNvPr id="1" name="Shape 57"/>
         <p:cNvGrpSpPr/>
         <p:nvPr/>
       </p:nvGrpSpPr>
@@ -3272,9 +3390,11 @@
       <p:sp>
         <p:nvSpPr>
           <p:cNvPr id="58" name="Google Shape;58;p12"/>
-          <p:cNvSpPr txBox="1"/>
+          <p:cNvSpPr txBox="1">
+            <a:spLocks noGrp="1"/>
+          </p:cNvSpPr>
           <p:nvPr>
-            <p:ph idx="12" type="sldNum"/>
+            <p:ph type="sldNum" idx="12"/>
           </p:nvPr>
         </p:nvSpPr>
         <p:spPr>
@@ -3287,7 +3407,7 @@
           </a:prstGeom>
         </p:spPr>
         <p:txBody>
-          <a:bodyPr anchorCtr="0" anchor="ctr" bIns="121900" lIns="121900" spcFirstLastPara="1" rIns="121900" wrap="square" tIns="121900">
+          <a:bodyPr spcFirstLastPara="1" wrap="square" lIns="121900" tIns="121900" rIns="121900" bIns="121900" anchor="ctr" anchorCtr="0">
             <a:noAutofit/>
           </a:bodyPr>
           <a:lstStyle>
@@ -3329,7 +3449,7 @@
             </a:lvl9pPr>
           </a:lstStyle>
           <a:p>
-            <a:pPr indent="0" lvl="0" marL="0" rtl="0" algn="r">
+            <a:pPr marL="0" lvl="0" indent="0" algn="r" rtl="0">
               <a:spcBef>
                 <a:spcPts val="0"/>
               </a:spcBef>
@@ -3355,11 +3475,11 @@
 </file>
 
 <file path=ppt/slideLayouts/slideLayout12.xml><?xml version="1.0" encoding="utf-8"?>
-<p:sldLayout xmlns:a="http://schemas.openxmlformats.org/drawingml/2006/main" xmlns:r="http://schemas.openxmlformats.org/officeDocument/2006/relationships" xmlns:mc="http://schemas.openxmlformats.org/markup-compatibility/2006" xmlns:mv="urn:schemas-microsoft-com:mac:vml" xmlns:p="http://schemas.openxmlformats.org/presentationml/2006/main" xmlns:c="http://schemas.openxmlformats.org/drawingml/2006/chart" xmlns:dgm="http://schemas.openxmlformats.org/drawingml/2006/diagram" xmlns:o="urn:schemas-microsoft-com:office:office" xmlns:v="urn:schemas-microsoft-com:vml" xmlns:pvml="urn:schemas-microsoft-com:office:powerpoint" xmlns:com="http://schemas.openxmlformats.org/drawingml/2006/compatibility" xmlns:p14="http://schemas.microsoft.com/office/powerpoint/2010/main" xmlns:p15="http://schemas.microsoft.com/office/powerpoint/2012/main" matchingName="Title and Content" type="obj">
+<p:sldLayout xmlns:a="http://schemas.openxmlformats.org/drawingml/2006/main" xmlns:r="http://schemas.openxmlformats.org/officeDocument/2006/relationships" xmlns:p="http://schemas.openxmlformats.org/presentationml/2006/main" matchingName="Title and Content" type="obj">
   <p:cSld name="OBJECT">
     <p:spTree>
       <p:nvGrpSpPr>
-        <p:cNvPr id="59" name="Shape 59"/>
+        <p:cNvPr id="1" name="Shape 59"/>
         <p:cNvGrpSpPr/>
         <p:nvPr/>
       </p:nvGrpSpPr>
@@ -3374,7 +3494,9 @@
       <p:sp>
         <p:nvSpPr>
           <p:cNvPr id="60" name="Google Shape;60;p13"/>
-          <p:cNvSpPr txBox="1"/>
+          <p:cNvSpPr txBox="1">
+            <a:spLocks noGrp="1"/>
+          </p:cNvSpPr>
           <p:nvPr>
             <p:ph type="title"/>
           </p:nvPr>
@@ -3393,9 +3515,9 @@
           </a:ln>
         </p:spPr>
         <p:txBody>
-          <a:bodyPr anchorCtr="0" anchor="ctr" bIns="45700" lIns="91425" spcFirstLastPara="1" rIns="91425" wrap="square" tIns="45700"/>
+          <a:bodyPr spcFirstLastPara="1" wrap="square" lIns="91425" tIns="45700" rIns="91425" bIns="45700" anchor="ctr" anchorCtr="0"/>
           <a:lstStyle>
-            <a:lvl1pPr lvl="0" marR="0" rtl="0" algn="l">
+            <a:lvl1pPr marR="0" lvl="0" algn="l" rtl="0">
               <a:lnSpc>
                 <a:spcPct val="90000"/>
               </a:lnSpc>
@@ -3407,7 +3529,7 @@
               </a:spcAft>
               <a:buSzPts val="4000"/>
               <a:buNone/>
-              <a:defRPr b="0" i="0" sz="4400" u="none" cap="none" strike="noStrike">
+              <a:defRPr sz="4400" b="0" i="0" u="none" strike="noStrike" cap="none">
                 <a:solidFill>
                   <a:schemeClr val="dk1"/>
                 </a:solidFill>
@@ -3417,7 +3539,7 @@
                 <a:sym typeface="Calibri"/>
               </a:defRPr>
             </a:lvl1pPr>
-            <a:lvl2pPr lvl="1" marR="0" rtl="0" algn="l">
+            <a:lvl2pPr marR="0" lvl="1" algn="l" rtl="0">
               <a:lnSpc>
                 <a:spcPct val="90000"/>
               </a:lnSpc>
@@ -3429,7 +3551,7 @@
               </a:spcAft>
               <a:buSzPts val="4000"/>
               <a:buNone/>
-              <a:defRPr b="0" i="0" sz="4400" u="none" cap="none" strike="noStrike">
+              <a:defRPr sz="4400" b="0" i="0" u="none" strike="noStrike" cap="none">
                 <a:solidFill>
                   <a:schemeClr val="dk1"/>
                 </a:solidFill>
@@ -3439,7 +3561,7 @@
                 <a:sym typeface="Calibri"/>
               </a:defRPr>
             </a:lvl2pPr>
-            <a:lvl3pPr lvl="2" marR="0" rtl="0" algn="l">
+            <a:lvl3pPr marR="0" lvl="2" algn="l" rtl="0">
               <a:lnSpc>
                 <a:spcPct val="90000"/>
               </a:lnSpc>
@@ -3451,7 +3573,7 @@
               </a:spcAft>
               <a:buSzPts val="4000"/>
               <a:buNone/>
-              <a:defRPr b="0" i="0" sz="4400" u="none" cap="none" strike="noStrike">
+              <a:defRPr sz="4400" b="0" i="0" u="none" strike="noStrike" cap="none">
                 <a:solidFill>
                   <a:schemeClr val="dk1"/>
                 </a:solidFill>
@@ -3461,7 +3583,7 @@
                 <a:sym typeface="Calibri"/>
               </a:defRPr>
             </a:lvl3pPr>
-            <a:lvl4pPr lvl="3" marR="0" rtl="0" algn="l">
+            <a:lvl4pPr marR="0" lvl="3" algn="l" rtl="0">
               <a:lnSpc>
                 <a:spcPct val="90000"/>
               </a:lnSpc>
@@ -3473,7 +3595,7 @@
               </a:spcAft>
               <a:buSzPts val="4000"/>
               <a:buNone/>
-              <a:defRPr b="0" i="0" sz="4400" u="none" cap="none" strike="noStrike">
+              <a:defRPr sz="4400" b="0" i="0" u="none" strike="noStrike" cap="none">
                 <a:solidFill>
                   <a:schemeClr val="dk1"/>
                 </a:solidFill>
@@ -3483,7 +3605,7 @@
                 <a:sym typeface="Calibri"/>
               </a:defRPr>
             </a:lvl4pPr>
-            <a:lvl5pPr lvl="4" marR="0" rtl="0" algn="l">
+            <a:lvl5pPr marR="0" lvl="4" algn="l" rtl="0">
               <a:lnSpc>
                 <a:spcPct val="90000"/>
               </a:lnSpc>
@@ -3495,7 +3617,7 @@
               </a:spcAft>
               <a:buSzPts val="4000"/>
               <a:buNone/>
-              <a:defRPr b="0" i="0" sz="4400" u="none" cap="none" strike="noStrike">
+              <a:defRPr sz="4400" b="0" i="0" u="none" strike="noStrike" cap="none">
                 <a:solidFill>
                   <a:schemeClr val="dk1"/>
                 </a:solidFill>
@@ -3505,7 +3627,7 @@
                 <a:sym typeface="Calibri"/>
               </a:defRPr>
             </a:lvl5pPr>
-            <a:lvl6pPr lvl="5" marR="0" rtl="0" algn="l">
+            <a:lvl6pPr marR="0" lvl="5" algn="l" rtl="0">
               <a:lnSpc>
                 <a:spcPct val="90000"/>
               </a:lnSpc>
@@ -3517,7 +3639,7 @@
               </a:spcAft>
               <a:buSzPts val="4000"/>
               <a:buNone/>
-              <a:defRPr b="0" i="0" sz="4400" u="none" cap="none" strike="noStrike">
+              <a:defRPr sz="4400" b="0" i="0" u="none" strike="noStrike" cap="none">
                 <a:solidFill>
                   <a:schemeClr val="dk1"/>
                 </a:solidFill>
@@ -3527,7 +3649,7 @@
                 <a:sym typeface="Calibri"/>
               </a:defRPr>
             </a:lvl6pPr>
-            <a:lvl7pPr lvl="6" marR="0" rtl="0" algn="l">
+            <a:lvl7pPr marR="0" lvl="6" algn="l" rtl="0">
               <a:lnSpc>
                 <a:spcPct val="90000"/>
               </a:lnSpc>
@@ -3539,7 +3661,7 @@
               </a:spcAft>
               <a:buSzPts val="4000"/>
               <a:buNone/>
-              <a:defRPr b="0" i="0" sz="4400" u="none" cap="none" strike="noStrike">
+              <a:defRPr sz="4400" b="0" i="0" u="none" strike="noStrike" cap="none">
                 <a:solidFill>
                   <a:schemeClr val="dk1"/>
                 </a:solidFill>
@@ -3549,7 +3671,7 @@
                 <a:sym typeface="Calibri"/>
               </a:defRPr>
             </a:lvl7pPr>
-            <a:lvl8pPr lvl="7" marR="0" rtl="0" algn="l">
+            <a:lvl8pPr marR="0" lvl="7" algn="l" rtl="0">
               <a:lnSpc>
                 <a:spcPct val="90000"/>
               </a:lnSpc>
@@ -3561,7 +3683,7 @@
               </a:spcAft>
               <a:buSzPts val="4000"/>
               <a:buNone/>
-              <a:defRPr b="0" i="0" sz="4400" u="none" cap="none" strike="noStrike">
+              <a:defRPr sz="4400" b="0" i="0" u="none" strike="noStrike" cap="none">
                 <a:solidFill>
                   <a:schemeClr val="dk1"/>
                 </a:solidFill>
@@ -3571,7 +3693,7 @@
                 <a:sym typeface="Calibri"/>
               </a:defRPr>
             </a:lvl8pPr>
-            <a:lvl9pPr lvl="8" marR="0" rtl="0" algn="l">
+            <a:lvl9pPr marR="0" lvl="8" algn="l" rtl="0">
               <a:lnSpc>
                 <a:spcPct val="90000"/>
               </a:lnSpc>
@@ -3583,7 +3705,7 @@
               </a:spcAft>
               <a:buSzPts val="4000"/>
               <a:buNone/>
-              <a:defRPr b="0" i="0" sz="4400" u="none" cap="none" strike="noStrike">
+              <a:defRPr sz="4400" b="0" i="0" u="none" strike="noStrike" cap="none">
                 <a:solidFill>
                   <a:schemeClr val="dk1"/>
                 </a:solidFill>
@@ -3594,15 +3716,19 @@
               </a:defRPr>
             </a:lvl9pPr>
           </a:lstStyle>
-          <a:p/>
+          <a:p>
+            <a:endParaRPr/>
+          </a:p>
         </p:txBody>
       </p:sp>
       <p:sp>
         <p:nvSpPr>
           <p:cNvPr id="61" name="Google Shape;61;p13"/>
-          <p:cNvSpPr txBox="1"/>
+          <p:cNvSpPr txBox="1">
+            <a:spLocks noGrp="1"/>
+          </p:cNvSpPr>
           <p:nvPr>
-            <p:ph idx="1" type="body"/>
+            <p:ph type="body" idx="1"/>
           </p:nvPr>
         </p:nvSpPr>
         <p:spPr>
@@ -3619,9 +3745,9 @@
           </a:ln>
         </p:spPr>
         <p:txBody>
-          <a:bodyPr anchorCtr="0" anchor="t" bIns="45700" lIns="91425" spcFirstLastPara="1" rIns="91425" wrap="square" tIns="45700"/>
+          <a:bodyPr spcFirstLastPara="1" wrap="square" lIns="91425" tIns="45700" rIns="91425" bIns="45700" anchor="t" anchorCtr="0"/>
           <a:lstStyle>
-            <a:lvl1pPr indent="-406400" lvl="0" marL="457200" marR="0" rtl="0" algn="l">
+            <a:lvl1pPr marL="457200" marR="0" lvl="0" indent="-406400" algn="l" rtl="0">
               <a:lnSpc>
                 <a:spcPct val="90000"/>
               </a:lnSpc>
@@ -3637,7 +3763,7 @@
               <a:buSzPts val="2800"/>
               <a:buFont typeface="Arial"/>
               <a:buChar char="•"/>
-              <a:defRPr b="0" i="0" sz="2800" u="none" cap="none" strike="noStrike">
+              <a:defRPr sz="2800" b="0" i="0" u="none" strike="noStrike" cap="none">
                 <a:solidFill>
                   <a:schemeClr val="dk1"/>
                 </a:solidFill>
@@ -3647,7 +3773,7 @@
                 <a:sym typeface="Calibri"/>
               </a:defRPr>
             </a:lvl1pPr>
-            <a:lvl2pPr indent="-381000" lvl="1" marL="914400" marR="0" rtl="0" algn="l">
+            <a:lvl2pPr marL="914400" marR="0" lvl="1" indent="-381000" algn="l" rtl="0">
               <a:lnSpc>
                 <a:spcPct val="90000"/>
               </a:lnSpc>
@@ -3663,7 +3789,7 @@
               <a:buSzPts val="2400"/>
               <a:buFont typeface="Arial"/>
               <a:buChar char="•"/>
-              <a:defRPr b="0" i="0" sz="2400" u="none" cap="none" strike="noStrike">
+              <a:defRPr sz="2400" b="0" i="0" u="none" strike="noStrike" cap="none">
                 <a:solidFill>
                   <a:schemeClr val="dk1"/>
                 </a:solidFill>
@@ -3673,7 +3799,7 @@
                 <a:sym typeface="Calibri"/>
               </a:defRPr>
             </a:lvl2pPr>
-            <a:lvl3pPr indent="-355600" lvl="2" marL="1371600" marR="0" rtl="0" algn="l">
+            <a:lvl3pPr marL="1371600" marR="0" lvl="2" indent="-355600" algn="l" rtl="0">
               <a:lnSpc>
                 <a:spcPct val="90000"/>
               </a:lnSpc>
@@ -3689,7 +3815,7 @@
               <a:buSzPts val="2000"/>
               <a:buFont typeface="Arial"/>
               <a:buChar char="•"/>
-              <a:defRPr b="0" i="0" sz="2000" u="none" cap="none" strike="noStrike">
+              <a:defRPr sz="2000" b="0" i="0" u="none" strike="noStrike" cap="none">
                 <a:solidFill>
                   <a:schemeClr val="dk1"/>
                 </a:solidFill>
@@ -3699,7 +3825,7 @@
                 <a:sym typeface="Calibri"/>
               </a:defRPr>
             </a:lvl3pPr>
-            <a:lvl4pPr indent="-342900" lvl="3" marL="1828800" marR="0" rtl="0" algn="l">
+            <a:lvl4pPr marL="1828800" marR="0" lvl="3" indent="-342900" algn="l" rtl="0">
               <a:lnSpc>
                 <a:spcPct val="90000"/>
               </a:lnSpc>
@@ -3715,7 +3841,7 @@
               <a:buSzPts val="1800"/>
               <a:buFont typeface="Arial"/>
               <a:buChar char="•"/>
-              <a:defRPr b="0" i="0" sz="1800" u="none" cap="none" strike="noStrike">
+              <a:defRPr sz="1800" b="0" i="0" u="none" strike="noStrike" cap="none">
                 <a:solidFill>
                   <a:schemeClr val="dk1"/>
                 </a:solidFill>
@@ -3725,7 +3851,7 @@
                 <a:sym typeface="Calibri"/>
               </a:defRPr>
             </a:lvl4pPr>
-            <a:lvl5pPr indent="-342900" lvl="4" marL="2286000" marR="0" rtl="0" algn="l">
+            <a:lvl5pPr marL="2286000" marR="0" lvl="4" indent="-342900" algn="l" rtl="0">
               <a:lnSpc>
                 <a:spcPct val="90000"/>
               </a:lnSpc>
@@ -3741,7 +3867,7 @@
               <a:buSzPts val="1800"/>
               <a:buFont typeface="Arial"/>
               <a:buChar char="•"/>
-              <a:defRPr b="0" i="0" sz="1800" u="none" cap="none" strike="noStrike">
+              <a:defRPr sz="1800" b="0" i="0" u="none" strike="noStrike" cap="none">
                 <a:solidFill>
                   <a:schemeClr val="dk1"/>
                 </a:solidFill>
@@ -3751,7 +3877,7 @@
                 <a:sym typeface="Calibri"/>
               </a:defRPr>
             </a:lvl5pPr>
-            <a:lvl6pPr indent="-342900" lvl="5" marL="2743200" marR="0" rtl="0" algn="l">
+            <a:lvl6pPr marL="2743200" marR="0" lvl="5" indent="-342900" algn="l" rtl="0">
               <a:lnSpc>
                 <a:spcPct val="90000"/>
               </a:lnSpc>
@@ -3767,7 +3893,7 @@
               <a:buSzPts val="1800"/>
               <a:buFont typeface="Arial"/>
               <a:buChar char="•"/>
-              <a:defRPr b="0" i="0" sz="1800" u="none" cap="none" strike="noStrike">
+              <a:defRPr sz="1800" b="0" i="0" u="none" strike="noStrike" cap="none">
                 <a:solidFill>
                   <a:schemeClr val="dk1"/>
                 </a:solidFill>
@@ -3777,7 +3903,7 @@
                 <a:sym typeface="Calibri"/>
               </a:defRPr>
             </a:lvl6pPr>
-            <a:lvl7pPr indent="-342900" lvl="6" marL="3200400" marR="0" rtl="0" algn="l">
+            <a:lvl7pPr marL="3200400" marR="0" lvl="6" indent="-342900" algn="l" rtl="0">
               <a:lnSpc>
                 <a:spcPct val="90000"/>
               </a:lnSpc>
@@ -3793,7 +3919,7 @@
               <a:buSzPts val="1800"/>
               <a:buFont typeface="Arial"/>
               <a:buChar char="•"/>
-              <a:defRPr b="0" i="0" sz="1800" u="none" cap="none" strike="noStrike">
+              <a:defRPr sz="1800" b="0" i="0" u="none" strike="noStrike" cap="none">
                 <a:solidFill>
                   <a:schemeClr val="dk1"/>
                 </a:solidFill>
@@ -3803,7 +3929,7 @@
                 <a:sym typeface="Calibri"/>
               </a:defRPr>
             </a:lvl7pPr>
-            <a:lvl8pPr indent="-342900" lvl="7" marL="3657600" marR="0" rtl="0" algn="l">
+            <a:lvl8pPr marL="3657600" marR="0" lvl="7" indent="-342900" algn="l" rtl="0">
               <a:lnSpc>
                 <a:spcPct val="90000"/>
               </a:lnSpc>
@@ -3819,7 +3945,7 @@
               <a:buSzPts val="1800"/>
               <a:buFont typeface="Arial"/>
               <a:buChar char="•"/>
-              <a:defRPr b="0" i="0" sz="1800" u="none" cap="none" strike="noStrike">
+              <a:defRPr sz="1800" b="0" i="0" u="none" strike="noStrike" cap="none">
                 <a:solidFill>
                   <a:schemeClr val="dk1"/>
                 </a:solidFill>
@@ -3829,7 +3955,7 @@
                 <a:sym typeface="Calibri"/>
               </a:defRPr>
             </a:lvl8pPr>
-            <a:lvl9pPr indent="-342900" lvl="8" marL="4114800" marR="0" rtl="0" algn="l">
+            <a:lvl9pPr marL="4114800" marR="0" lvl="8" indent="-342900" algn="l" rtl="0">
               <a:lnSpc>
                 <a:spcPct val="90000"/>
               </a:lnSpc>
@@ -3845,7 +3971,7 @@
               <a:buSzPts val="1800"/>
               <a:buFont typeface="Arial"/>
               <a:buChar char="•"/>
-              <a:defRPr b="0" i="0" sz="1800" u="none" cap="none" strike="noStrike">
+              <a:defRPr sz="1800" b="0" i="0" u="none" strike="noStrike" cap="none">
                 <a:solidFill>
                   <a:schemeClr val="dk1"/>
                 </a:solidFill>
@@ -3856,15 +3982,19 @@
               </a:defRPr>
             </a:lvl9pPr>
           </a:lstStyle>
-          <a:p/>
+          <a:p>
+            <a:endParaRPr/>
+          </a:p>
         </p:txBody>
       </p:sp>
       <p:sp>
         <p:nvSpPr>
           <p:cNvPr id="62" name="Google Shape;62;p13"/>
-          <p:cNvSpPr txBox="1"/>
+          <p:cNvSpPr txBox="1">
+            <a:spLocks noGrp="1"/>
+          </p:cNvSpPr>
           <p:nvPr>
-            <p:ph idx="10" type="dt"/>
+            <p:ph type="dt" idx="10"/>
           </p:nvPr>
         </p:nvSpPr>
         <p:spPr>
@@ -3881,9 +4011,9 @@
           </a:ln>
         </p:spPr>
         <p:txBody>
-          <a:bodyPr anchorCtr="0" anchor="ctr" bIns="45700" lIns="91425" spcFirstLastPara="1" rIns="91425" wrap="square" tIns="45700"/>
+          <a:bodyPr spcFirstLastPara="1" wrap="square" lIns="91425" tIns="45700" rIns="91425" bIns="45700" anchor="ctr" anchorCtr="0"/>
           <a:lstStyle>
-            <a:lvl1pPr lvl="0" marR="0" rtl="0" algn="l">
+            <a:lvl1pPr marR="0" lvl="0" algn="l" rtl="0">
               <a:lnSpc>
                 <a:spcPct val="100000"/>
               </a:lnSpc>
@@ -3895,7 +4025,7 @@
               </a:spcAft>
               <a:buSzPts val="1400"/>
               <a:buNone/>
-              <a:defRPr b="0" i="0" sz="1200" u="none" cap="none" strike="noStrike">
+              <a:defRPr sz="1200" b="0" i="0" u="none" strike="noStrike" cap="none">
                 <a:solidFill>
                   <a:srgbClr val="898989"/>
                 </a:solidFill>
@@ -3905,7 +4035,7 @@
                 <a:sym typeface="Calibri"/>
               </a:defRPr>
             </a:lvl1pPr>
-            <a:lvl2pPr lvl="1" marR="0" rtl="0" algn="l">
+            <a:lvl2pPr marR="0" lvl="1" algn="l" rtl="0">
               <a:lnSpc>
                 <a:spcPct val="100000"/>
               </a:lnSpc>
@@ -3917,7 +4047,7 @@
               </a:spcAft>
               <a:buSzPts val="1400"/>
               <a:buNone/>
-              <a:defRPr b="0" i="0" sz="1800" u="none" cap="none" strike="noStrike">
+              <a:defRPr sz="1800" b="0" i="0" u="none" strike="noStrike" cap="none">
                 <a:solidFill>
                   <a:schemeClr val="dk1"/>
                 </a:solidFill>
@@ -3927,7 +4057,7 @@
                 <a:sym typeface="Calibri"/>
               </a:defRPr>
             </a:lvl2pPr>
-            <a:lvl3pPr lvl="2" marR="0" rtl="0" algn="l">
+            <a:lvl3pPr marR="0" lvl="2" algn="l" rtl="0">
               <a:lnSpc>
                 <a:spcPct val="100000"/>
               </a:lnSpc>
@@ -3939,7 +4069,7 @@
               </a:spcAft>
               <a:buSzPts val="1400"/>
               <a:buNone/>
-              <a:defRPr b="0" i="0" sz="1800" u="none" cap="none" strike="noStrike">
+              <a:defRPr sz="1800" b="0" i="0" u="none" strike="noStrike" cap="none">
                 <a:solidFill>
                   <a:schemeClr val="dk1"/>
                 </a:solidFill>
@@ -3949,7 +4079,7 @@
                 <a:sym typeface="Calibri"/>
               </a:defRPr>
             </a:lvl3pPr>
-            <a:lvl4pPr lvl="3" marR="0" rtl="0" algn="l">
+            <a:lvl4pPr marR="0" lvl="3" algn="l" rtl="0">
               <a:lnSpc>
                 <a:spcPct val="100000"/>
               </a:lnSpc>
@@ -3961,7 +4091,7 @@
               </a:spcAft>
               <a:buSzPts val="1400"/>
               <a:buNone/>
-              <a:defRPr b="0" i="0" sz="1800" u="none" cap="none" strike="noStrike">
+              <a:defRPr sz="1800" b="0" i="0" u="none" strike="noStrike" cap="none">
                 <a:solidFill>
                   <a:schemeClr val="dk1"/>
                 </a:solidFill>
@@ -3971,7 +4101,7 @@
                 <a:sym typeface="Calibri"/>
               </a:defRPr>
             </a:lvl4pPr>
-            <a:lvl5pPr lvl="4" marR="0" rtl="0" algn="l">
+            <a:lvl5pPr marR="0" lvl="4" algn="l" rtl="0">
               <a:lnSpc>
                 <a:spcPct val="100000"/>
               </a:lnSpc>
@@ -3983,7 +4113,7 @@
               </a:spcAft>
               <a:buSzPts val="1400"/>
               <a:buNone/>
-              <a:defRPr b="0" i="0" sz="1800" u="none" cap="none" strike="noStrike">
+              <a:defRPr sz="1800" b="0" i="0" u="none" strike="noStrike" cap="none">
                 <a:solidFill>
                   <a:schemeClr val="dk1"/>
                 </a:solidFill>
@@ -3993,7 +4123,7 @@
                 <a:sym typeface="Calibri"/>
               </a:defRPr>
             </a:lvl5pPr>
-            <a:lvl6pPr lvl="5" marR="0" rtl="0" algn="l">
+            <a:lvl6pPr marR="0" lvl="5" algn="l" rtl="0">
               <a:lnSpc>
                 <a:spcPct val="100000"/>
               </a:lnSpc>
@@ -4005,7 +4135,7 @@
               </a:spcAft>
               <a:buSzPts val="1400"/>
               <a:buNone/>
-              <a:defRPr b="0" i="0" sz="1800" u="none" cap="none" strike="noStrike">
+              <a:defRPr sz="1800" b="0" i="0" u="none" strike="noStrike" cap="none">
                 <a:solidFill>
                   <a:schemeClr val="dk1"/>
                 </a:solidFill>
@@ -4015,7 +4145,7 @@
                 <a:sym typeface="Calibri"/>
               </a:defRPr>
             </a:lvl6pPr>
-            <a:lvl7pPr lvl="6" marR="0" rtl="0" algn="l">
+            <a:lvl7pPr marR="0" lvl="6" algn="l" rtl="0">
               <a:lnSpc>
                 <a:spcPct val="100000"/>
               </a:lnSpc>
@@ -4027,7 +4157,7 @@
               </a:spcAft>
               <a:buSzPts val="1400"/>
               <a:buNone/>
-              <a:defRPr b="0" i="0" sz="1800" u="none" cap="none" strike="noStrike">
+              <a:defRPr sz="1800" b="0" i="0" u="none" strike="noStrike" cap="none">
                 <a:solidFill>
                   <a:schemeClr val="dk1"/>
                 </a:solidFill>
@@ -4037,7 +4167,7 @@
                 <a:sym typeface="Calibri"/>
               </a:defRPr>
             </a:lvl7pPr>
-            <a:lvl8pPr lvl="7" marR="0" rtl="0" algn="l">
+            <a:lvl8pPr marR="0" lvl="7" algn="l" rtl="0">
               <a:lnSpc>
                 <a:spcPct val="100000"/>
               </a:lnSpc>
@@ -4049,7 +4179,7 @@
               </a:spcAft>
               <a:buSzPts val="1400"/>
               <a:buNone/>
-              <a:defRPr b="0" i="0" sz="1800" u="none" cap="none" strike="noStrike">
+              <a:defRPr sz="1800" b="0" i="0" u="none" strike="noStrike" cap="none">
                 <a:solidFill>
                   <a:schemeClr val="dk1"/>
                 </a:solidFill>
@@ -4059,7 +4189,7 @@
                 <a:sym typeface="Calibri"/>
               </a:defRPr>
             </a:lvl8pPr>
-            <a:lvl9pPr lvl="8" marR="0" rtl="0" algn="l">
+            <a:lvl9pPr marR="0" lvl="8" algn="l" rtl="0">
               <a:lnSpc>
                 <a:spcPct val="100000"/>
               </a:lnSpc>
@@ -4071,7 +4201,7 @@
               </a:spcAft>
               <a:buSzPts val="1400"/>
               <a:buNone/>
-              <a:defRPr b="0" i="0" sz="1800" u="none" cap="none" strike="noStrike">
+              <a:defRPr sz="1800" b="0" i="0" u="none" strike="noStrike" cap="none">
                 <a:solidFill>
                   <a:schemeClr val="dk1"/>
                 </a:solidFill>
@@ -4082,15 +4212,19 @@
               </a:defRPr>
             </a:lvl9pPr>
           </a:lstStyle>
-          <a:p/>
+          <a:p>
+            <a:endParaRPr/>
+          </a:p>
         </p:txBody>
       </p:sp>
       <p:sp>
         <p:nvSpPr>
           <p:cNvPr id="63" name="Google Shape;63;p13"/>
-          <p:cNvSpPr txBox="1"/>
+          <p:cNvSpPr txBox="1">
+            <a:spLocks noGrp="1"/>
+          </p:cNvSpPr>
           <p:nvPr>
-            <p:ph idx="11" type="ftr"/>
+            <p:ph type="ftr" idx="11"/>
           </p:nvPr>
         </p:nvSpPr>
         <p:spPr>
@@ -4107,9 +4241,9 @@
           </a:ln>
         </p:spPr>
         <p:txBody>
-          <a:bodyPr anchorCtr="0" anchor="ctr" bIns="45700" lIns="91425" spcFirstLastPara="1" rIns="91425" wrap="square" tIns="45700"/>
+          <a:bodyPr spcFirstLastPara="1" wrap="square" lIns="91425" tIns="45700" rIns="91425" bIns="45700" anchor="ctr" anchorCtr="0"/>
           <a:lstStyle>
-            <a:lvl1pPr lvl="0" marR="0" rtl="0" algn="l">
+            <a:lvl1pPr marR="0" lvl="0" algn="l" rtl="0">
               <a:lnSpc>
                 <a:spcPct val="100000"/>
               </a:lnSpc>
@@ -4121,7 +4255,7 @@
               </a:spcAft>
               <a:buSzPts val="1400"/>
               <a:buNone/>
-              <a:defRPr b="0" i="0" sz="1800" u="none" cap="none" strike="noStrike">
+              <a:defRPr sz="1800" b="0" i="0" u="none" strike="noStrike" cap="none">
                 <a:solidFill>
                   <a:schemeClr val="dk1"/>
                 </a:solidFill>
@@ -4131,7 +4265,7 @@
                 <a:sym typeface="Calibri"/>
               </a:defRPr>
             </a:lvl1pPr>
-            <a:lvl2pPr lvl="1" marR="0" rtl="0" algn="l">
+            <a:lvl2pPr marR="0" lvl="1" algn="l" rtl="0">
               <a:lnSpc>
                 <a:spcPct val="100000"/>
               </a:lnSpc>
@@ -4143,7 +4277,7 @@
               </a:spcAft>
               <a:buSzPts val="1400"/>
               <a:buNone/>
-              <a:defRPr b="0" i="0" sz="1800" u="none" cap="none" strike="noStrike">
+              <a:defRPr sz="1800" b="0" i="0" u="none" strike="noStrike" cap="none">
                 <a:solidFill>
                   <a:schemeClr val="dk1"/>
                 </a:solidFill>
@@ -4153,7 +4287,7 @@
                 <a:sym typeface="Calibri"/>
               </a:defRPr>
             </a:lvl2pPr>
-            <a:lvl3pPr lvl="2" marR="0" rtl="0" algn="l">
+            <a:lvl3pPr marR="0" lvl="2" algn="l" rtl="0">
               <a:lnSpc>
                 <a:spcPct val="100000"/>
               </a:lnSpc>
@@ -4165,7 +4299,7 @@
               </a:spcAft>
               <a:buSzPts val="1400"/>
               <a:buNone/>
-              <a:defRPr b="0" i="0" sz="1800" u="none" cap="none" strike="noStrike">
+              <a:defRPr sz="1800" b="0" i="0" u="none" strike="noStrike" cap="none">
                 <a:solidFill>
                   <a:schemeClr val="dk1"/>
                 </a:solidFill>
@@ -4175,7 +4309,7 @@
                 <a:sym typeface="Calibri"/>
               </a:defRPr>
             </a:lvl3pPr>
-            <a:lvl4pPr lvl="3" marR="0" rtl="0" algn="l">
+            <a:lvl4pPr marR="0" lvl="3" algn="l" rtl="0">
               <a:lnSpc>
                 <a:spcPct val="100000"/>
               </a:lnSpc>
@@ -4187,7 +4321,7 @@
               </a:spcAft>
               <a:buSzPts val="1400"/>
               <a:buNone/>
-              <a:defRPr b="0" i="0" sz="1800" u="none" cap="none" strike="noStrike">
+              <a:defRPr sz="1800" b="0" i="0" u="none" strike="noStrike" cap="none">
                 <a:solidFill>
                   <a:schemeClr val="dk1"/>
                 </a:solidFill>
@@ -4197,7 +4331,7 @@
                 <a:sym typeface="Calibri"/>
               </a:defRPr>
             </a:lvl4pPr>
-            <a:lvl5pPr lvl="4" marR="0" rtl="0" algn="l">
+            <a:lvl5pPr marR="0" lvl="4" algn="l" rtl="0">
               <a:lnSpc>
                 <a:spcPct val="100000"/>
               </a:lnSpc>
@@ -4209,7 +4343,7 @@
               </a:spcAft>
               <a:buSzPts val="1400"/>
               <a:buNone/>
-              <a:defRPr b="0" i="0" sz="1800" u="none" cap="none" strike="noStrike">
+              <a:defRPr sz="1800" b="0" i="0" u="none" strike="noStrike" cap="none">
                 <a:solidFill>
                   <a:schemeClr val="dk1"/>
                 </a:solidFill>
@@ -4219,7 +4353,7 @@
                 <a:sym typeface="Calibri"/>
               </a:defRPr>
             </a:lvl5pPr>
-            <a:lvl6pPr lvl="5" marR="0" rtl="0" algn="l">
+            <a:lvl6pPr marR="0" lvl="5" algn="l" rtl="0">
               <a:lnSpc>
                 <a:spcPct val="100000"/>
               </a:lnSpc>
@@ -4231,7 +4365,7 @@
               </a:spcAft>
               <a:buSzPts val="1400"/>
               <a:buNone/>
-              <a:defRPr b="0" i="0" sz="1800" u="none" cap="none" strike="noStrike">
+              <a:defRPr sz="1800" b="0" i="0" u="none" strike="noStrike" cap="none">
                 <a:solidFill>
                   <a:schemeClr val="dk1"/>
                 </a:solidFill>
@@ -4241,7 +4375,7 @@
                 <a:sym typeface="Calibri"/>
               </a:defRPr>
             </a:lvl6pPr>
-            <a:lvl7pPr lvl="6" marR="0" rtl="0" algn="l">
+            <a:lvl7pPr marR="0" lvl="6" algn="l" rtl="0">
               <a:lnSpc>
                 <a:spcPct val="100000"/>
               </a:lnSpc>
@@ -4253,7 +4387,7 @@
               </a:spcAft>
               <a:buSzPts val="1400"/>
               <a:buNone/>
-              <a:defRPr b="0" i="0" sz="1800" u="none" cap="none" strike="noStrike">
+              <a:defRPr sz="1800" b="0" i="0" u="none" strike="noStrike" cap="none">
                 <a:solidFill>
                   <a:schemeClr val="dk1"/>
                 </a:solidFill>
@@ -4263,7 +4397,7 @@
                 <a:sym typeface="Calibri"/>
               </a:defRPr>
             </a:lvl7pPr>
-            <a:lvl8pPr lvl="7" marR="0" rtl="0" algn="l">
+            <a:lvl8pPr marR="0" lvl="7" algn="l" rtl="0">
               <a:lnSpc>
                 <a:spcPct val="100000"/>
               </a:lnSpc>
@@ -4275,7 +4409,7 @@
               </a:spcAft>
               <a:buSzPts val="1400"/>
               <a:buNone/>
-              <a:defRPr b="0" i="0" sz="1800" u="none" cap="none" strike="noStrike">
+              <a:defRPr sz="1800" b="0" i="0" u="none" strike="noStrike" cap="none">
                 <a:solidFill>
                   <a:schemeClr val="dk1"/>
                 </a:solidFill>
@@ -4285,7 +4419,7 @@
                 <a:sym typeface="Calibri"/>
               </a:defRPr>
             </a:lvl8pPr>
-            <a:lvl9pPr lvl="8" marR="0" rtl="0" algn="l">
+            <a:lvl9pPr marR="0" lvl="8" algn="l" rtl="0">
               <a:lnSpc>
                 <a:spcPct val="100000"/>
               </a:lnSpc>
@@ -4297,7 +4431,7 @@
               </a:spcAft>
               <a:buSzPts val="1400"/>
               <a:buNone/>
-              <a:defRPr b="0" i="0" sz="1800" u="none" cap="none" strike="noStrike">
+              <a:defRPr sz="1800" b="0" i="0" u="none" strike="noStrike" cap="none">
                 <a:solidFill>
                   <a:schemeClr val="dk1"/>
                 </a:solidFill>
@@ -4308,15 +4442,19 @@
               </a:defRPr>
             </a:lvl9pPr>
           </a:lstStyle>
-          <a:p/>
+          <a:p>
+            <a:endParaRPr/>
+          </a:p>
         </p:txBody>
       </p:sp>
       <p:sp>
         <p:nvSpPr>
           <p:cNvPr id="64" name="Google Shape;64;p13"/>
-          <p:cNvSpPr txBox="1"/>
+          <p:cNvSpPr txBox="1">
+            <a:spLocks noGrp="1"/>
+          </p:cNvSpPr>
           <p:nvPr>
-            <p:ph idx="12" type="sldNum"/>
+            <p:ph type="sldNum" idx="12"/>
           </p:nvPr>
         </p:nvSpPr>
         <p:spPr>
@@ -4333,11 +4471,11 @@
           </a:ln>
         </p:spPr>
         <p:txBody>
-          <a:bodyPr anchorCtr="0" anchor="ctr" bIns="45700" lIns="91425" spcFirstLastPara="1" rIns="91425" wrap="square" tIns="45700">
+          <a:bodyPr spcFirstLastPara="1" wrap="square" lIns="91425" tIns="45700" rIns="91425" bIns="45700" anchor="ctr" anchorCtr="0">
             <a:noAutofit/>
           </a:bodyPr>
           <a:lstStyle>
-            <a:lvl1pPr indent="0" lvl="0" marL="0" marR="0" rtl="0" algn="r">
+            <a:lvl1pPr marL="0" marR="0" lvl="0" indent="0" algn="r" rtl="0">
               <a:lnSpc>
                 <a:spcPct val="100000"/>
               </a:lnSpc>
@@ -4353,7 +4491,7 @@
               <a:buSzPts val="1200"/>
               <a:buFont typeface="Calibri"/>
               <a:buNone/>
-              <a:defRPr b="0" i="0" sz="1200" u="none" cap="none" strike="noStrike">
+              <a:defRPr sz="1200" b="0" i="0" u="none" strike="noStrike" cap="none">
                 <a:solidFill>
                   <a:srgbClr val="898989"/>
                 </a:solidFill>
@@ -4363,7 +4501,7 @@
                 <a:sym typeface="Calibri"/>
               </a:defRPr>
             </a:lvl1pPr>
-            <a:lvl2pPr indent="0" lvl="1" marL="0" marR="0" rtl="0" algn="r">
+            <a:lvl2pPr marL="0" marR="0" lvl="1" indent="0" algn="r" rtl="0">
               <a:lnSpc>
                 <a:spcPct val="100000"/>
               </a:lnSpc>
@@ -4379,7 +4517,7 @@
               <a:buSzPts val="1200"/>
               <a:buFont typeface="Calibri"/>
               <a:buNone/>
-              <a:defRPr b="0" i="0" sz="1200" u="none" cap="none" strike="noStrike">
+              <a:defRPr sz="1200" b="0" i="0" u="none" strike="noStrike" cap="none">
                 <a:solidFill>
                   <a:srgbClr val="898989"/>
                 </a:solidFill>
@@ -4389,7 +4527,7 @@
                 <a:sym typeface="Calibri"/>
               </a:defRPr>
             </a:lvl2pPr>
-            <a:lvl3pPr indent="0" lvl="2" marL="0" marR="0" rtl="0" algn="r">
+            <a:lvl3pPr marL="0" marR="0" lvl="2" indent="0" algn="r" rtl="0">
               <a:lnSpc>
                 <a:spcPct val="100000"/>
               </a:lnSpc>
@@ -4405,7 +4543,7 @@
               <a:buSzPts val="1200"/>
               <a:buFont typeface="Calibri"/>
               <a:buNone/>
-              <a:defRPr b="0" i="0" sz="1200" u="none" cap="none" strike="noStrike">
+              <a:defRPr sz="1200" b="0" i="0" u="none" strike="noStrike" cap="none">
                 <a:solidFill>
                   <a:srgbClr val="898989"/>
                 </a:solidFill>
@@ -4415,7 +4553,7 @@
                 <a:sym typeface="Calibri"/>
               </a:defRPr>
             </a:lvl3pPr>
-            <a:lvl4pPr indent="0" lvl="3" marL="0" marR="0" rtl="0" algn="r">
+            <a:lvl4pPr marL="0" marR="0" lvl="3" indent="0" algn="r" rtl="0">
               <a:lnSpc>
                 <a:spcPct val="100000"/>
               </a:lnSpc>
@@ -4431,7 +4569,7 @@
               <a:buSzPts val="1200"/>
               <a:buFont typeface="Calibri"/>
               <a:buNone/>
-              <a:defRPr b="0" i="0" sz="1200" u="none" cap="none" strike="noStrike">
+              <a:defRPr sz="1200" b="0" i="0" u="none" strike="noStrike" cap="none">
                 <a:solidFill>
                   <a:srgbClr val="898989"/>
                 </a:solidFill>
@@ -4441,7 +4579,7 @@
                 <a:sym typeface="Calibri"/>
               </a:defRPr>
             </a:lvl4pPr>
-            <a:lvl5pPr indent="0" lvl="4" marL="0" marR="0" rtl="0" algn="r">
+            <a:lvl5pPr marL="0" marR="0" lvl="4" indent="0" algn="r" rtl="0">
               <a:lnSpc>
                 <a:spcPct val="100000"/>
               </a:lnSpc>
@@ -4457,7 +4595,7 @@
               <a:buSzPts val="1200"/>
               <a:buFont typeface="Calibri"/>
               <a:buNone/>
-              <a:defRPr b="0" i="0" sz="1200" u="none" cap="none" strike="noStrike">
+              <a:defRPr sz="1200" b="0" i="0" u="none" strike="noStrike" cap="none">
                 <a:solidFill>
                   <a:srgbClr val="898989"/>
                 </a:solidFill>
@@ -4467,7 +4605,7 @@
                 <a:sym typeface="Calibri"/>
               </a:defRPr>
             </a:lvl5pPr>
-            <a:lvl6pPr indent="0" lvl="5" marL="0" marR="0" rtl="0" algn="r">
+            <a:lvl6pPr marL="0" marR="0" lvl="5" indent="0" algn="r" rtl="0">
               <a:lnSpc>
                 <a:spcPct val="100000"/>
               </a:lnSpc>
@@ -4483,7 +4621,7 @@
               <a:buSzPts val="1200"/>
               <a:buFont typeface="Calibri"/>
               <a:buNone/>
-              <a:defRPr b="0" i="0" sz="1200" u="none" cap="none" strike="noStrike">
+              <a:defRPr sz="1200" b="0" i="0" u="none" strike="noStrike" cap="none">
                 <a:solidFill>
                   <a:srgbClr val="898989"/>
                 </a:solidFill>
@@ -4493,7 +4631,7 @@
                 <a:sym typeface="Calibri"/>
               </a:defRPr>
             </a:lvl6pPr>
-            <a:lvl7pPr indent="0" lvl="6" marL="0" marR="0" rtl="0" algn="r">
+            <a:lvl7pPr marL="0" marR="0" lvl="6" indent="0" algn="r" rtl="0">
               <a:lnSpc>
                 <a:spcPct val="100000"/>
               </a:lnSpc>
@@ -4509,7 +4647,7 @@
               <a:buSzPts val="1200"/>
               <a:buFont typeface="Calibri"/>
               <a:buNone/>
-              <a:defRPr b="0" i="0" sz="1200" u="none" cap="none" strike="noStrike">
+              <a:defRPr sz="1200" b="0" i="0" u="none" strike="noStrike" cap="none">
                 <a:solidFill>
                   <a:srgbClr val="898989"/>
                 </a:solidFill>
@@ -4519,7 +4657,7 @@
                 <a:sym typeface="Calibri"/>
               </a:defRPr>
             </a:lvl7pPr>
-            <a:lvl8pPr indent="0" lvl="7" marL="0" marR="0" rtl="0" algn="r">
+            <a:lvl8pPr marL="0" marR="0" lvl="7" indent="0" algn="r" rtl="0">
               <a:lnSpc>
                 <a:spcPct val="100000"/>
               </a:lnSpc>
@@ -4535,7 +4673,7 @@
               <a:buSzPts val="1200"/>
               <a:buFont typeface="Calibri"/>
               <a:buNone/>
-              <a:defRPr b="0" i="0" sz="1200" u="none" cap="none" strike="noStrike">
+              <a:defRPr sz="1200" b="0" i="0" u="none" strike="noStrike" cap="none">
                 <a:solidFill>
                   <a:srgbClr val="898989"/>
                 </a:solidFill>
@@ -4545,7 +4683,7 @@
                 <a:sym typeface="Calibri"/>
               </a:defRPr>
             </a:lvl8pPr>
-            <a:lvl9pPr indent="0" lvl="8" marL="0" marR="0" rtl="0" algn="r">
+            <a:lvl9pPr marL="0" marR="0" lvl="8" indent="0" algn="r" rtl="0">
               <a:lnSpc>
                 <a:spcPct val="100000"/>
               </a:lnSpc>
@@ -4561,7 +4699,7 @@
               <a:buSzPts val="1200"/>
               <a:buFont typeface="Calibri"/>
               <a:buNone/>
-              <a:defRPr b="0" i="0" sz="1200" u="none" cap="none" strike="noStrike">
+              <a:defRPr sz="1200" b="0" i="0" u="none" strike="noStrike" cap="none">
                 <a:solidFill>
                   <a:srgbClr val="898989"/>
                 </a:solidFill>
@@ -4573,7 +4711,7 @@
             </a:lvl9pPr>
           </a:lstStyle>
           <a:p>
-            <a:pPr indent="0" lvl="0" marL="0" rtl="0" algn="r">
+            <a:pPr marL="0" lvl="0" indent="0" algn="r" rtl="0">
               <a:spcBef>
                 <a:spcPts val="0"/>
               </a:spcBef>
@@ -4607,11 +4745,11 @@
 </file>
 
 <file path=ppt/slideLayouts/slideLayout2.xml><?xml version="1.0" encoding="utf-8"?>
-<p:sldLayout xmlns:a="http://schemas.openxmlformats.org/drawingml/2006/main" xmlns:r="http://schemas.openxmlformats.org/officeDocument/2006/relationships" xmlns:mc="http://schemas.openxmlformats.org/markup-compatibility/2006" xmlns:mv="urn:schemas-microsoft-com:mac:vml" xmlns:p="http://schemas.openxmlformats.org/presentationml/2006/main" xmlns:c="http://schemas.openxmlformats.org/drawingml/2006/chart" xmlns:dgm="http://schemas.openxmlformats.org/drawingml/2006/diagram" xmlns:o="urn:schemas-microsoft-com:office:office" xmlns:v="urn:schemas-microsoft-com:vml" xmlns:pvml="urn:schemas-microsoft-com:office:powerpoint" xmlns:com="http://schemas.openxmlformats.org/drawingml/2006/compatibility" xmlns:p14="http://schemas.microsoft.com/office/powerpoint/2010/main" xmlns:p15="http://schemas.microsoft.com/office/powerpoint/2012/main" matchingName="Section header" type="secHead">
+<p:sldLayout xmlns:a="http://schemas.openxmlformats.org/drawingml/2006/main" xmlns:r="http://schemas.openxmlformats.org/officeDocument/2006/relationships" xmlns:p="http://schemas.openxmlformats.org/presentationml/2006/main" matchingName="Section header" type="secHead">
   <p:cSld name="SECTION_HEADER">
     <p:spTree>
       <p:nvGrpSpPr>
-        <p:cNvPr id="16" name="Shape 16"/>
+        <p:cNvPr id="1" name="Shape 16"/>
         <p:cNvGrpSpPr/>
         <p:nvPr/>
       </p:nvGrpSpPr>
@@ -4638,21 +4776,23 @@
             <a:avLst/>
           </a:prstGeom>
           <a:noFill/>
-          <a:ln cap="flat" cmpd="sng" w="38100">
+          <a:ln w="38100" cap="flat" cmpd="sng">
             <a:solidFill>
               <a:schemeClr val="accent4"/>
             </a:solidFill>
             <a:prstDash val="solid"/>
             <a:round/>
-            <a:headEnd len="sm" w="sm" type="none"/>
-            <a:tailEnd len="sm" w="sm" type="none"/>
+            <a:headEnd type="none" w="sm" len="sm"/>
+            <a:tailEnd type="none" w="sm" len="sm"/>
           </a:ln>
         </p:spPr>
       </p:cxnSp>
       <p:sp>
         <p:nvSpPr>
           <p:cNvPr id="18" name="Google Shape;18;p3"/>
-          <p:cNvSpPr txBox="1"/>
+          <p:cNvSpPr txBox="1">
+            <a:spLocks noGrp="1"/>
+          </p:cNvSpPr>
           <p:nvPr>
             <p:ph type="title"/>
           </p:nvPr>
@@ -4667,7 +4807,7 @@
           </a:prstGeom>
         </p:spPr>
         <p:txBody>
-          <a:bodyPr anchorCtr="0" anchor="b" bIns="121900" lIns="121900" spcFirstLastPara="1" rIns="121900" wrap="square" tIns="121900"/>
+          <a:bodyPr spcFirstLastPara="1" wrap="square" lIns="121900" tIns="121900" rIns="121900" bIns="121900" anchor="b" anchorCtr="0"/>
           <a:lstStyle>
             <a:lvl1pPr lvl="0" algn="ctr">
               <a:spcBef>
@@ -4769,15 +4909,19 @@
               <a:defRPr sz="6400"/>
             </a:lvl9pPr>
           </a:lstStyle>
-          <a:p/>
+          <a:p>
+            <a:endParaRPr/>
+          </a:p>
         </p:txBody>
       </p:sp>
       <p:sp>
         <p:nvSpPr>
           <p:cNvPr id="19" name="Google Shape;19;p3"/>
-          <p:cNvSpPr txBox="1"/>
+          <p:cNvSpPr txBox="1">
+            <a:spLocks noGrp="1"/>
+          </p:cNvSpPr>
           <p:nvPr>
-            <p:ph idx="12" type="sldNum"/>
+            <p:ph type="sldNum" idx="12"/>
           </p:nvPr>
         </p:nvSpPr>
         <p:spPr>
@@ -4790,7 +4934,7 @@
           </a:prstGeom>
         </p:spPr>
         <p:txBody>
-          <a:bodyPr anchorCtr="0" anchor="ctr" bIns="121900" lIns="121900" spcFirstLastPara="1" rIns="121900" wrap="square" tIns="121900">
+          <a:bodyPr spcFirstLastPara="1" wrap="square" lIns="121900" tIns="121900" rIns="121900" bIns="121900" anchor="ctr" anchorCtr="0">
             <a:noAutofit/>
           </a:bodyPr>
           <a:lstStyle>
@@ -4832,7 +4976,7 @@
             </a:lvl9pPr>
           </a:lstStyle>
           <a:p>
-            <a:pPr indent="0" lvl="0" marL="0" rtl="0" algn="r">
+            <a:pPr marL="0" lvl="0" indent="0" algn="r" rtl="0">
               <a:spcBef>
                 <a:spcPts val="0"/>
               </a:spcBef>
@@ -4858,11 +5002,11 @@
 </file>
 
 <file path=ppt/slideLayouts/slideLayout3.xml><?xml version="1.0" encoding="utf-8"?>
-<p:sldLayout xmlns:a="http://schemas.openxmlformats.org/drawingml/2006/main" xmlns:r="http://schemas.openxmlformats.org/officeDocument/2006/relationships" xmlns:mc="http://schemas.openxmlformats.org/markup-compatibility/2006" xmlns:mv="urn:schemas-microsoft-com:mac:vml" xmlns:p="http://schemas.openxmlformats.org/presentationml/2006/main" xmlns:c="http://schemas.openxmlformats.org/drawingml/2006/chart" xmlns:dgm="http://schemas.openxmlformats.org/drawingml/2006/diagram" xmlns:o="urn:schemas-microsoft-com:office:office" xmlns:v="urn:schemas-microsoft-com:vml" xmlns:pvml="urn:schemas-microsoft-com:office:powerpoint" xmlns:com="http://schemas.openxmlformats.org/drawingml/2006/compatibility" xmlns:p14="http://schemas.microsoft.com/office/powerpoint/2010/main" xmlns:p15="http://schemas.microsoft.com/office/powerpoint/2012/main" matchingName="Title and body" type="tx">
+<p:sldLayout xmlns:a="http://schemas.openxmlformats.org/drawingml/2006/main" xmlns:r="http://schemas.openxmlformats.org/officeDocument/2006/relationships" xmlns:p="http://schemas.openxmlformats.org/presentationml/2006/main" matchingName="Title and body" type="tx">
   <p:cSld name="TITLE_AND_BODY">
     <p:spTree>
       <p:nvGrpSpPr>
-        <p:cNvPr id="20" name="Shape 20"/>
+        <p:cNvPr id="1" name="Shape 20"/>
         <p:cNvGrpSpPr/>
         <p:nvPr/>
       </p:nvGrpSpPr>
@@ -4889,21 +5033,23 @@
             <a:avLst/>
           </a:prstGeom>
           <a:noFill/>
-          <a:ln cap="flat" cmpd="sng" w="38100">
+          <a:ln w="38100" cap="flat" cmpd="sng">
             <a:solidFill>
               <a:schemeClr val="accent4"/>
             </a:solidFill>
             <a:prstDash val="solid"/>
             <a:round/>
-            <a:headEnd len="sm" w="sm" type="none"/>
-            <a:tailEnd len="sm" w="sm" type="none"/>
+            <a:headEnd type="none" w="sm" len="sm"/>
+            <a:tailEnd type="none" w="sm" len="sm"/>
           </a:ln>
         </p:spPr>
       </p:cxnSp>
       <p:sp>
         <p:nvSpPr>
           <p:cNvPr id="22" name="Google Shape;22;p4"/>
-          <p:cNvSpPr txBox="1"/>
+          <p:cNvSpPr txBox="1">
+            <a:spLocks noGrp="1"/>
+          </p:cNvSpPr>
           <p:nvPr>
             <p:ph type="title"/>
           </p:nvPr>
@@ -4918,7 +5064,7 @@
           </a:prstGeom>
         </p:spPr>
         <p:txBody>
-          <a:bodyPr anchorCtr="0" anchor="b" bIns="121900" lIns="121900" spcFirstLastPara="1" rIns="121900" wrap="square" tIns="121900"/>
+          <a:bodyPr spcFirstLastPara="1" wrap="square" lIns="121900" tIns="121900" rIns="121900" bIns="121900" anchor="b" anchorCtr="0"/>
           <a:lstStyle>
             <a:lvl1pPr lvl="0">
               <a:spcBef>
@@ -5020,15 +5166,19 @@
               <a:defRPr/>
             </a:lvl9pPr>
           </a:lstStyle>
-          <a:p/>
+          <a:p>
+            <a:endParaRPr/>
+          </a:p>
         </p:txBody>
       </p:sp>
       <p:sp>
         <p:nvSpPr>
           <p:cNvPr id="23" name="Google Shape;23;p4"/>
-          <p:cNvSpPr txBox="1"/>
+          <p:cNvSpPr txBox="1">
+            <a:spLocks noGrp="1"/>
+          </p:cNvSpPr>
           <p:nvPr>
-            <p:ph idx="1" type="body"/>
+            <p:ph type="body" idx="1"/>
           </p:nvPr>
         </p:nvSpPr>
         <p:spPr>
@@ -5041,9 +5191,9 @@
           </a:prstGeom>
         </p:spPr>
         <p:txBody>
-          <a:bodyPr anchorCtr="0" anchor="t" bIns="121900" lIns="121900" spcFirstLastPara="1" rIns="121900" wrap="square" tIns="121900"/>
+          <a:bodyPr spcFirstLastPara="1" wrap="square" lIns="121900" tIns="121900" rIns="121900" bIns="121900" anchor="t" anchorCtr="0"/>
           <a:lstStyle>
-            <a:lvl1pPr indent="-381000" lvl="0" marL="457200">
+            <a:lvl1pPr marL="457200" lvl="0" indent="-381000">
               <a:spcBef>
                 <a:spcPts val="0"/>
               </a:spcBef>
@@ -5054,7 +5204,7 @@
               <a:buChar char="●"/>
               <a:defRPr/>
             </a:lvl1pPr>
-            <a:lvl2pPr indent="-349250" lvl="1" marL="914400">
+            <a:lvl2pPr marL="914400" lvl="1" indent="-349250">
               <a:spcBef>
                 <a:spcPts val="2100"/>
               </a:spcBef>
@@ -5065,7 +5215,7 @@
               <a:buChar char="○"/>
               <a:defRPr/>
             </a:lvl2pPr>
-            <a:lvl3pPr indent="-349250" lvl="2" marL="1371600">
+            <a:lvl3pPr marL="1371600" lvl="2" indent="-349250">
               <a:spcBef>
                 <a:spcPts val="2100"/>
               </a:spcBef>
@@ -5076,7 +5226,7 @@
               <a:buChar char="■"/>
               <a:defRPr/>
             </a:lvl3pPr>
-            <a:lvl4pPr indent="-349250" lvl="3" marL="1828800">
+            <a:lvl4pPr marL="1828800" lvl="3" indent="-349250">
               <a:spcBef>
                 <a:spcPts val="2100"/>
               </a:spcBef>
@@ -5087,7 +5237,7 @@
               <a:buChar char="●"/>
               <a:defRPr/>
             </a:lvl4pPr>
-            <a:lvl5pPr indent="-349250" lvl="4" marL="2286000">
+            <a:lvl5pPr marL="2286000" lvl="4" indent="-349250">
               <a:spcBef>
                 <a:spcPts val="2100"/>
               </a:spcBef>
@@ -5098,7 +5248,7 @@
               <a:buChar char="○"/>
               <a:defRPr/>
             </a:lvl5pPr>
-            <a:lvl6pPr indent="-349250" lvl="5" marL="2743200">
+            <a:lvl6pPr marL="2743200" lvl="5" indent="-349250">
               <a:spcBef>
                 <a:spcPts val="2100"/>
               </a:spcBef>
@@ -5109,7 +5259,7 @@
               <a:buChar char="■"/>
               <a:defRPr/>
             </a:lvl6pPr>
-            <a:lvl7pPr indent="-349250" lvl="6" marL="3200400">
+            <a:lvl7pPr marL="3200400" lvl="6" indent="-349250">
               <a:spcBef>
                 <a:spcPts val="2100"/>
               </a:spcBef>
@@ -5120,7 +5270,7 @@
               <a:buChar char="●"/>
               <a:defRPr/>
             </a:lvl7pPr>
-            <a:lvl8pPr indent="-349250" lvl="7" marL="3657600">
+            <a:lvl8pPr marL="3657600" lvl="7" indent="-349250">
               <a:spcBef>
                 <a:spcPts val="2100"/>
               </a:spcBef>
@@ -5131,7 +5281,7 @@
               <a:buChar char="○"/>
               <a:defRPr/>
             </a:lvl8pPr>
-            <a:lvl9pPr indent="-349250" lvl="8" marL="4114800">
+            <a:lvl9pPr marL="4114800" lvl="8" indent="-349250">
               <a:spcBef>
                 <a:spcPts val="2100"/>
               </a:spcBef>
@@ -5143,15 +5293,19 @@
               <a:defRPr/>
             </a:lvl9pPr>
           </a:lstStyle>
-          <a:p/>
+          <a:p>
+            <a:endParaRPr/>
+          </a:p>
         </p:txBody>
       </p:sp>
       <p:sp>
         <p:nvSpPr>
           <p:cNvPr id="24" name="Google Shape;24;p4"/>
-          <p:cNvSpPr txBox="1"/>
+          <p:cNvSpPr txBox="1">
+            <a:spLocks noGrp="1"/>
+          </p:cNvSpPr>
           <p:nvPr>
-            <p:ph idx="12" type="sldNum"/>
+            <p:ph type="sldNum" idx="12"/>
           </p:nvPr>
         </p:nvSpPr>
         <p:spPr>
@@ -5164,7 +5318,7 @@
           </a:prstGeom>
         </p:spPr>
         <p:txBody>
-          <a:bodyPr anchorCtr="0" anchor="ctr" bIns="121900" lIns="121900" spcFirstLastPara="1" rIns="121900" wrap="square" tIns="121900">
+          <a:bodyPr spcFirstLastPara="1" wrap="square" lIns="121900" tIns="121900" rIns="121900" bIns="121900" anchor="ctr" anchorCtr="0">
             <a:noAutofit/>
           </a:bodyPr>
           <a:lstStyle>
@@ -5206,7 +5360,7 @@
             </a:lvl9pPr>
           </a:lstStyle>
           <a:p>
-            <a:pPr indent="0" lvl="0" marL="0" rtl="0" algn="r">
+            <a:pPr marL="0" lvl="0" indent="0" algn="r" rtl="0">
               <a:spcBef>
                 <a:spcPts val="0"/>
               </a:spcBef>
@@ -5232,11 +5386,11 @@
 </file>
 
 <file path=ppt/slideLayouts/slideLayout4.xml><?xml version="1.0" encoding="utf-8"?>
-<p:sldLayout xmlns:a="http://schemas.openxmlformats.org/drawingml/2006/main" xmlns:r="http://schemas.openxmlformats.org/officeDocument/2006/relationships" xmlns:mc="http://schemas.openxmlformats.org/markup-compatibility/2006" xmlns:mv="urn:schemas-microsoft-com:mac:vml" xmlns:p="http://schemas.openxmlformats.org/presentationml/2006/main" xmlns:c="http://schemas.openxmlformats.org/drawingml/2006/chart" xmlns:dgm="http://schemas.openxmlformats.org/drawingml/2006/diagram" xmlns:o="urn:schemas-microsoft-com:office:office" xmlns:v="urn:schemas-microsoft-com:vml" xmlns:pvml="urn:schemas-microsoft-com:office:powerpoint" xmlns:com="http://schemas.openxmlformats.org/drawingml/2006/compatibility" xmlns:p14="http://schemas.microsoft.com/office/powerpoint/2010/main" xmlns:p15="http://schemas.microsoft.com/office/powerpoint/2012/main" matchingName="Title and two columns" type="twoColTx">
+<p:sldLayout xmlns:a="http://schemas.openxmlformats.org/drawingml/2006/main" xmlns:r="http://schemas.openxmlformats.org/officeDocument/2006/relationships" xmlns:p="http://schemas.openxmlformats.org/presentationml/2006/main" matchingName="Title and two columns" type="twoColTx">
   <p:cSld name="TITLE_AND_TWO_COLUMNS">
     <p:spTree>
       <p:nvGrpSpPr>
-        <p:cNvPr id="25" name="Shape 25"/>
+        <p:cNvPr id="1" name="Shape 25"/>
         <p:cNvGrpSpPr/>
         <p:nvPr/>
       </p:nvGrpSpPr>
@@ -5263,21 +5417,23 @@
             <a:avLst/>
           </a:prstGeom>
           <a:noFill/>
-          <a:ln cap="flat" cmpd="sng" w="38100">
+          <a:ln w="38100" cap="flat" cmpd="sng">
             <a:solidFill>
               <a:schemeClr val="accent4"/>
             </a:solidFill>
             <a:prstDash val="solid"/>
             <a:round/>
-            <a:headEnd len="sm" w="sm" type="none"/>
-            <a:tailEnd len="sm" w="sm" type="none"/>
+            <a:headEnd type="none" w="sm" len="sm"/>
+            <a:tailEnd type="none" w="sm" len="sm"/>
           </a:ln>
         </p:spPr>
       </p:cxnSp>
       <p:sp>
         <p:nvSpPr>
           <p:cNvPr id="27" name="Google Shape;27;p5"/>
-          <p:cNvSpPr txBox="1"/>
+          <p:cNvSpPr txBox="1">
+            <a:spLocks noGrp="1"/>
+          </p:cNvSpPr>
           <p:nvPr>
             <p:ph type="title"/>
           </p:nvPr>
@@ -5292,7 +5448,7 @@
           </a:prstGeom>
         </p:spPr>
         <p:txBody>
-          <a:bodyPr anchorCtr="0" anchor="b" bIns="121900" lIns="121900" spcFirstLastPara="1" rIns="121900" wrap="square" tIns="121900"/>
+          <a:bodyPr spcFirstLastPara="1" wrap="square" lIns="121900" tIns="121900" rIns="121900" bIns="121900" anchor="b" anchorCtr="0"/>
           <a:lstStyle>
             <a:lvl1pPr lvl="0">
               <a:spcBef>
@@ -5394,15 +5550,19 @@
               <a:defRPr/>
             </a:lvl9pPr>
           </a:lstStyle>
-          <a:p/>
+          <a:p>
+            <a:endParaRPr/>
+          </a:p>
         </p:txBody>
       </p:sp>
       <p:sp>
         <p:nvSpPr>
           <p:cNvPr id="28" name="Google Shape;28;p5"/>
-          <p:cNvSpPr txBox="1"/>
+          <p:cNvSpPr txBox="1">
+            <a:spLocks noGrp="1"/>
+          </p:cNvSpPr>
           <p:nvPr>
-            <p:ph idx="1" type="body"/>
+            <p:ph type="body" idx="1"/>
           </p:nvPr>
         </p:nvSpPr>
         <p:spPr>
@@ -5415,9 +5575,9 @@
           </a:prstGeom>
         </p:spPr>
         <p:txBody>
-          <a:bodyPr anchorCtr="0" anchor="t" bIns="121900" lIns="121900" spcFirstLastPara="1" rIns="121900" wrap="square" tIns="121900"/>
+          <a:bodyPr spcFirstLastPara="1" wrap="square" lIns="121900" tIns="121900" rIns="121900" bIns="121900" anchor="t" anchorCtr="0"/>
           <a:lstStyle>
-            <a:lvl1pPr indent="-349250" lvl="0" marL="457200">
+            <a:lvl1pPr marL="457200" lvl="0" indent="-349250">
               <a:spcBef>
                 <a:spcPts val="0"/>
               </a:spcBef>
@@ -5428,7 +5588,7 @@
               <a:buChar char="●"/>
               <a:defRPr sz="1900"/>
             </a:lvl1pPr>
-            <a:lvl2pPr indent="-330200" lvl="1" marL="914400">
+            <a:lvl2pPr marL="914400" lvl="1" indent="-330200">
               <a:spcBef>
                 <a:spcPts val="2100"/>
               </a:spcBef>
@@ -5439,7 +5599,7 @@
               <a:buChar char="○"/>
               <a:defRPr sz="1600"/>
             </a:lvl2pPr>
-            <a:lvl3pPr indent="-330200" lvl="2" marL="1371600">
+            <a:lvl3pPr marL="1371600" lvl="2" indent="-330200">
               <a:spcBef>
                 <a:spcPts val="2100"/>
               </a:spcBef>
@@ -5450,7 +5610,7 @@
               <a:buChar char="■"/>
               <a:defRPr sz="1600"/>
             </a:lvl3pPr>
-            <a:lvl4pPr indent="-330200" lvl="3" marL="1828800">
+            <a:lvl4pPr marL="1828800" lvl="3" indent="-330200">
               <a:spcBef>
                 <a:spcPts val="2100"/>
               </a:spcBef>
@@ -5461,7 +5621,7 @@
               <a:buChar char="●"/>
               <a:defRPr sz="1600"/>
             </a:lvl4pPr>
-            <a:lvl5pPr indent="-330200" lvl="4" marL="2286000">
+            <a:lvl5pPr marL="2286000" lvl="4" indent="-330200">
               <a:spcBef>
                 <a:spcPts val="2100"/>
               </a:spcBef>
@@ -5472,7 +5632,7 @@
               <a:buChar char="○"/>
               <a:defRPr sz="1600"/>
             </a:lvl5pPr>
-            <a:lvl6pPr indent="-330200" lvl="5" marL="2743200">
+            <a:lvl6pPr marL="2743200" lvl="5" indent="-330200">
               <a:spcBef>
                 <a:spcPts val="2100"/>
               </a:spcBef>
@@ -5483,7 +5643,7 @@
               <a:buChar char="■"/>
               <a:defRPr sz="1600"/>
             </a:lvl6pPr>
-            <a:lvl7pPr indent="-330200" lvl="6" marL="3200400">
+            <a:lvl7pPr marL="3200400" lvl="6" indent="-330200">
               <a:spcBef>
                 <a:spcPts val="2100"/>
               </a:spcBef>
@@ -5494,7 +5654,7 @@
               <a:buChar char="●"/>
               <a:defRPr sz="1600"/>
             </a:lvl7pPr>
-            <a:lvl8pPr indent="-330200" lvl="7" marL="3657600">
+            <a:lvl8pPr marL="3657600" lvl="7" indent="-330200">
               <a:spcBef>
                 <a:spcPts val="2100"/>
               </a:spcBef>
@@ -5505,7 +5665,7 @@
               <a:buChar char="○"/>
               <a:defRPr sz="1600"/>
             </a:lvl8pPr>
-            <a:lvl9pPr indent="-330200" lvl="8" marL="4114800">
+            <a:lvl9pPr marL="4114800" lvl="8" indent="-330200">
               <a:spcBef>
                 <a:spcPts val="2100"/>
               </a:spcBef>
@@ -5517,15 +5677,19 @@
               <a:defRPr sz="1600"/>
             </a:lvl9pPr>
           </a:lstStyle>
-          <a:p/>
+          <a:p>
+            <a:endParaRPr/>
+          </a:p>
         </p:txBody>
       </p:sp>
       <p:sp>
         <p:nvSpPr>
           <p:cNvPr id="29" name="Google Shape;29;p5"/>
-          <p:cNvSpPr txBox="1"/>
+          <p:cNvSpPr txBox="1">
+            <a:spLocks noGrp="1"/>
+          </p:cNvSpPr>
           <p:nvPr>
-            <p:ph idx="2" type="body"/>
+            <p:ph type="body" idx="2"/>
           </p:nvPr>
         </p:nvSpPr>
         <p:spPr>
@@ -5538,9 +5702,9 @@
           </a:prstGeom>
         </p:spPr>
         <p:txBody>
-          <a:bodyPr anchorCtr="0" anchor="t" bIns="121900" lIns="121900" spcFirstLastPara="1" rIns="121900" wrap="square" tIns="121900"/>
+          <a:bodyPr spcFirstLastPara="1" wrap="square" lIns="121900" tIns="121900" rIns="121900" bIns="121900" anchor="t" anchorCtr="0"/>
           <a:lstStyle>
-            <a:lvl1pPr indent="-349250" lvl="0" marL="457200">
+            <a:lvl1pPr marL="457200" lvl="0" indent="-349250">
               <a:spcBef>
                 <a:spcPts val="0"/>
               </a:spcBef>
@@ -5551,7 +5715,7 @@
               <a:buChar char="●"/>
               <a:defRPr sz="1900"/>
             </a:lvl1pPr>
-            <a:lvl2pPr indent="-330200" lvl="1" marL="914400">
+            <a:lvl2pPr marL="914400" lvl="1" indent="-330200">
               <a:spcBef>
                 <a:spcPts val="2100"/>
               </a:spcBef>
@@ -5562,7 +5726,7 @@
               <a:buChar char="○"/>
               <a:defRPr sz="1600"/>
             </a:lvl2pPr>
-            <a:lvl3pPr indent="-330200" lvl="2" marL="1371600">
+            <a:lvl3pPr marL="1371600" lvl="2" indent="-330200">
               <a:spcBef>
                 <a:spcPts val="2100"/>
               </a:spcBef>
@@ -5573,7 +5737,7 @@
               <a:buChar char="■"/>
               <a:defRPr sz="1600"/>
             </a:lvl3pPr>
-            <a:lvl4pPr indent="-330200" lvl="3" marL="1828800">
+            <a:lvl4pPr marL="1828800" lvl="3" indent="-330200">
               <a:spcBef>
                 <a:spcPts val="2100"/>
               </a:spcBef>
@@ -5584,7 +5748,7 @@
               <a:buChar char="●"/>
               <a:defRPr sz="1600"/>
             </a:lvl4pPr>
-            <a:lvl5pPr indent="-330200" lvl="4" marL="2286000">
+            <a:lvl5pPr marL="2286000" lvl="4" indent="-330200">
               <a:spcBef>
                 <a:spcPts val="2100"/>
               </a:spcBef>
@@ -5595,7 +5759,7 @@
               <a:buChar char="○"/>
               <a:defRPr sz="1600"/>
             </a:lvl5pPr>
-            <a:lvl6pPr indent="-330200" lvl="5" marL="2743200">
+            <a:lvl6pPr marL="2743200" lvl="5" indent="-330200">
               <a:spcBef>
                 <a:spcPts val="2100"/>
               </a:spcBef>
@@ -5606,7 +5770,7 @@
               <a:buChar char="■"/>
               <a:defRPr sz="1600"/>
             </a:lvl6pPr>
-            <a:lvl7pPr indent="-330200" lvl="6" marL="3200400">
+            <a:lvl7pPr marL="3200400" lvl="6" indent="-330200">
               <a:spcBef>
                 <a:spcPts val="2100"/>
               </a:spcBef>
@@ -5617,7 +5781,7 @@
               <a:buChar char="●"/>
               <a:defRPr sz="1600"/>
             </a:lvl7pPr>
-            <a:lvl8pPr indent="-330200" lvl="7" marL="3657600">
+            <a:lvl8pPr marL="3657600" lvl="7" indent="-330200">
               <a:spcBef>
                 <a:spcPts val="2100"/>
               </a:spcBef>
@@ -5628,7 +5792,7 @@
               <a:buChar char="○"/>
               <a:defRPr sz="1600"/>
             </a:lvl8pPr>
-            <a:lvl9pPr indent="-330200" lvl="8" marL="4114800">
+            <a:lvl9pPr marL="4114800" lvl="8" indent="-330200">
               <a:spcBef>
                 <a:spcPts val="2100"/>
               </a:spcBef>
@@ -5640,15 +5804,19 @@
               <a:defRPr sz="1600"/>
             </a:lvl9pPr>
           </a:lstStyle>
-          <a:p/>
+          <a:p>
+            <a:endParaRPr/>
+          </a:p>
         </p:txBody>
       </p:sp>
       <p:sp>
         <p:nvSpPr>
           <p:cNvPr id="30" name="Google Shape;30;p5"/>
-          <p:cNvSpPr txBox="1"/>
+          <p:cNvSpPr txBox="1">
+            <a:spLocks noGrp="1"/>
+          </p:cNvSpPr>
           <p:nvPr>
-            <p:ph idx="12" type="sldNum"/>
+            <p:ph type="sldNum" idx="12"/>
           </p:nvPr>
         </p:nvSpPr>
         <p:spPr>
@@ -5661,7 +5829,7 @@
           </a:prstGeom>
         </p:spPr>
         <p:txBody>
-          <a:bodyPr anchorCtr="0" anchor="ctr" bIns="121900" lIns="121900" spcFirstLastPara="1" rIns="121900" wrap="square" tIns="121900">
+          <a:bodyPr spcFirstLastPara="1" wrap="square" lIns="121900" tIns="121900" rIns="121900" bIns="121900" anchor="ctr" anchorCtr="0">
             <a:noAutofit/>
           </a:bodyPr>
           <a:lstStyle>
@@ -5703,7 +5871,7 @@
             </a:lvl9pPr>
           </a:lstStyle>
           <a:p>
-            <a:pPr indent="0" lvl="0" marL="0" rtl="0" algn="r">
+            <a:pPr marL="0" lvl="0" indent="0" algn="r" rtl="0">
               <a:spcBef>
                 <a:spcPts val="0"/>
               </a:spcBef>
@@ -5729,11 +5897,11 @@
 </file>
 
 <file path=ppt/slideLayouts/slideLayout5.xml><?xml version="1.0" encoding="utf-8"?>
-<p:sldLayout xmlns:a="http://schemas.openxmlformats.org/drawingml/2006/main" xmlns:r="http://schemas.openxmlformats.org/officeDocument/2006/relationships" xmlns:mc="http://schemas.openxmlformats.org/markup-compatibility/2006" xmlns:mv="urn:schemas-microsoft-com:mac:vml" xmlns:p="http://schemas.openxmlformats.org/presentationml/2006/main" xmlns:c="http://schemas.openxmlformats.org/drawingml/2006/chart" xmlns:dgm="http://schemas.openxmlformats.org/drawingml/2006/diagram" xmlns:o="urn:schemas-microsoft-com:office:office" xmlns:v="urn:schemas-microsoft-com:vml" xmlns:pvml="urn:schemas-microsoft-com:office:powerpoint" xmlns:com="http://schemas.openxmlformats.org/drawingml/2006/compatibility" xmlns:p14="http://schemas.microsoft.com/office/powerpoint/2010/main" xmlns:p15="http://schemas.microsoft.com/office/powerpoint/2012/main" matchingName="Title only" type="titleOnly">
+<p:sldLayout xmlns:a="http://schemas.openxmlformats.org/drawingml/2006/main" xmlns:r="http://schemas.openxmlformats.org/officeDocument/2006/relationships" xmlns:p="http://schemas.openxmlformats.org/presentationml/2006/main" matchingName="Title only" type="titleOnly">
   <p:cSld name="TITLE_ONLY">
     <p:spTree>
       <p:nvGrpSpPr>
-        <p:cNvPr id="31" name="Shape 31"/>
+        <p:cNvPr id="1" name="Shape 31"/>
         <p:cNvGrpSpPr/>
         <p:nvPr/>
       </p:nvGrpSpPr>
@@ -5748,7 +5916,9 @@
       <p:sp>
         <p:nvSpPr>
           <p:cNvPr id="32" name="Google Shape;32;p6"/>
-          <p:cNvSpPr txBox="1"/>
+          <p:cNvSpPr txBox="1">
+            <a:spLocks noGrp="1"/>
+          </p:cNvSpPr>
           <p:nvPr>
             <p:ph type="title"/>
           </p:nvPr>
@@ -5763,7 +5933,7 @@
           </a:prstGeom>
         </p:spPr>
         <p:txBody>
-          <a:bodyPr anchorCtr="0" anchor="b" bIns="121900" lIns="121900" spcFirstLastPara="1" rIns="121900" wrap="square" tIns="121900"/>
+          <a:bodyPr spcFirstLastPara="1" wrap="square" lIns="121900" tIns="121900" rIns="121900" bIns="121900" anchor="b" anchorCtr="0"/>
           <a:lstStyle>
             <a:lvl1pPr lvl="0">
               <a:spcBef>
@@ -5865,15 +6035,19 @@
               <a:defRPr/>
             </a:lvl9pPr>
           </a:lstStyle>
-          <a:p/>
+          <a:p>
+            <a:endParaRPr/>
+          </a:p>
         </p:txBody>
       </p:sp>
       <p:sp>
         <p:nvSpPr>
           <p:cNvPr id="33" name="Google Shape;33;p6"/>
-          <p:cNvSpPr txBox="1"/>
+          <p:cNvSpPr txBox="1">
+            <a:spLocks noGrp="1"/>
+          </p:cNvSpPr>
           <p:nvPr>
-            <p:ph idx="12" type="sldNum"/>
+            <p:ph type="sldNum" idx="12"/>
           </p:nvPr>
         </p:nvSpPr>
         <p:spPr>
@@ -5886,7 +6060,7 @@
           </a:prstGeom>
         </p:spPr>
         <p:txBody>
-          <a:bodyPr anchorCtr="0" anchor="ctr" bIns="121900" lIns="121900" spcFirstLastPara="1" rIns="121900" wrap="square" tIns="121900">
+          <a:bodyPr spcFirstLastPara="1" wrap="square" lIns="121900" tIns="121900" rIns="121900" bIns="121900" anchor="ctr" anchorCtr="0">
             <a:noAutofit/>
           </a:bodyPr>
           <a:lstStyle>
@@ -5928,7 +6102,7 @@
             </a:lvl9pPr>
           </a:lstStyle>
           <a:p>
-            <a:pPr indent="0" lvl="0" marL="0" rtl="0" algn="r">
+            <a:pPr marL="0" lvl="0" indent="0" algn="r" rtl="0">
               <a:spcBef>
                 <a:spcPts val="0"/>
               </a:spcBef>
@@ -5954,11 +6128,11 @@
 </file>
 
 <file path=ppt/slideLayouts/slideLayout6.xml><?xml version="1.0" encoding="utf-8"?>
-<p:sldLayout xmlns:a="http://schemas.openxmlformats.org/drawingml/2006/main" xmlns:r="http://schemas.openxmlformats.org/officeDocument/2006/relationships" xmlns:mc="http://schemas.openxmlformats.org/markup-compatibility/2006" xmlns:mv="urn:schemas-microsoft-com:mac:vml" xmlns:p="http://schemas.openxmlformats.org/presentationml/2006/main" xmlns:c="http://schemas.openxmlformats.org/drawingml/2006/chart" xmlns:dgm="http://schemas.openxmlformats.org/drawingml/2006/diagram" xmlns:o="urn:schemas-microsoft-com:office:office" xmlns:v="urn:schemas-microsoft-com:vml" xmlns:pvml="urn:schemas-microsoft-com:office:powerpoint" xmlns:com="http://schemas.openxmlformats.org/drawingml/2006/compatibility" xmlns:p14="http://schemas.microsoft.com/office/powerpoint/2010/main" xmlns:p15="http://schemas.microsoft.com/office/powerpoint/2012/main" matchingName="One column text">
+<p:sldLayout xmlns:a="http://schemas.openxmlformats.org/drawingml/2006/main" xmlns:r="http://schemas.openxmlformats.org/officeDocument/2006/relationships" xmlns:p="http://schemas.openxmlformats.org/presentationml/2006/main" matchingName="One column text">
   <p:cSld name="ONE_COLUMN_TEXT">
     <p:spTree>
       <p:nvGrpSpPr>
-        <p:cNvPr id="34" name="Shape 34"/>
+        <p:cNvPr id="1" name="Shape 34"/>
         <p:cNvGrpSpPr/>
         <p:nvPr/>
       </p:nvGrpSpPr>
@@ -5985,21 +6159,23 @@
             <a:avLst/>
           </a:prstGeom>
           <a:noFill/>
-          <a:ln cap="flat" cmpd="sng" w="38100">
+          <a:ln w="38100" cap="flat" cmpd="sng">
             <a:solidFill>
               <a:schemeClr val="accent4"/>
             </a:solidFill>
             <a:prstDash val="solid"/>
             <a:round/>
-            <a:headEnd len="sm" w="sm" type="none"/>
-            <a:tailEnd len="sm" w="sm" type="none"/>
+            <a:headEnd type="none" w="sm" len="sm"/>
+            <a:tailEnd type="none" w="sm" len="sm"/>
           </a:ln>
         </p:spPr>
       </p:cxnSp>
       <p:sp>
         <p:nvSpPr>
           <p:cNvPr id="36" name="Google Shape;36;p7"/>
-          <p:cNvSpPr txBox="1"/>
+          <p:cNvSpPr txBox="1">
+            <a:spLocks noGrp="1"/>
+          </p:cNvSpPr>
           <p:nvPr>
             <p:ph type="title"/>
           </p:nvPr>
@@ -6014,7 +6190,7 @@
           </a:prstGeom>
         </p:spPr>
         <p:txBody>
-          <a:bodyPr anchorCtr="0" anchor="b" bIns="121900" lIns="121900" spcFirstLastPara="1" rIns="121900" wrap="square" tIns="121900"/>
+          <a:bodyPr spcFirstLastPara="1" wrap="square" lIns="121900" tIns="121900" rIns="121900" bIns="121900" anchor="b" anchorCtr="0"/>
           <a:lstStyle>
             <a:lvl1pPr lvl="0">
               <a:spcBef>
@@ -6116,15 +6292,19 @@
               <a:defRPr sz="3200"/>
             </a:lvl9pPr>
           </a:lstStyle>
-          <a:p/>
+          <a:p>
+            <a:endParaRPr/>
+          </a:p>
         </p:txBody>
       </p:sp>
       <p:sp>
         <p:nvSpPr>
           <p:cNvPr id="37" name="Google Shape;37;p7"/>
-          <p:cNvSpPr txBox="1"/>
+          <p:cNvSpPr txBox="1">
+            <a:spLocks noGrp="1"/>
+          </p:cNvSpPr>
           <p:nvPr>
-            <p:ph idx="1" type="body"/>
+            <p:ph type="body" idx="1"/>
           </p:nvPr>
         </p:nvSpPr>
         <p:spPr>
@@ -6137,9 +6317,9 @@
           </a:prstGeom>
         </p:spPr>
         <p:txBody>
-          <a:bodyPr anchorCtr="0" anchor="t" bIns="121900" lIns="121900" spcFirstLastPara="1" rIns="121900" wrap="square" tIns="121900"/>
+          <a:bodyPr spcFirstLastPara="1" wrap="square" lIns="121900" tIns="121900" rIns="121900" bIns="121900" anchor="t" anchorCtr="0"/>
           <a:lstStyle>
-            <a:lvl1pPr indent="-330200" lvl="0" marL="457200">
+            <a:lvl1pPr marL="457200" lvl="0" indent="-330200">
               <a:spcBef>
                 <a:spcPts val="0"/>
               </a:spcBef>
@@ -6150,7 +6330,7 @@
               <a:buChar char="●"/>
               <a:defRPr sz="1600"/>
             </a:lvl1pPr>
-            <a:lvl2pPr indent="-330200" lvl="1" marL="914400">
+            <a:lvl2pPr marL="914400" lvl="1" indent="-330200">
               <a:spcBef>
                 <a:spcPts val="2100"/>
               </a:spcBef>
@@ -6161,7 +6341,7 @@
               <a:buChar char="○"/>
               <a:defRPr sz="1600"/>
             </a:lvl2pPr>
-            <a:lvl3pPr indent="-330200" lvl="2" marL="1371600">
+            <a:lvl3pPr marL="1371600" lvl="2" indent="-330200">
               <a:spcBef>
                 <a:spcPts val="2100"/>
               </a:spcBef>
@@ -6172,7 +6352,7 @@
               <a:buChar char="■"/>
               <a:defRPr sz="1600"/>
             </a:lvl3pPr>
-            <a:lvl4pPr indent="-330200" lvl="3" marL="1828800">
+            <a:lvl4pPr marL="1828800" lvl="3" indent="-330200">
               <a:spcBef>
                 <a:spcPts val="2100"/>
               </a:spcBef>
@@ -6183,7 +6363,7 @@
               <a:buChar char="●"/>
               <a:defRPr sz="1600"/>
             </a:lvl4pPr>
-            <a:lvl5pPr indent="-330200" lvl="4" marL="2286000">
+            <a:lvl5pPr marL="2286000" lvl="4" indent="-330200">
               <a:spcBef>
                 <a:spcPts val="2100"/>
               </a:spcBef>
@@ -6194,7 +6374,7 @@
               <a:buChar char="○"/>
               <a:defRPr sz="1600"/>
             </a:lvl5pPr>
-            <a:lvl6pPr indent="-330200" lvl="5" marL="2743200">
+            <a:lvl6pPr marL="2743200" lvl="5" indent="-330200">
               <a:spcBef>
                 <a:spcPts val="2100"/>
               </a:spcBef>
@@ -6205,7 +6385,7 @@
               <a:buChar char="■"/>
               <a:defRPr sz="1600"/>
             </a:lvl6pPr>
-            <a:lvl7pPr indent="-330200" lvl="6" marL="3200400">
+            <a:lvl7pPr marL="3200400" lvl="6" indent="-330200">
               <a:spcBef>
                 <a:spcPts val="2100"/>
               </a:spcBef>
@@ -6216,7 +6396,7 @@
               <a:buChar char="●"/>
               <a:defRPr sz="1600"/>
             </a:lvl7pPr>
-            <a:lvl8pPr indent="-330200" lvl="7" marL="3657600">
+            <a:lvl8pPr marL="3657600" lvl="7" indent="-330200">
               <a:spcBef>
                 <a:spcPts val="2100"/>
               </a:spcBef>
@@ -6227,7 +6407,7 @@
               <a:buChar char="○"/>
               <a:defRPr sz="1600"/>
             </a:lvl8pPr>
-            <a:lvl9pPr indent="-330200" lvl="8" marL="4114800">
+            <a:lvl9pPr marL="4114800" lvl="8" indent="-330200">
               <a:spcBef>
                 <a:spcPts val="2100"/>
               </a:spcBef>
@@ -6239,15 +6419,19 @@
               <a:defRPr sz="1600"/>
             </a:lvl9pPr>
           </a:lstStyle>
-          <a:p/>
+          <a:p>
+            <a:endParaRPr/>
+          </a:p>
         </p:txBody>
       </p:sp>
       <p:sp>
         <p:nvSpPr>
           <p:cNvPr id="38" name="Google Shape;38;p7"/>
-          <p:cNvSpPr txBox="1"/>
+          <p:cNvSpPr txBox="1">
+            <a:spLocks noGrp="1"/>
+          </p:cNvSpPr>
           <p:nvPr>
-            <p:ph idx="12" type="sldNum"/>
+            <p:ph type="sldNum" idx="12"/>
           </p:nvPr>
         </p:nvSpPr>
         <p:spPr>
@@ -6260,7 +6444,7 @@
           </a:prstGeom>
         </p:spPr>
         <p:txBody>
-          <a:bodyPr anchorCtr="0" anchor="ctr" bIns="121900" lIns="121900" spcFirstLastPara="1" rIns="121900" wrap="square" tIns="121900">
+          <a:bodyPr spcFirstLastPara="1" wrap="square" lIns="121900" tIns="121900" rIns="121900" bIns="121900" anchor="ctr" anchorCtr="0">
             <a:noAutofit/>
           </a:bodyPr>
           <a:lstStyle>
@@ -6302,7 +6486,7 @@
             </a:lvl9pPr>
           </a:lstStyle>
           <a:p>
-            <a:pPr indent="0" lvl="0" marL="0" rtl="0" algn="r">
+            <a:pPr marL="0" lvl="0" indent="0" algn="r" rtl="0">
               <a:spcBef>
                 <a:spcPts val="0"/>
               </a:spcBef>
@@ -6328,11 +6512,11 @@
 </file>
 
 <file path=ppt/slideLayouts/slideLayout7.xml><?xml version="1.0" encoding="utf-8"?>
-<p:sldLayout xmlns:a="http://schemas.openxmlformats.org/drawingml/2006/main" xmlns:r="http://schemas.openxmlformats.org/officeDocument/2006/relationships" xmlns:mc="http://schemas.openxmlformats.org/markup-compatibility/2006" xmlns:mv="urn:schemas-microsoft-com:mac:vml" xmlns:p="http://schemas.openxmlformats.org/presentationml/2006/main" xmlns:c="http://schemas.openxmlformats.org/drawingml/2006/chart" xmlns:dgm="http://schemas.openxmlformats.org/drawingml/2006/diagram" xmlns:o="urn:schemas-microsoft-com:office:office" xmlns:v="urn:schemas-microsoft-com:vml" xmlns:pvml="urn:schemas-microsoft-com:office:powerpoint" xmlns:com="http://schemas.openxmlformats.org/drawingml/2006/compatibility" xmlns:p14="http://schemas.microsoft.com/office/powerpoint/2010/main" xmlns:p15="http://schemas.microsoft.com/office/powerpoint/2012/main" matchingName="Main point">
+<p:sldLayout xmlns:a="http://schemas.openxmlformats.org/drawingml/2006/main" xmlns:r="http://schemas.openxmlformats.org/officeDocument/2006/relationships" xmlns:p="http://schemas.openxmlformats.org/presentationml/2006/main" matchingName="Main point">
   <p:cSld name="MAIN_POINT">
     <p:spTree>
       <p:nvGrpSpPr>
-        <p:cNvPr id="39" name="Shape 39"/>
+        <p:cNvPr id="1" name="Shape 39"/>
         <p:cNvGrpSpPr/>
         <p:nvPr/>
       </p:nvGrpSpPr>
@@ -6347,7 +6531,9 @@
       <p:sp>
         <p:nvSpPr>
           <p:cNvPr id="40" name="Google Shape;40;p8"/>
-          <p:cNvSpPr txBox="1"/>
+          <p:cNvSpPr txBox="1">
+            <a:spLocks noGrp="1"/>
+          </p:cNvSpPr>
           <p:nvPr>
             <p:ph type="title"/>
           </p:nvPr>
@@ -6362,7 +6548,7 @@
           </a:prstGeom>
         </p:spPr>
         <p:txBody>
-          <a:bodyPr anchorCtr="0" anchor="ctr" bIns="121900" lIns="121900" spcFirstLastPara="1" rIns="121900" wrap="square" tIns="121900"/>
+          <a:bodyPr spcFirstLastPara="1" wrap="square" lIns="121900" tIns="121900" rIns="121900" bIns="121900" anchor="ctr" anchorCtr="0"/>
           <a:lstStyle>
             <a:lvl1pPr lvl="0">
               <a:spcBef>
@@ -6464,15 +6650,19 @@
               <a:defRPr sz="6400"/>
             </a:lvl9pPr>
           </a:lstStyle>
-          <a:p/>
+          <a:p>
+            <a:endParaRPr/>
+          </a:p>
         </p:txBody>
       </p:sp>
       <p:sp>
         <p:nvSpPr>
           <p:cNvPr id="41" name="Google Shape;41;p8"/>
-          <p:cNvSpPr txBox="1"/>
+          <p:cNvSpPr txBox="1">
+            <a:spLocks noGrp="1"/>
+          </p:cNvSpPr>
           <p:nvPr>
-            <p:ph idx="12" type="sldNum"/>
+            <p:ph type="sldNum" idx="12"/>
           </p:nvPr>
         </p:nvSpPr>
         <p:spPr>
@@ -6485,7 +6675,7 @@
           </a:prstGeom>
         </p:spPr>
         <p:txBody>
-          <a:bodyPr anchorCtr="0" anchor="ctr" bIns="121900" lIns="121900" spcFirstLastPara="1" rIns="121900" wrap="square" tIns="121900">
+          <a:bodyPr spcFirstLastPara="1" wrap="square" lIns="121900" tIns="121900" rIns="121900" bIns="121900" anchor="ctr" anchorCtr="0">
             <a:noAutofit/>
           </a:bodyPr>
           <a:lstStyle>
@@ -6527,7 +6717,7 @@
             </a:lvl9pPr>
           </a:lstStyle>
           <a:p>
-            <a:pPr indent="0" lvl="0" marL="0" rtl="0" algn="r">
+            <a:pPr marL="0" lvl="0" indent="0" algn="r" rtl="0">
               <a:spcBef>
                 <a:spcPts val="0"/>
               </a:spcBef>
@@ -6553,11 +6743,11 @@
 </file>
 
 <file path=ppt/slideLayouts/slideLayout8.xml><?xml version="1.0" encoding="utf-8"?>
-<p:sldLayout xmlns:a="http://schemas.openxmlformats.org/drawingml/2006/main" xmlns:r="http://schemas.openxmlformats.org/officeDocument/2006/relationships" xmlns:mc="http://schemas.openxmlformats.org/markup-compatibility/2006" xmlns:mv="urn:schemas-microsoft-com:mac:vml" xmlns:p="http://schemas.openxmlformats.org/presentationml/2006/main" xmlns:c="http://schemas.openxmlformats.org/drawingml/2006/chart" xmlns:dgm="http://schemas.openxmlformats.org/drawingml/2006/diagram" xmlns:o="urn:schemas-microsoft-com:office:office" xmlns:v="urn:schemas-microsoft-com:vml" xmlns:pvml="urn:schemas-microsoft-com:office:powerpoint" xmlns:com="http://schemas.openxmlformats.org/drawingml/2006/compatibility" xmlns:p14="http://schemas.microsoft.com/office/powerpoint/2010/main" xmlns:p15="http://schemas.microsoft.com/office/powerpoint/2012/main" matchingName="Section title and description">
+<p:sldLayout xmlns:a="http://schemas.openxmlformats.org/drawingml/2006/main" xmlns:r="http://schemas.openxmlformats.org/officeDocument/2006/relationships" xmlns:p="http://schemas.openxmlformats.org/presentationml/2006/main" matchingName="Section title and description">
   <p:cSld name="SECTION_TITLE_AND_DESCRIPTION">
     <p:spTree>
       <p:nvGrpSpPr>
-        <p:cNvPr id="42" name="Shape 42"/>
+        <p:cNvPr id="1" name="Shape 42"/>
         <p:cNvGrpSpPr/>
         <p:nvPr/>
       </p:nvGrpSpPr>
@@ -6591,12 +6781,12 @@
           </a:ln>
         </p:spPr>
         <p:txBody>
-          <a:bodyPr anchorCtr="0" anchor="ctr" bIns="121900" lIns="121900" spcFirstLastPara="1" rIns="121900" wrap="square" tIns="121900">
+          <a:bodyPr spcFirstLastPara="1" wrap="square" lIns="121900" tIns="121900" rIns="121900" bIns="121900" anchor="ctr" anchorCtr="0">
             <a:noAutofit/>
           </a:bodyPr>
           <a:lstStyle/>
           <a:p>
-            <a:pPr indent="0" lvl="0" marL="0" rtl="0" algn="l">
+            <a:pPr marL="0" lvl="0" indent="0" algn="l" rtl="0">
               <a:spcBef>
                 <a:spcPts val="0"/>
               </a:spcBef>
@@ -6605,9 +6795,6 @@
               </a:spcAft>
               <a:buNone/>
             </a:pPr>
-            <a:r>
-              <a:t/>
-            </a:r>
             <a:endParaRPr/>
           </a:p>
         </p:txBody>
@@ -6627,21 +6814,23 @@
             <a:avLst/>
           </a:prstGeom>
           <a:noFill/>
-          <a:ln cap="flat" cmpd="sng" w="38100">
+          <a:ln w="38100" cap="flat" cmpd="sng">
             <a:solidFill>
               <a:schemeClr val="accent5"/>
             </a:solidFill>
             <a:prstDash val="solid"/>
             <a:round/>
-            <a:headEnd len="sm" w="sm" type="none"/>
-            <a:tailEnd len="sm" w="sm" type="none"/>
+            <a:headEnd type="none" w="sm" len="sm"/>
+            <a:tailEnd type="none" w="sm" len="sm"/>
           </a:ln>
         </p:spPr>
       </p:cxnSp>
       <p:sp>
         <p:nvSpPr>
           <p:cNvPr id="45" name="Google Shape;45;p9"/>
-          <p:cNvSpPr txBox="1"/>
+          <p:cNvSpPr txBox="1">
+            <a:spLocks noGrp="1"/>
+          </p:cNvSpPr>
           <p:nvPr>
             <p:ph type="title"/>
           </p:nvPr>
@@ -6656,7 +6845,7 @@
           </a:prstGeom>
         </p:spPr>
         <p:txBody>
-          <a:bodyPr anchorCtr="0" anchor="b" bIns="121900" lIns="121900" spcFirstLastPara="1" rIns="121900" wrap="square" tIns="121900"/>
+          <a:bodyPr spcFirstLastPara="1" wrap="square" lIns="121900" tIns="121900" rIns="121900" bIns="121900" anchor="b" anchorCtr="0"/>
           <a:lstStyle>
             <a:lvl1pPr lvl="0" algn="ctr">
               <a:spcBef>
@@ -6758,15 +6947,19 @@
               <a:defRPr sz="5100"/>
             </a:lvl9pPr>
           </a:lstStyle>
-          <a:p/>
+          <a:p>
+            <a:endParaRPr/>
+          </a:p>
         </p:txBody>
       </p:sp>
       <p:sp>
         <p:nvSpPr>
           <p:cNvPr id="46" name="Google Shape;46;p9"/>
-          <p:cNvSpPr txBox="1"/>
+          <p:cNvSpPr txBox="1">
+            <a:spLocks noGrp="1"/>
+          </p:cNvSpPr>
           <p:nvPr>
-            <p:ph idx="1" type="subTitle"/>
+            <p:ph type="subTitle" idx="1"/>
           </p:nvPr>
         </p:nvSpPr>
         <p:spPr>
@@ -6779,7 +6972,7 @@
           </a:prstGeom>
         </p:spPr>
         <p:txBody>
-          <a:bodyPr anchorCtr="0" anchor="t" bIns="121900" lIns="121900" spcFirstLastPara="1" rIns="121900" wrap="square" tIns="121900"/>
+          <a:bodyPr spcFirstLastPara="1" wrap="square" lIns="121900" tIns="121900" rIns="121900" bIns="121900" anchor="t" anchorCtr="0"/>
           <a:lstStyle>
             <a:lvl1pPr lvl="0" algn="ctr">
               <a:lnSpc>
@@ -6971,15 +7164,19 @@
               </a:defRPr>
             </a:lvl9pPr>
           </a:lstStyle>
-          <a:p/>
+          <a:p>
+            <a:endParaRPr/>
+          </a:p>
         </p:txBody>
       </p:sp>
       <p:sp>
         <p:nvSpPr>
           <p:cNvPr id="47" name="Google Shape;47;p9"/>
-          <p:cNvSpPr txBox="1"/>
+          <p:cNvSpPr txBox="1">
+            <a:spLocks noGrp="1"/>
+          </p:cNvSpPr>
           <p:nvPr>
-            <p:ph idx="2" type="body"/>
+            <p:ph type="body" idx="2"/>
           </p:nvPr>
         </p:nvSpPr>
         <p:spPr>
@@ -6992,9 +7189,9 @@
           </a:prstGeom>
         </p:spPr>
         <p:txBody>
-          <a:bodyPr anchorCtr="0" anchor="ctr" bIns="121900" lIns="121900" spcFirstLastPara="1" rIns="121900" wrap="square" tIns="121900"/>
+          <a:bodyPr spcFirstLastPara="1" wrap="square" lIns="121900" tIns="121900" rIns="121900" bIns="121900" anchor="ctr" anchorCtr="0"/>
           <a:lstStyle>
-            <a:lvl1pPr indent="-381000" lvl="0" marL="457200">
+            <a:lvl1pPr marL="457200" lvl="0" indent="-381000">
               <a:spcBef>
                 <a:spcPts val="0"/>
               </a:spcBef>
@@ -7005,7 +7202,7 @@
               <a:buChar char="●"/>
               <a:defRPr/>
             </a:lvl1pPr>
-            <a:lvl2pPr indent="-349250" lvl="1" marL="914400">
+            <a:lvl2pPr marL="914400" lvl="1" indent="-349250">
               <a:spcBef>
                 <a:spcPts val="2100"/>
               </a:spcBef>
@@ -7016,7 +7213,7 @@
               <a:buChar char="○"/>
               <a:defRPr/>
             </a:lvl2pPr>
-            <a:lvl3pPr indent="-349250" lvl="2" marL="1371600">
+            <a:lvl3pPr marL="1371600" lvl="2" indent="-349250">
               <a:spcBef>
                 <a:spcPts val="2100"/>
               </a:spcBef>
@@ -7027,7 +7224,7 @@
               <a:buChar char="■"/>
               <a:defRPr/>
             </a:lvl3pPr>
-            <a:lvl4pPr indent="-349250" lvl="3" marL="1828800">
+            <a:lvl4pPr marL="1828800" lvl="3" indent="-349250">
               <a:spcBef>
                 <a:spcPts val="2100"/>
               </a:spcBef>
@@ -7038,7 +7235,7 @@
               <a:buChar char="●"/>
               <a:defRPr/>
             </a:lvl4pPr>
-            <a:lvl5pPr indent="-349250" lvl="4" marL="2286000">
+            <a:lvl5pPr marL="2286000" lvl="4" indent="-349250">
               <a:spcBef>
                 <a:spcPts val="2100"/>
               </a:spcBef>
@@ -7049,7 +7246,7 @@
               <a:buChar char="○"/>
               <a:defRPr/>
             </a:lvl5pPr>
-            <a:lvl6pPr indent="-349250" lvl="5" marL="2743200">
+            <a:lvl6pPr marL="2743200" lvl="5" indent="-349250">
               <a:spcBef>
                 <a:spcPts val="2100"/>
               </a:spcBef>
@@ -7060,7 +7257,7 @@
               <a:buChar char="■"/>
               <a:defRPr/>
             </a:lvl6pPr>
-            <a:lvl7pPr indent="-349250" lvl="6" marL="3200400">
+            <a:lvl7pPr marL="3200400" lvl="6" indent="-349250">
               <a:spcBef>
                 <a:spcPts val="2100"/>
               </a:spcBef>
@@ -7071,7 +7268,7 @@
               <a:buChar char="●"/>
               <a:defRPr/>
             </a:lvl7pPr>
-            <a:lvl8pPr indent="-349250" lvl="7" marL="3657600">
+            <a:lvl8pPr marL="3657600" lvl="7" indent="-349250">
               <a:spcBef>
                 <a:spcPts val="2100"/>
               </a:spcBef>
@@ -7082,7 +7279,7 @@
               <a:buChar char="○"/>
               <a:defRPr/>
             </a:lvl8pPr>
-            <a:lvl9pPr indent="-349250" lvl="8" marL="4114800">
+            <a:lvl9pPr marL="4114800" lvl="8" indent="-349250">
               <a:spcBef>
                 <a:spcPts val="2100"/>
               </a:spcBef>
@@ -7094,15 +7291,19 @@
               <a:defRPr/>
             </a:lvl9pPr>
           </a:lstStyle>
-          <a:p/>
+          <a:p>
+            <a:endParaRPr/>
+          </a:p>
         </p:txBody>
       </p:sp>
       <p:sp>
         <p:nvSpPr>
           <p:cNvPr id="48" name="Google Shape;48;p9"/>
-          <p:cNvSpPr txBox="1"/>
+          <p:cNvSpPr txBox="1">
+            <a:spLocks noGrp="1"/>
+          </p:cNvSpPr>
           <p:nvPr>
-            <p:ph idx="12" type="sldNum"/>
+            <p:ph type="sldNum" idx="12"/>
           </p:nvPr>
         </p:nvSpPr>
         <p:spPr>
@@ -7115,7 +7316,7 @@
           </a:prstGeom>
         </p:spPr>
         <p:txBody>
-          <a:bodyPr anchorCtr="0" anchor="ctr" bIns="121900" lIns="121900" spcFirstLastPara="1" rIns="121900" wrap="square" tIns="121900">
+          <a:bodyPr spcFirstLastPara="1" wrap="square" lIns="121900" tIns="121900" rIns="121900" bIns="121900" anchor="ctr" anchorCtr="0">
             <a:noAutofit/>
           </a:bodyPr>
           <a:lstStyle>
@@ -7157,7 +7358,7 @@
             </a:lvl9pPr>
           </a:lstStyle>
           <a:p>
-            <a:pPr indent="0" lvl="0" marL="0" rtl="0" algn="r">
+            <a:pPr marL="0" lvl="0" indent="0" algn="r" rtl="0">
               <a:spcBef>
                 <a:spcPts val="0"/>
               </a:spcBef>
@@ -7183,11 +7384,11 @@
 </file>
 
 <file path=ppt/slideLayouts/slideLayout9.xml><?xml version="1.0" encoding="utf-8"?>
-<p:sldLayout xmlns:a="http://schemas.openxmlformats.org/drawingml/2006/main" xmlns:r="http://schemas.openxmlformats.org/officeDocument/2006/relationships" xmlns:mc="http://schemas.openxmlformats.org/markup-compatibility/2006" xmlns:mv="urn:schemas-microsoft-com:mac:vml" xmlns:p="http://schemas.openxmlformats.org/presentationml/2006/main" xmlns:c="http://schemas.openxmlformats.org/drawingml/2006/chart" xmlns:dgm="http://schemas.openxmlformats.org/drawingml/2006/diagram" xmlns:o="urn:schemas-microsoft-com:office:office" xmlns:v="urn:schemas-microsoft-com:vml" xmlns:pvml="urn:schemas-microsoft-com:office:powerpoint" xmlns:com="http://schemas.openxmlformats.org/drawingml/2006/compatibility" xmlns:p14="http://schemas.microsoft.com/office/powerpoint/2010/main" xmlns:p15="http://schemas.microsoft.com/office/powerpoint/2012/main" matchingName="Caption">
+<p:sldLayout xmlns:a="http://schemas.openxmlformats.org/drawingml/2006/main" xmlns:r="http://schemas.openxmlformats.org/officeDocument/2006/relationships" xmlns:p="http://schemas.openxmlformats.org/presentationml/2006/main" matchingName="Caption">
   <p:cSld name="CAPTION_ONLY">
     <p:spTree>
       <p:nvGrpSpPr>
-        <p:cNvPr id="49" name="Shape 49"/>
+        <p:cNvPr id="1" name="Shape 49"/>
         <p:cNvGrpSpPr/>
         <p:nvPr/>
       </p:nvGrpSpPr>
@@ -7202,9 +7403,11 @@
       <p:sp>
         <p:nvSpPr>
           <p:cNvPr id="50" name="Google Shape;50;p10"/>
-          <p:cNvSpPr txBox="1"/>
+          <p:cNvSpPr txBox="1">
+            <a:spLocks noGrp="1"/>
+          </p:cNvSpPr>
           <p:nvPr>
-            <p:ph idx="1" type="body"/>
+            <p:ph type="body" idx="1"/>
           </p:nvPr>
         </p:nvSpPr>
         <p:spPr>
@@ -7217,9 +7420,9 @@
           </a:prstGeom>
         </p:spPr>
         <p:txBody>
-          <a:bodyPr anchorCtr="0" anchor="ctr" bIns="121900" lIns="121900" spcFirstLastPara="1" rIns="121900" wrap="square" tIns="121900"/>
+          <a:bodyPr spcFirstLastPara="1" wrap="square" lIns="121900" tIns="121900" rIns="121900" bIns="121900" anchor="ctr" anchorCtr="0"/>
           <a:lstStyle>
-            <a:lvl1pPr indent="-228600" lvl="0" marL="457200">
+            <a:lvl1pPr marL="457200" lvl="0" indent="-228600">
               <a:lnSpc>
                 <a:spcPct val="100000"/>
               </a:lnSpc>
@@ -7240,15 +7443,19 @@
               </a:defRPr>
             </a:lvl1pPr>
           </a:lstStyle>
-          <a:p/>
+          <a:p>
+            <a:endParaRPr/>
+          </a:p>
         </p:txBody>
       </p:sp>
       <p:sp>
         <p:nvSpPr>
           <p:cNvPr id="51" name="Google Shape;51;p10"/>
-          <p:cNvSpPr txBox="1"/>
+          <p:cNvSpPr txBox="1">
+            <a:spLocks noGrp="1"/>
+          </p:cNvSpPr>
           <p:nvPr>
-            <p:ph idx="12" type="sldNum"/>
+            <p:ph type="sldNum" idx="12"/>
           </p:nvPr>
         </p:nvSpPr>
         <p:spPr>
@@ -7261,7 +7468,7 @@
           </a:prstGeom>
         </p:spPr>
         <p:txBody>
-          <a:bodyPr anchorCtr="0" anchor="ctr" bIns="121900" lIns="121900" spcFirstLastPara="1" rIns="121900" wrap="square" tIns="121900">
+          <a:bodyPr spcFirstLastPara="1" wrap="square" lIns="121900" tIns="121900" rIns="121900" bIns="121900" anchor="ctr" anchorCtr="0">
             <a:noAutofit/>
           </a:bodyPr>
           <a:lstStyle>
@@ -7303,7 +7510,7 @@
             </a:lvl9pPr>
           </a:lstStyle>
           <a:p>
-            <a:pPr indent="0" lvl="0" marL="0" rtl="0" algn="r">
+            <a:pPr marL="0" lvl="0" indent="0" algn="r" rtl="0">
               <a:spcBef>
                 <a:spcPts val="0"/>
               </a:spcBef>
@@ -7329,18 +7536,19 @@
 </file>
 
 <file path=ppt/slideMasters/slideMaster1.xml><?xml version="1.0" encoding="utf-8"?>
-<p:sldMaster xmlns:a="http://schemas.openxmlformats.org/drawingml/2006/main" xmlns:r="http://schemas.openxmlformats.org/officeDocument/2006/relationships" xmlns:mc="http://schemas.openxmlformats.org/markup-compatibility/2006" xmlns:mv="urn:schemas-microsoft-com:mac:vml" xmlns:p="http://schemas.openxmlformats.org/presentationml/2006/main" xmlns:c="http://schemas.openxmlformats.org/drawingml/2006/chart" xmlns:dgm="http://schemas.openxmlformats.org/drawingml/2006/diagram" xmlns:o="urn:schemas-microsoft-com:office:office" xmlns:v="urn:schemas-microsoft-com:vml" xmlns:pvml="urn:schemas-microsoft-com:office:powerpoint" xmlns:com="http://schemas.openxmlformats.org/drawingml/2006/compatibility" xmlns:p14="http://schemas.microsoft.com/office/powerpoint/2010/main" xmlns:p15="http://schemas.microsoft.com/office/powerpoint/2012/main">
+<p:sldMaster xmlns:a="http://schemas.openxmlformats.org/drawingml/2006/main" xmlns:r="http://schemas.openxmlformats.org/officeDocument/2006/relationships" xmlns:p="http://schemas.openxmlformats.org/presentationml/2006/main">
   <p:cSld name="marina">
     <p:bg>
       <p:bgPr>
         <a:solidFill>
           <a:schemeClr val="lt1"/>
         </a:solidFill>
+        <a:effectLst/>
       </p:bgPr>
     </p:bg>
     <p:spTree>
       <p:nvGrpSpPr>
-        <p:cNvPr id="5" name="Shape 5"/>
+        <p:cNvPr id="1" name="Shape 5"/>
         <p:cNvGrpSpPr/>
         <p:nvPr/>
       </p:nvGrpSpPr>
@@ -7355,7 +7563,9 @@
       <p:sp>
         <p:nvSpPr>
           <p:cNvPr id="6" name="Google Shape;6;p1"/>
-          <p:cNvSpPr txBox="1"/>
+          <p:cNvSpPr txBox="1">
+            <a:spLocks noGrp="1"/>
+          </p:cNvSpPr>
           <p:nvPr>
             <p:ph type="title"/>
           </p:nvPr>
@@ -7374,7 +7584,7 @@
           </a:ln>
         </p:spPr>
         <p:txBody>
-          <a:bodyPr anchorCtr="0" anchor="b" bIns="121900" lIns="121900" spcFirstLastPara="1" rIns="121900" wrap="square" tIns="121900"/>
+          <a:bodyPr spcFirstLastPara="1" wrap="square" lIns="121900" tIns="121900" rIns="121900" bIns="121900" anchor="b" anchorCtr="0"/>
           <a:lstStyle>
             <a:lvl1pPr lvl="0">
               <a:spcBef>
@@ -7584,15 +7794,19 @@
               </a:defRPr>
             </a:lvl9pPr>
           </a:lstStyle>
-          <a:p/>
+          <a:p>
+            <a:endParaRPr/>
+          </a:p>
         </p:txBody>
       </p:sp>
       <p:sp>
         <p:nvSpPr>
           <p:cNvPr id="7" name="Google Shape;7;p1"/>
-          <p:cNvSpPr txBox="1"/>
+          <p:cNvSpPr txBox="1">
+            <a:spLocks noGrp="1"/>
+          </p:cNvSpPr>
           <p:nvPr>
-            <p:ph idx="1" type="body"/>
+            <p:ph type="body" idx="1"/>
           </p:nvPr>
         </p:nvSpPr>
         <p:spPr>
@@ -7609,9 +7823,9 @@
           </a:ln>
         </p:spPr>
         <p:txBody>
-          <a:bodyPr anchorCtr="0" anchor="t" bIns="121900" lIns="121900" spcFirstLastPara="1" rIns="121900" wrap="square" tIns="121900"/>
+          <a:bodyPr spcFirstLastPara="1" wrap="square" lIns="121900" tIns="121900" rIns="121900" bIns="121900" anchor="t" anchorCtr="0"/>
           <a:lstStyle>
-            <a:lvl1pPr indent="-381000" lvl="0" marL="457200">
+            <a:lvl1pPr marL="457200" lvl="0" indent="-381000">
               <a:lnSpc>
                 <a:spcPct val="115000"/>
               </a:lnSpc>
@@ -7637,7 +7851,7 @@
                 <a:sym typeface="Roboto"/>
               </a:defRPr>
             </a:lvl1pPr>
-            <a:lvl2pPr indent="-349250" lvl="1" marL="914400">
+            <a:lvl2pPr marL="914400" lvl="1" indent="-349250">
               <a:lnSpc>
                 <a:spcPct val="115000"/>
               </a:lnSpc>
@@ -7663,7 +7877,7 @@
                 <a:sym typeface="Roboto"/>
               </a:defRPr>
             </a:lvl2pPr>
-            <a:lvl3pPr indent="-349250" lvl="2" marL="1371600">
+            <a:lvl3pPr marL="1371600" lvl="2" indent="-349250">
               <a:lnSpc>
                 <a:spcPct val="115000"/>
               </a:lnSpc>
@@ -7689,7 +7903,7 @@
                 <a:sym typeface="Roboto"/>
               </a:defRPr>
             </a:lvl3pPr>
-            <a:lvl4pPr indent="-349250" lvl="3" marL="1828800">
+            <a:lvl4pPr marL="1828800" lvl="3" indent="-349250">
               <a:lnSpc>
                 <a:spcPct val="115000"/>
               </a:lnSpc>
@@ -7715,7 +7929,7 @@
                 <a:sym typeface="Roboto"/>
               </a:defRPr>
             </a:lvl4pPr>
-            <a:lvl5pPr indent="-349250" lvl="4" marL="2286000">
+            <a:lvl5pPr marL="2286000" lvl="4" indent="-349250">
               <a:lnSpc>
                 <a:spcPct val="115000"/>
               </a:lnSpc>
@@ -7741,7 +7955,7 @@
                 <a:sym typeface="Roboto"/>
               </a:defRPr>
             </a:lvl5pPr>
-            <a:lvl6pPr indent="-349250" lvl="5" marL="2743200">
+            <a:lvl6pPr marL="2743200" lvl="5" indent="-349250">
               <a:lnSpc>
                 <a:spcPct val="115000"/>
               </a:lnSpc>
@@ -7767,7 +7981,7 @@
                 <a:sym typeface="Roboto"/>
               </a:defRPr>
             </a:lvl6pPr>
-            <a:lvl7pPr indent="-349250" lvl="6" marL="3200400">
+            <a:lvl7pPr marL="3200400" lvl="6" indent="-349250">
               <a:lnSpc>
                 <a:spcPct val="115000"/>
               </a:lnSpc>
@@ -7793,7 +8007,7 @@
                 <a:sym typeface="Roboto"/>
               </a:defRPr>
             </a:lvl7pPr>
-            <a:lvl8pPr indent="-349250" lvl="7" marL="3657600">
+            <a:lvl8pPr marL="3657600" lvl="7" indent="-349250">
               <a:lnSpc>
                 <a:spcPct val="115000"/>
               </a:lnSpc>
@@ -7819,7 +8033,7 @@
                 <a:sym typeface="Roboto"/>
               </a:defRPr>
             </a:lvl8pPr>
-            <a:lvl9pPr indent="-349250" lvl="8" marL="4114800">
+            <a:lvl9pPr marL="4114800" lvl="8" indent="-349250">
               <a:lnSpc>
                 <a:spcPct val="115000"/>
               </a:lnSpc>
@@ -7846,15 +8060,19 @@
               </a:defRPr>
             </a:lvl9pPr>
           </a:lstStyle>
-          <a:p/>
+          <a:p>
+            <a:endParaRPr/>
+          </a:p>
         </p:txBody>
       </p:sp>
       <p:sp>
         <p:nvSpPr>
           <p:cNvPr id="8" name="Google Shape;8;p1"/>
-          <p:cNvSpPr txBox="1"/>
+          <p:cNvSpPr txBox="1">
+            <a:spLocks noGrp="1"/>
+          </p:cNvSpPr>
           <p:nvPr>
-            <p:ph idx="12" type="sldNum"/>
+            <p:ph type="sldNum" idx="12"/>
           </p:nvPr>
         </p:nvSpPr>
         <p:spPr>
@@ -7871,7 +8089,7 @@
           </a:ln>
         </p:spPr>
         <p:txBody>
-          <a:bodyPr anchorCtr="0" anchor="ctr" bIns="121900" lIns="121900" spcFirstLastPara="1" rIns="121900" wrap="square" tIns="121900">
+          <a:bodyPr spcFirstLastPara="1" wrap="square" lIns="121900" tIns="121900" rIns="121900" bIns="121900" anchor="ctr" anchorCtr="0">
             <a:noAutofit/>
           </a:bodyPr>
           <a:lstStyle>
@@ -7985,7 +8203,7 @@
             </a:lvl9pPr>
           </a:lstStyle>
           <a:p>
-            <a:pPr indent="0" lvl="0" marL="0" rtl="0" algn="r">
+            <a:pPr marL="0" lvl="0" indent="0" algn="r" rtl="0">
               <a:spcBef>
                 <a:spcPts val="0"/>
               </a:spcBef>
@@ -8004,7 +8222,7 @@
       </p:sp>
     </p:spTree>
   </p:cSld>
-  <p:clrMap accent1="accent1" accent2="accent2" accent3="accent3" accent4="accent4" accent5="accent5" accent6="accent6" bg1="lt1" bg2="dk2" tx1="dk1" tx2="lt2" folHlink="folHlink" hlink="hlink"/>
+  <p:clrMap bg1="lt1" tx1="dk1" bg2="dk2" tx2="lt2" accent1="accent1" accent2="accent2" accent3="accent3" accent4="accent4" accent5="accent5" accent6="accent6" hlink="hlink" folHlink="folHlink"/>
   <p:sldLayoutIdLst>
     <p:sldLayoutId id="2147483648" r:id="rId1"/>
     <p:sldLayoutId id="2147483649" r:id="rId2"/>
@@ -8019,10 +8237,10 @@
     <p:sldLayoutId id="2147483658" r:id="rId11"/>
     <p:sldLayoutId id="2147483659" r:id="rId12"/>
   </p:sldLayoutIdLst>
-  <p:hf dt="0" ftr="0" hdr="0" sldNum="0"/>
+  <p:hf sldNum="0" hdr="0" ftr="0" dt="0"/>
   <p:txStyles>
     <p:titleStyle>
-      <a:defPPr lvl="0" marR="0" rtl="0" algn="l">
+      <a:defPPr marR="0" lvl="0" algn="l" rtl="0">
         <a:lnSpc>
           <a:spcPct val="100000"/>
         </a:lnSpc>
@@ -8033,7 +8251,7 @@
           <a:spcPts val="0"/>
         </a:spcAft>
       </a:defPPr>
-      <a:lvl1pPr lvl="0" marR="0" rtl="0" algn="l">
+      <a:lvl1pPr marR="0" lvl="0" algn="l" rtl="0">
         <a:lnSpc>
           <a:spcPct val="100000"/>
         </a:lnSpc>
@@ -8047,7 +8265,7 @@
           <a:srgbClr val="000000"/>
         </a:buClr>
         <a:buFont typeface="Arial"/>
-        <a:defRPr b="0" i="0" sz="1400" u="none" cap="none" strike="noStrike">
+        <a:defRPr sz="1400" b="0" i="0" u="none" strike="noStrike" cap="none">
           <a:solidFill>
             <a:srgbClr val="000000"/>
           </a:solidFill>
@@ -8057,7 +8275,7 @@
           <a:sym typeface="Arial"/>
         </a:defRPr>
       </a:lvl1pPr>
-      <a:lvl2pPr lvl="1" marR="0" rtl="0" algn="l">
+      <a:lvl2pPr marR="0" lvl="1" algn="l" rtl="0">
         <a:lnSpc>
           <a:spcPct val="100000"/>
         </a:lnSpc>
@@ -8071,7 +8289,7 @@
           <a:srgbClr val="000000"/>
         </a:buClr>
         <a:buFont typeface="Arial"/>
-        <a:defRPr b="0" i="0" sz="1400" u="none" cap="none" strike="noStrike">
+        <a:defRPr sz="1400" b="0" i="0" u="none" strike="noStrike" cap="none">
           <a:solidFill>
             <a:srgbClr val="000000"/>
           </a:solidFill>
@@ -8081,7 +8299,7 @@
           <a:sym typeface="Arial"/>
         </a:defRPr>
       </a:lvl2pPr>
-      <a:lvl3pPr lvl="2" marR="0" rtl="0" algn="l">
+      <a:lvl3pPr marR="0" lvl="2" algn="l" rtl="0">
         <a:lnSpc>
           <a:spcPct val="100000"/>
         </a:lnSpc>
@@ -8095,7 +8313,7 @@
           <a:srgbClr val="000000"/>
         </a:buClr>
         <a:buFont typeface="Arial"/>
-        <a:defRPr b="0" i="0" sz="1400" u="none" cap="none" strike="noStrike">
+        <a:defRPr sz="1400" b="0" i="0" u="none" strike="noStrike" cap="none">
           <a:solidFill>
             <a:srgbClr val="000000"/>
           </a:solidFill>
@@ -8105,7 +8323,7 @@
           <a:sym typeface="Arial"/>
         </a:defRPr>
       </a:lvl3pPr>
-      <a:lvl4pPr lvl="3" marR="0" rtl="0" algn="l">
+      <a:lvl4pPr marR="0" lvl="3" algn="l" rtl="0">
         <a:lnSpc>
           <a:spcPct val="100000"/>
         </a:lnSpc>
@@ -8119,7 +8337,7 @@
           <a:srgbClr val="000000"/>
         </a:buClr>
         <a:buFont typeface="Arial"/>
-        <a:defRPr b="0" i="0" sz="1400" u="none" cap="none" strike="noStrike">
+        <a:defRPr sz="1400" b="0" i="0" u="none" strike="noStrike" cap="none">
           <a:solidFill>
             <a:srgbClr val="000000"/>
           </a:solidFill>
@@ -8129,7 +8347,7 @@
           <a:sym typeface="Arial"/>
         </a:defRPr>
       </a:lvl4pPr>
-      <a:lvl5pPr lvl="4" marR="0" rtl="0" algn="l">
+      <a:lvl5pPr marR="0" lvl="4" algn="l" rtl="0">
         <a:lnSpc>
           <a:spcPct val="100000"/>
         </a:lnSpc>
@@ -8143,7 +8361,7 @@
           <a:srgbClr val="000000"/>
         </a:buClr>
         <a:buFont typeface="Arial"/>
-        <a:defRPr b="0" i="0" sz="1400" u="none" cap="none" strike="noStrike">
+        <a:defRPr sz="1400" b="0" i="0" u="none" strike="noStrike" cap="none">
           <a:solidFill>
             <a:srgbClr val="000000"/>
           </a:solidFill>
@@ -8153,7 +8371,7 @@
           <a:sym typeface="Arial"/>
         </a:defRPr>
       </a:lvl5pPr>
-      <a:lvl6pPr lvl="5" marR="0" rtl="0" algn="l">
+      <a:lvl6pPr marR="0" lvl="5" algn="l" rtl="0">
         <a:lnSpc>
           <a:spcPct val="100000"/>
         </a:lnSpc>
@@ -8167,7 +8385,7 @@
           <a:srgbClr val="000000"/>
         </a:buClr>
         <a:buFont typeface="Arial"/>
-        <a:defRPr b="0" i="0" sz="1400" u="none" cap="none" strike="noStrike">
+        <a:defRPr sz="1400" b="0" i="0" u="none" strike="noStrike" cap="none">
           <a:solidFill>
             <a:srgbClr val="000000"/>
           </a:solidFill>
@@ -8177,7 +8395,7 @@
           <a:sym typeface="Arial"/>
         </a:defRPr>
       </a:lvl6pPr>
-      <a:lvl7pPr lvl="6" marR="0" rtl="0" algn="l">
+      <a:lvl7pPr marR="0" lvl="6" algn="l" rtl="0">
         <a:lnSpc>
           <a:spcPct val="100000"/>
         </a:lnSpc>
@@ -8191,7 +8409,7 @@
           <a:srgbClr val="000000"/>
         </a:buClr>
         <a:buFont typeface="Arial"/>
-        <a:defRPr b="0" i="0" sz="1400" u="none" cap="none" strike="noStrike">
+        <a:defRPr sz="1400" b="0" i="0" u="none" strike="noStrike" cap="none">
           <a:solidFill>
             <a:srgbClr val="000000"/>
           </a:solidFill>
@@ -8201,7 +8419,7 @@
           <a:sym typeface="Arial"/>
         </a:defRPr>
       </a:lvl7pPr>
-      <a:lvl8pPr lvl="7" marR="0" rtl="0" algn="l">
+      <a:lvl8pPr marR="0" lvl="7" algn="l" rtl="0">
         <a:lnSpc>
           <a:spcPct val="100000"/>
         </a:lnSpc>
@@ -8215,7 +8433,7 @@
           <a:srgbClr val="000000"/>
         </a:buClr>
         <a:buFont typeface="Arial"/>
-        <a:defRPr b="0" i="0" sz="1400" u="none" cap="none" strike="noStrike">
+        <a:defRPr sz="1400" b="0" i="0" u="none" strike="noStrike" cap="none">
           <a:solidFill>
             <a:srgbClr val="000000"/>
           </a:solidFill>
@@ -8225,7 +8443,7 @@
           <a:sym typeface="Arial"/>
         </a:defRPr>
       </a:lvl8pPr>
-      <a:lvl9pPr lvl="8" marR="0" rtl="0" algn="l">
+      <a:lvl9pPr marR="0" lvl="8" algn="l" rtl="0">
         <a:lnSpc>
           <a:spcPct val="100000"/>
         </a:lnSpc>
@@ -8239,7 +8457,7 @@
           <a:srgbClr val="000000"/>
         </a:buClr>
         <a:buFont typeface="Arial"/>
-        <a:defRPr b="0" i="0" sz="1400" u="none" cap="none" strike="noStrike">
+        <a:defRPr sz="1400" b="0" i="0" u="none" strike="noStrike" cap="none">
           <a:solidFill>
             <a:srgbClr val="000000"/>
           </a:solidFill>
@@ -8251,7 +8469,7 @@
       </a:lvl9pPr>
     </p:titleStyle>
     <p:bodyStyle>
-      <a:defPPr lvl="0" marR="0" rtl="0" algn="l">
+      <a:defPPr marR="0" lvl="0" algn="l" rtl="0">
         <a:lnSpc>
           <a:spcPct val="100000"/>
         </a:lnSpc>
@@ -8262,7 +8480,7 @@
           <a:spcPts val="0"/>
         </a:spcAft>
       </a:defPPr>
-      <a:lvl1pPr lvl="0" marR="0" rtl="0" algn="l">
+      <a:lvl1pPr marR="0" lvl="0" algn="l" rtl="0">
         <a:lnSpc>
           <a:spcPct val="100000"/>
         </a:lnSpc>
@@ -8276,7 +8494,7 @@
           <a:srgbClr val="000000"/>
         </a:buClr>
         <a:buFont typeface="Arial"/>
-        <a:defRPr b="0" i="0" sz="1400" u="none" cap="none" strike="noStrike">
+        <a:defRPr sz="1400" b="0" i="0" u="none" strike="noStrike" cap="none">
           <a:solidFill>
             <a:srgbClr val="000000"/>
           </a:solidFill>
@@ -8286,7 +8504,7 @@
           <a:sym typeface="Arial"/>
         </a:defRPr>
       </a:lvl1pPr>
-      <a:lvl2pPr lvl="1" marR="0" rtl="0" algn="l">
+      <a:lvl2pPr marR="0" lvl="1" algn="l" rtl="0">
         <a:lnSpc>
           <a:spcPct val="100000"/>
         </a:lnSpc>
@@ -8300,7 +8518,7 @@
           <a:srgbClr val="000000"/>
         </a:buClr>
         <a:buFont typeface="Arial"/>
-        <a:defRPr b="0" i="0" sz="1400" u="none" cap="none" strike="noStrike">
+        <a:defRPr sz="1400" b="0" i="0" u="none" strike="noStrike" cap="none">
           <a:solidFill>
             <a:srgbClr val="000000"/>
           </a:solidFill>
@@ -8310,7 +8528,7 @@
           <a:sym typeface="Arial"/>
         </a:defRPr>
       </a:lvl2pPr>
-      <a:lvl3pPr lvl="2" marR="0" rtl="0" algn="l">
+      <a:lvl3pPr marR="0" lvl="2" algn="l" rtl="0">
         <a:lnSpc>
           <a:spcPct val="100000"/>
         </a:lnSpc>
@@ -8324,7 +8542,7 @@
           <a:srgbClr val="000000"/>
         </a:buClr>
         <a:buFont typeface="Arial"/>
-        <a:defRPr b="0" i="0" sz="1400" u="none" cap="none" strike="noStrike">
+        <a:defRPr sz="1400" b="0" i="0" u="none" strike="noStrike" cap="none">
           <a:solidFill>
             <a:srgbClr val="000000"/>
           </a:solidFill>
@@ -8334,7 +8552,7 @@
           <a:sym typeface="Arial"/>
         </a:defRPr>
       </a:lvl3pPr>
-      <a:lvl4pPr lvl="3" marR="0" rtl="0" algn="l">
+      <a:lvl4pPr marR="0" lvl="3" algn="l" rtl="0">
         <a:lnSpc>
           <a:spcPct val="100000"/>
         </a:lnSpc>
@@ -8348,7 +8566,7 @@
           <a:srgbClr val="000000"/>
         </a:buClr>
         <a:buFont typeface="Arial"/>
-        <a:defRPr b="0" i="0" sz="1400" u="none" cap="none" strike="noStrike">
+        <a:defRPr sz="1400" b="0" i="0" u="none" strike="noStrike" cap="none">
           <a:solidFill>
             <a:srgbClr val="000000"/>
           </a:solidFill>
@@ -8358,7 +8576,7 @@
           <a:sym typeface="Arial"/>
         </a:defRPr>
       </a:lvl4pPr>
-      <a:lvl5pPr lvl="4" marR="0" rtl="0" algn="l">
+      <a:lvl5pPr marR="0" lvl="4" algn="l" rtl="0">
         <a:lnSpc>
           <a:spcPct val="100000"/>
         </a:lnSpc>
@@ -8372,7 +8590,7 @@
           <a:srgbClr val="000000"/>
         </a:buClr>
         <a:buFont typeface="Arial"/>
-        <a:defRPr b="0" i="0" sz="1400" u="none" cap="none" strike="noStrike">
+        <a:defRPr sz="1400" b="0" i="0" u="none" strike="noStrike" cap="none">
           <a:solidFill>
             <a:srgbClr val="000000"/>
           </a:solidFill>
@@ -8382,7 +8600,7 @@
           <a:sym typeface="Arial"/>
         </a:defRPr>
       </a:lvl5pPr>
-      <a:lvl6pPr lvl="5" marR="0" rtl="0" algn="l">
+      <a:lvl6pPr marR="0" lvl="5" algn="l" rtl="0">
         <a:lnSpc>
           <a:spcPct val="100000"/>
         </a:lnSpc>
@@ -8396,7 +8614,7 @@
           <a:srgbClr val="000000"/>
         </a:buClr>
         <a:buFont typeface="Arial"/>
-        <a:defRPr b="0" i="0" sz="1400" u="none" cap="none" strike="noStrike">
+        <a:defRPr sz="1400" b="0" i="0" u="none" strike="noStrike" cap="none">
           <a:solidFill>
             <a:srgbClr val="000000"/>
           </a:solidFill>
@@ -8406,7 +8624,7 @@
           <a:sym typeface="Arial"/>
         </a:defRPr>
       </a:lvl6pPr>
-      <a:lvl7pPr lvl="6" marR="0" rtl="0" algn="l">
+      <a:lvl7pPr marR="0" lvl="6" algn="l" rtl="0">
         <a:lnSpc>
           <a:spcPct val="100000"/>
         </a:lnSpc>
@@ -8420,7 +8638,7 @@
           <a:srgbClr val="000000"/>
         </a:buClr>
         <a:buFont typeface="Arial"/>
-        <a:defRPr b="0" i="0" sz="1400" u="none" cap="none" strike="noStrike">
+        <a:defRPr sz="1400" b="0" i="0" u="none" strike="noStrike" cap="none">
           <a:solidFill>
             <a:srgbClr val="000000"/>
           </a:solidFill>
@@ -8430,7 +8648,7 @@
           <a:sym typeface="Arial"/>
         </a:defRPr>
       </a:lvl7pPr>
-      <a:lvl8pPr lvl="7" marR="0" rtl="0" algn="l">
+      <a:lvl8pPr marR="0" lvl="7" algn="l" rtl="0">
         <a:lnSpc>
           <a:spcPct val="100000"/>
         </a:lnSpc>
@@ -8444,7 +8662,7 @@
           <a:srgbClr val="000000"/>
         </a:buClr>
         <a:buFont typeface="Arial"/>
-        <a:defRPr b="0" i="0" sz="1400" u="none" cap="none" strike="noStrike">
+        <a:defRPr sz="1400" b="0" i="0" u="none" strike="noStrike" cap="none">
           <a:solidFill>
             <a:srgbClr val="000000"/>
           </a:solidFill>
@@ -8454,7 +8672,7 @@
           <a:sym typeface="Arial"/>
         </a:defRPr>
       </a:lvl8pPr>
-      <a:lvl9pPr lvl="8" marR="0" rtl="0" algn="l">
+      <a:lvl9pPr marR="0" lvl="8" algn="l" rtl="0">
         <a:lnSpc>
           <a:spcPct val="100000"/>
         </a:lnSpc>
@@ -8468,7 +8686,7 @@
           <a:srgbClr val="000000"/>
         </a:buClr>
         <a:buFont typeface="Arial"/>
-        <a:defRPr b="0" i="0" sz="1400" u="none" cap="none" strike="noStrike">
+        <a:defRPr sz="1400" b="0" i="0" u="none" strike="noStrike" cap="none">
           <a:solidFill>
             <a:srgbClr val="000000"/>
           </a:solidFill>
@@ -8480,7 +8698,7 @@
       </a:lvl9pPr>
     </p:bodyStyle>
     <p:otherStyle>
-      <a:defPPr lvl="0" marR="0" rtl="0" algn="l">
+      <a:defPPr marR="0" lvl="0" algn="l" rtl="0">
         <a:lnSpc>
           <a:spcPct val="100000"/>
         </a:lnSpc>
@@ -8491,7 +8709,7 @@
           <a:spcPts val="0"/>
         </a:spcAft>
       </a:defPPr>
-      <a:lvl1pPr lvl="0" marR="0" rtl="0" algn="l">
+      <a:lvl1pPr marR="0" lvl="0" algn="l" rtl="0">
         <a:lnSpc>
           <a:spcPct val="100000"/>
         </a:lnSpc>
@@ -8505,7 +8723,7 @@
           <a:srgbClr val="000000"/>
         </a:buClr>
         <a:buFont typeface="Arial"/>
-        <a:defRPr b="0" i="0" sz="1400" u="none" cap="none" strike="noStrike">
+        <a:defRPr sz="1400" b="0" i="0" u="none" strike="noStrike" cap="none">
           <a:solidFill>
             <a:srgbClr val="000000"/>
           </a:solidFill>
@@ -8515,7 +8733,7 @@
           <a:sym typeface="Arial"/>
         </a:defRPr>
       </a:lvl1pPr>
-      <a:lvl2pPr lvl="1" marR="0" rtl="0" algn="l">
+      <a:lvl2pPr marR="0" lvl="1" algn="l" rtl="0">
         <a:lnSpc>
           <a:spcPct val="100000"/>
         </a:lnSpc>
@@ -8529,7 +8747,7 @@
           <a:srgbClr val="000000"/>
         </a:buClr>
         <a:buFont typeface="Arial"/>
-        <a:defRPr b="0" i="0" sz="1400" u="none" cap="none" strike="noStrike">
+        <a:defRPr sz="1400" b="0" i="0" u="none" strike="noStrike" cap="none">
           <a:solidFill>
             <a:srgbClr val="000000"/>
           </a:solidFill>
@@ -8539,7 +8757,7 @@
           <a:sym typeface="Arial"/>
         </a:defRPr>
       </a:lvl2pPr>
-      <a:lvl3pPr lvl="2" marR="0" rtl="0" algn="l">
+      <a:lvl3pPr marR="0" lvl="2" algn="l" rtl="0">
         <a:lnSpc>
           <a:spcPct val="100000"/>
         </a:lnSpc>
@@ -8553,7 +8771,7 @@
           <a:srgbClr val="000000"/>
         </a:buClr>
         <a:buFont typeface="Arial"/>
-        <a:defRPr b="0" i="0" sz="1400" u="none" cap="none" strike="noStrike">
+        <a:defRPr sz="1400" b="0" i="0" u="none" strike="noStrike" cap="none">
           <a:solidFill>
             <a:srgbClr val="000000"/>
           </a:solidFill>
@@ -8563,7 +8781,7 @@
           <a:sym typeface="Arial"/>
         </a:defRPr>
       </a:lvl3pPr>
-      <a:lvl4pPr lvl="3" marR="0" rtl="0" algn="l">
+      <a:lvl4pPr marR="0" lvl="3" algn="l" rtl="0">
         <a:lnSpc>
           <a:spcPct val="100000"/>
         </a:lnSpc>
@@ -8577,7 +8795,7 @@
           <a:srgbClr val="000000"/>
         </a:buClr>
         <a:buFont typeface="Arial"/>
-        <a:defRPr b="0" i="0" sz="1400" u="none" cap="none" strike="noStrike">
+        <a:defRPr sz="1400" b="0" i="0" u="none" strike="noStrike" cap="none">
           <a:solidFill>
             <a:srgbClr val="000000"/>
           </a:solidFill>
@@ -8587,7 +8805,7 @@
           <a:sym typeface="Arial"/>
         </a:defRPr>
       </a:lvl4pPr>
-      <a:lvl5pPr lvl="4" marR="0" rtl="0" algn="l">
+      <a:lvl5pPr marR="0" lvl="4" algn="l" rtl="0">
         <a:lnSpc>
           <a:spcPct val="100000"/>
         </a:lnSpc>
@@ -8601,7 +8819,7 @@
           <a:srgbClr val="000000"/>
         </a:buClr>
         <a:buFont typeface="Arial"/>
-        <a:defRPr b="0" i="0" sz="1400" u="none" cap="none" strike="noStrike">
+        <a:defRPr sz="1400" b="0" i="0" u="none" strike="noStrike" cap="none">
           <a:solidFill>
             <a:srgbClr val="000000"/>
           </a:solidFill>
@@ -8611,7 +8829,7 @@
           <a:sym typeface="Arial"/>
         </a:defRPr>
       </a:lvl5pPr>
-      <a:lvl6pPr lvl="5" marR="0" rtl="0" algn="l">
+      <a:lvl6pPr marR="0" lvl="5" algn="l" rtl="0">
         <a:lnSpc>
           <a:spcPct val="100000"/>
         </a:lnSpc>
@@ -8625,7 +8843,7 @@
           <a:srgbClr val="000000"/>
         </a:buClr>
         <a:buFont typeface="Arial"/>
-        <a:defRPr b="0" i="0" sz="1400" u="none" cap="none" strike="noStrike">
+        <a:defRPr sz="1400" b="0" i="0" u="none" strike="noStrike" cap="none">
           <a:solidFill>
             <a:srgbClr val="000000"/>
           </a:solidFill>
@@ -8635,7 +8853,7 @@
           <a:sym typeface="Arial"/>
         </a:defRPr>
       </a:lvl6pPr>
-      <a:lvl7pPr lvl="6" marR="0" rtl="0" algn="l">
+      <a:lvl7pPr marR="0" lvl="6" algn="l" rtl="0">
         <a:lnSpc>
           <a:spcPct val="100000"/>
         </a:lnSpc>
@@ -8649,7 +8867,7 @@
           <a:srgbClr val="000000"/>
         </a:buClr>
         <a:buFont typeface="Arial"/>
-        <a:defRPr b="0" i="0" sz="1400" u="none" cap="none" strike="noStrike">
+        <a:defRPr sz="1400" b="0" i="0" u="none" strike="noStrike" cap="none">
           <a:solidFill>
             <a:srgbClr val="000000"/>
           </a:solidFill>
@@ -8659,7 +8877,7 @@
           <a:sym typeface="Arial"/>
         </a:defRPr>
       </a:lvl7pPr>
-      <a:lvl8pPr lvl="7" marR="0" rtl="0" algn="l">
+      <a:lvl8pPr marR="0" lvl="7" algn="l" rtl="0">
         <a:lnSpc>
           <a:spcPct val="100000"/>
         </a:lnSpc>
@@ -8673,7 +8891,7 @@
           <a:srgbClr val="000000"/>
         </a:buClr>
         <a:buFont typeface="Arial"/>
-        <a:defRPr b="0" i="0" sz="1400" u="none" cap="none" strike="noStrike">
+        <a:defRPr sz="1400" b="0" i="0" u="none" strike="noStrike" cap="none">
           <a:solidFill>
             <a:srgbClr val="000000"/>
           </a:solidFill>
@@ -8683,7 +8901,7 @@
           <a:sym typeface="Arial"/>
         </a:defRPr>
       </a:lvl8pPr>
-      <a:lvl9pPr lvl="8" marR="0" rtl="0" algn="l">
+      <a:lvl9pPr marR="0" lvl="8" algn="l" rtl="0">
         <a:lnSpc>
           <a:spcPct val="100000"/>
         </a:lnSpc>
@@ -8697,7 +8915,7 @@
           <a:srgbClr val="000000"/>
         </a:buClr>
         <a:buFont typeface="Arial"/>
-        <a:defRPr b="0" i="0" sz="1400" u="none" cap="none" strike="noStrike">
+        <a:defRPr sz="1400" b="0" i="0" u="none" strike="noStrike" cap="none">
           <a:solidFill>
             <a:srgbClr val="000000"/>
           </a:solidFill>
@@ -8713,11 +8931,11 @@
 </file>
 
 <file path=ppt/slides/slide1.xml><?xml version="1.0" encoding="utf-8"?>
-<p:sld xmlns:a="http://schemas.openxmlformats.org/drawingml/2006/main" xmlns:r="http://schemas.openxmlformats.org/officeDocument/2006/relationships" xmlns:mc="http://schemas.openxmlformats.org/markup-compatibility/2006" xmlns:mv="urn:schemas-microsoft-com:mac:vml" xmlns:p="http://schemas.openxmlformats.org/presentationml/2006/main" xmlns:c="http://schemas.openxmlformats.org/drawingml/2006/chart" xmlns:dgm="http://schemas.openxmlformats.org/drawingml/2006/diagram" xmlns:o="urn:schemas-microsoft-com:office:office" xmlns:v="urn:schemas-microsoft-com:vml" xmlns:pvml="urn:schemas-microsoft-com:office:powerpoint" xmlns:com="http://schemas.openxmlformats.org/drawingml/2006/compatibility" xmlns:p14="http://schemas.microsoft.com/office/powerpoint/2010/main" xmlns:p15="http://schemas.microsoft.com/office/powerpoint/2012/main">
+<p:sld xmlns:a="http://schemas.openxmlformats.org/drawingml/2006/main" xmlns:r="http://schemas.openxmlformats.org/officeDocument/2006/relationships" xmlns:p="http://schemas.openxmlformats.org/presentationml/2006/main">
   <p:cSld>
     <p:spTree>
       <p:nvGrpSpPr>
-        <p:cNvPr id="68" name="Shape 68"/>
+        <p:cNvPr id="1" name="Shape 68"/>
         <p:cNvGrpSpPr/>
         <p:nvPr/>
       </p:nvGrpSpPr>
@@ -8732,7 +8950,9 @@
       <p:sp>
         <p:nvSpPr>
           <p:cNvPr id="69" name="Google Shape;69;p14"/>
-          <p:cNvSpPr txBox="1"/>
+          <p:cNvSpPr txBox="1">
+            <a:spLocks noGrp="1"/>
+          </p:cNvSpPr>
           <p:nvPr>
             <p:ph type="ctrTitle"/>
           </p:nvPr>
@@ -8751,12 +8971,12 @@
           </a:ln>
         </p:spPr>
         <p:txBody>
-          <a:bodyPr anchorCtr="0" anchor="b" bIns="45700" lIns="91425" spcFirstLastPara="1" rIns="91425" wrap="square" tIns="45700">
+          <a:bodyPr spcFirstLastPara="1" wrap="square" lIns="91425" tIns="45700" rIns="91425" bIns="45700" anchor="b" anchorCtr="0">
             <a:noAutofit/>
           </a:bodyPr>
           <a:lstStyle/>
           <a:p>
-            <a:pPr indent="0" lvl="0" marL="0" marR="0" rtl="0" algn="ctr">
+            <a:pPr marL="0" marR="0" lvl="0" indent="0" algn="ctr" rtl="0">
               <a:lnSpc>
                 <a:spcPct val="90000"/>
               </a:lnSpc>
@@ -8774,7 +8994,7 @@
               <a:buNone/>
             </a:pPr>
             <a:r>
-              <a:rPr b="0" i="0" lang="en-US" sz="3600" u="none" cap="none" strike="noStrike">
+              <a:rPr lang="en-US" sz="3600" b="0" i="0" u="none" strike="noStrike" cap="none">
                 <a:solidFill>
                   <a:schemeClr val="dk1"/>
                 </a:solidFill>
@@ -8792,9 +9012,11 @@
       <p:sp>
         <p:nvSpPr>
           <p:cNvPr id="70" name="Google Shape;70;p14"/>
-          <p:cNvSpPr txBox="1"/>
+          <p:cNvSpPr txBox="1">
+            <a:spLocks noGrp="1"/>
+          </p:cNvSpPr>
           <p:nvPr>
-            <p:ph idx="1" type="subTitle"/>
+            <p:ph type="subTitle" idx="1"/>
           </p:nvPr>
         </p:nvSpPr>
         <p:spPr>
@@ -8811,12 +9033,12 @@
           </a:ln>
         </p:spPr>
         <p:txBody>
-          <a:bodyPr anchorCtr="0" anchor="t" bIns="45700" lIns="91425" spcFirstLastPara="1" rIns="91425" wrap="square" tIns="45700">
+          <a:bodyPr spcFirstLastPara="1" wrap="square" lIns="91425" tIns="45700" rIns="91425" bIns="45700" anchor="t" anchorCtr="0">
             <a:noAutofit/>
           </a:bodyPr>
           <a:lstStyle/>
           <a:p>
-            <a:pPr indent="0" lvl="0" marL="0" marR="0" rtl="0" algn="ctr">
+            <a:pPr marL="0" marR="0" lvl="0" indent="0" algn="ctr" rtl="0">
               <a:lnSpc>
                 <a:spcPct val="90000"/>
               </a:lnSpc>
@@ -8834,7 +9056,7 @@
               <a:buNone/>
             </a:pPr>
             <a:r>
-              <a:rPr lang="en-US" sz="7200">
+              <a:rPr lang="en-US" sz="7200" dirty="0">
                 <a:solidFill>
                   <a:srgbClr val="990000"/>
                 </a:solidFill>
@@ -8846,7 +9068,7 @@
               <a:t>!</a:t>
             </a:r>
             <a:r>
-              <a:rPr b="1" lang="en-US" sz="7200">
+              <a:rPr lang="en-US" sz="7200" b="1" dirty="0">
                 <a:solidFill>
                   <a:srgbClr val="E6B8AF"/>
                 </a:solidFill>
@@ -8857,7 +9079,7 @@
               </a:rPr>
               <a:t>Cool</a:t>
             </a:r>
-            <a:endParaRPr b="1" sz="7200">
+            <a:endParaRPr sz="7200" b="1" dirty="0">
               <a:solidFill>
                 <a:srgbClr val="E6B8AF"/>
               </a:solidFill>
@@ -8868,7 +9090,7 @@
             </a:endParaRPr>
           </a:p>
           <a:p>
-            <a:pPr indent="0" lvl="0" marL="0" rtl="0" algn="l">
+            <a:pPr marL="0" lvl="0" indent="0" algn="l" rtl="0">
               <a:lnSpc>
                 <a:spcPct val="100000"/>
               </a:lnSpc>
@@ -8881,7 +9103,7 @@
               <a:buNone/>
             </a:pPr>
             <a:r>
-              <a:rPr lang="en-US" sz="1800">
+              <a:rPr lang="en-US" sz="1800" dirty="0">
                 <a:solidFill>
                   <a:srgbClr val="FFFFFF"/>
                 </a:solidFill>
@@ -8892,7 +9114,7 @@
               </a:rPr>
               <a:t>Team Members: </a:t>
             </a:r>
-            <a:endParaRPr sz="1800">
+            <a:endParaRPr sz="1800" dirty="0">
               <a:solidFill>
                 <a:srgbClr val="FFFFFF"/>
               </a:solidFill>
@@ -8903,7 +9125,7 @@
             </a:endParaRPr>
           </a:p>
           <a:p>
-            <a:pPr indent="-342900" lvl="0" marL="457200" rtl="0" algn="l">
+            <a:pPr marL="457200" lvl="0" indent="-342900" algn="l" rtl="0">
               <a:lnSpc>
                 <a:spcPct val="100000"/>
               </a:lnSpc>
@@ -8921,7 +9143,7 @@
               <a:buChar char="●"/>
             </a:pPr>
             <a:r>
-              <a:rPr lang="en-US" sz="1800">
+              <a:rPr lang="en-US" sz="1800" dirty="0">
                 <a:solidFill>
                   <a:srgbClr val="FFFFFF"/>
                 </a:solidFill>
@@ -8932,7 +9154,7 @@
               </a:rPr>
               <a:t>Christian John</a:t>
             </a:r>
-            <a:endParaRPr sz="1800">
+            <a:endParaRPr sz="1800" dirty="0">
               <a:solidFill>
                 <a:srgbClr val="FFFFFF"/>
               </a:solidFill>
@@ -8943,7 +9165,7 @@
             </a:endParaRPr>
           </a:p>
           <a:p>
-            <a:pPr indent="-342900" lvl="0" marL="457200" rtl="0" algn="l">
+            <a:pPr marL="457200" lvl="0" indent="-342900" algn="l" rtl="0">
               <a:lnSpc>
                 <a:spcPct val="100000"/>
               </a:lnSpc>
@@ -8961,7 +9183,7 @@
               <a:buChar char="●"/>
             </a:pPr>
             <a:r>
-              <a:rPr lang="en-US" sz="1800">
+              <a:rPr lang="en-US" sz="1800" dirty="0">
                 <a:solidFill>
                   <a:srgbClr val="FFFFFF"/>
                 </a:solidFill>
@@ -8970,9 +9192,21 @@
                 <a:cs typeface="Arial"/>
                 <a:sym typeface="Arial"/>
               </a:rPr>
-              <a:t>Ahmed Shamiss</a:t>
+              <a:t>Ahmed </a:t>
             </a:r>
-            <a:endParaRPr sz="1800">
+            <a:r>
+              <a:rPr lang="en-US" sz="1800" dirty="0" err="1">
+                <a:solidFill>
+                  <a:srgbClr val="FFFFFF"/>
+                </a:solidFill>
+                <a:latin typeface="Arial"/>
+                <a:ea typeface="Arial"/>
+                <a:cs typeface="Arial"/>
+                <a:sym typeface="Arial"/>
+              </a:rPr>
+              <a:t>Shamiss</a:t>
+            </a:r>
+            <a:endParaRPr sz="1800" dirty="0">
               <a:solidFill>
                 <a:srgbClr val="FFFFFF"/>
               </a:solidFill>
@@ -8983,7 +9217,7 @@
             </a:endParaRPr>
           </a:p>
           <a:p>
-            <a:pPr indent="-342900" lvl="0" marL="457200" rtl="0" algn="l">
+            <a:pPr marL="457200" lvl="0" indent="-342900" algn="l" rtl="0">
               <a:lnSpc>
                 <a:spcPct val="100000"/>
               </a:lnSpc>
@@ -9001,7 +9235,7 @@
               <a:buChar char="●"/>
             </a:pPr>
             <a:r>
-              <a:rPr lang="en-US" sz="1800">
+              <a:rPr lang="en-US" sz="1800" dirty="0">
                 <a:solidFill>
                   <a:srgbClr val="FFFFFF"/>
                 </a:solidFill>
@@ -9012,7 +9246,7 @@
               </a:rPr>
               <a:t>Jeremy Cross</a:t>
             </a:r>
-            <a:endParaRPr sz="1800">
+            <a:endParaRPr sz="1800" dirty="0">
               <a:solidFill>
                 <a:srgbClr val="FFFFFF"/>
               </a:solidFill>
@@ -9023,7 +9257,7 @@
             </a:endParaRPr>
           </a:p>
           <a:p>
-            <a:pPr indent="-342900" lvl="0" marL="457200" rtl="0" algn="l">
+            <a:pPr marL="457200" lvl="0" indent="-342900" algn="l" rtl="0">
               <a:lnSpc>
                 <a:spcPct val="100000"/>
               </a:lnSpc>
@@ -9041,7 +9275,7 @@
               <a:buChar char="●"/>
             </a:pPr>
             <a:r>
-              <a:rPr lang="en-US" sz="1800">
+              <a:rPr lang="en-US" sz="1800" dirty="0">
                 <a:solidFill>
                   <a:srgbClr val="FFFFFF"/>
                 </a:solidFill>
@@ -9052,7 +9286,7 @@
               </a:rPr>
               <a:t>Evan Geissler</a:t>
             </a:r>
-            <a:endParaRPr sz="1800">
+            <a:endParaRPr sz="1800" dirty="0">
               <a:solidFill>
                 <a:srgbClr val="FFFFFF"/>
               </a:solidFill>
@@ -9063,7 +9297,7 @@
             </a:endParaRPr>
           </a:p>
           <a:p>
-            <a:pPr indent="-342900" lvl="0" marL="457200" rtl="0" algn="l">
+            <a:pPr marL="457200" lvl="0" indent="-342900" algn="l" rtl="0">
               <a:lnSpc>
                 <a:spcPct val="100000"/>
               </a:lnSpc>
@@ -9081,7 +9315,7 @@
               <a:buChar char="●"/>
             </a:pPr>
             <a:r>
-              <a:rPr lang="en-US" sz="1800">
+              <a:rPr lang="en-US" sz="1800" dirty="0" err="1">
                 <a:solidFill>
                   <a:srgbClr val="FFFFFF"/>
                 </a:solidFill>
@@ -9090,9 +9324,21 @@
                 <a:cs typeface="Arial"/>
                 <a:sym typeface="Arial"/>
               </a:rPr>
-              <a:t>Taylen Jones</a:t>
+              <a:t>Taylen</a:t>
             </a:r>
-            <a:endParaRPr sz="1800">
+            <a:r>
+              <a:rPr lang="en-US" sz="1800" dirty="0">
+                <a:solidFill>
+                  <a:srgbClr val="FFFFFF"/>
+                </a:solidFill>
+                <a:latin typeface="Arial"/>
+                <a:ea typeface="Arial"/>
+                <a:cs typeface="Arial"/>
+                <a:sym typeface="Arial"/>
+              </a:rPr>
+              <a:t> Jones</a:t>
+            </a:r>
+            <a:endParaRPr sz="1800" dirty="0">
               <a:solidFill>
                 <a:srgbClr val="FFFFFF"/>
               </a:solidFill>
@@ -9103,7 +9349,7 @@
             </a:endParaRPr>
           </a:p>
           <a:p>
-            <a:pPr indent="-342900" lvl="0" marL="457200" rtl="0" algn="l">
+            <a:pPr marL="457200" lvl="0" indent="-342900" algn="l" rtl="0">
               <a:lnSpc>
                 <a:spcPct val="100000"/>
               </a:lnSpc>
@@ -9121,7 +9367,7 @@
               <a:buChar char="●"/>
             </a:pPr>
             <a:r>
-              <a:rPr lang="en-US" sz="1800">
+              <a:rPr lang="en-US" sz="1800" dirty="0">
                 <a:solidFill>
                   <a:srgbClr val="FFFFFF"/>
                 </a:solidFill>
@@ -9132,7 +9378,7 @@
               </a:rPr>
               <a:t>Dakota Fisher</a:t>
             </a:r>
-            <a:endParaRPr sz="2400">
+            <a:endParaRPr sz="2400" dirty="0">
               <a:solidFill>
                 <a:schemeClr val="dk1"/>
               </a:solidFill>
@@ -9143,7 +9389,7 @@
             </a:endParaRPr>
           </a:p>
           <a:p>
-            <a:pPr indent="0" lvl="0" marL="0" marR="0" rtl="0" algn="ctr">
+            <a:pPr marL="0" marR="0" lvl="0" indent="0" algn="ctr" rtl="0">
               <a:lnSpc>
                 <a:spcPct val="90000"/>
               </a:lnSpc>
@@ -9161,7 +9407,7 @@
               <a:buNone/>
             </a:pPr>
             <a:r>
-              <a:rPr lang="en-US" sz="2400">
+              <a:rPr lang="en-US" sz="2400" dirty="0">
                 <a:solidFill>
                   <a:schemeClr val="dk1"/>
                 </a:solidFill>
@@ -9170,33 +9416,9 @@
                 <a:cs typeface="Calibri"/>
                 <a:sym typeface="Calibri"/>
               </a:rPr>
-              <a:t>27th </a:t>
+              <a:t>27th September, 2018</a:t>
             </a:r>
-            <a:r>
-              <a:rPr lang="en-US" sz="2400">
-                <a:solidFill>
-                  <a:schemeClr val="dk1"/>
-                </a:solidFill>
-                <a:latin typeface="Calibri"/>
-                <a:ea typeface="Calibri"/>
-                <a:cs typeface="Calibri"/>
-                <a:sym typeface="Calibri"/>
-              </a:rPr>
-              <a:t>September</a:t>
-            </a:r>
-            <a:r>
-              <a:rPr lang="en-US" sz="2400">
-                <a:solidFill>
-                  <a:schemeClr val="dk1"/>
-                </a:solidFill>
-                <a:latin typeface="Calibri"/>
-                <a:ea typeface="Calibri"/>
-                <a:cs typeface="Calibri"/>
-                <a:sym typeface="Calibri"/>
-              </a:rPr>
-              <a:t>, 2018</a:t>
-            </a:r>
-            <a:endParaRPr/>
+            <a:endParaRPr dirty="0"/>
           </a:p>
         </p:txBody>
       </p:sp>
@@ -9209,11 +9431,11 @@
 </file>
 
 <file path=ppt/slides/slide10.xml><?xml version="1.0" encoding="utf-8"?>
-<p:sld xmlns:a="http://schemas.openxmlformats.org/drawingml/2006/main" xmlns:r="http://schemas.openxmlformats.org/officeDocument/2006/relationships" xmlns:mc="http://schemas.openxmlformats.org/markup-compatibility/2006" xmlns:mv="urn:schemas-microsoft-com:mac:vml" xmlns:p="http://schemas.openxmlformats.org/presentationml/2006/main" xmlns:c="http://schemas.openxmlformats.org/drawingml/2006/chart" xmlns:dgm="http://schemas.openxmlformats.org/drawingml/2006/diagram" xmlns:o="urn:schemas-microsoft-com:office:office" xmlns:v="urn:schemas-microsoft-com:vml" xmlns:pvml="urn:schemas-microsoft-com:office:powerpoint" xmlns:com="http://schemas.openxmlformats.org/drawingml/2006/compatibility" xmlns:p14="http://schemas.microsoft.com/office/powerpoint/2010/main" xmlns:p15="http://schemas.microsoft.com/office/powerpoint/2012/main">
+<p:sld xmlns:a="http://schemas.openxmlformats.org/drawingml/2006/main" xmlns:r="http://schemas.openxmlformats.org/officeDocument/2006/relationships" xmlns:p="http://schemas.openxmlformats.org/presentationml/2006/main">
   <p:cSld>
     <p:spTree>
       <p:nvGrpSpPr>
-        <p:cNvPr id="122" name="Shape 122"/>
+        <p:cNvPr id="1" name="Shape 122"/>
         <p:cNvGrpSpPr/>
         <p:nvPr/>
       </p:nvGrpSpPr>
@@ -9228,7 +9450,9 @@
       <p:sp>
         <p:nvSpPr>
           <p:cNvPr id="123" name="Google Shape;123;p23"/>
-          <p:cNvSpPr txBox="1"/>
+          <p:cNvSpPr txBox="1">
+            <a:spLocks noGrp="1"/>
+          </p:cNvSpPr>
           <p:nvPr>
             <p:ph type="title"/>
           </p:nvPr>
@@ -9243,12 +9467,12 @@
           </a:prstGeom>
         </p:spPr>
         <p:txBody>
-          <a:bodyPr anchorCtr="0" anchor="ctr" bIns="45700" lIns="91425" spcFirstLastPara="1" rIns="91425" wrap="square" tIns="45700">
+          <a:bodyPr spcFirstLastPara="1" wrap="square" lIns="91425" tIns="45700" rIns="91425" bIns="45700" anchor="ctr" anchorCtr="0">
             <a:noAutofit/>
           </a:bodyPr>
           <a:lstStyle/>
           <a:p>
-            <a:pPr indent="0" lvl="0" marL="0" rtl="0" algn="l">
+            <a:pPr marL="0" lvl="0" indent="0" algn="l" rtl="0">
               <a:spcBef>
                 <a:spcPts val="0"/>
               </a:spcBef>
@@ -9302,11 +9526,11 @@
 </file>
 
 <file path=ppt/slides/slide11.xml><?xml version="1.0" encoding="utf-8"?>
-<p:sld xmlns:a="http://schemas.openxmlformats.org/drawingml/2006/main" xmlns:r="http://schemas.openxmlformats.org/officeDocument/2006/relationships" xmlns:mc="http://schemas.openxmlformats.org/markup-compatibility/2006" xmlns:mv="urn:schemas-microsoft-com:mac:vml" xmlns:p="http://schemas.openxmlformats.org/presentationml/2006/main" xmlns:c="http://schemas.openxmlformats.org/drawingml/2006/chart" xmlns:dgm="http://schemas.openxmlformats.org/drawingml/2006/diagram" xmlns:o="urn:schemas-microsoft-com:office:office" xmlns:v="urn:schemas-microsoft-com:vml" xmlns:pvml="urn:schemas-microsoft-com:office:powerpoint" xmlns:com="http://schemas.openxmlformats.org/drawingml/2006/compatibility" xmlns:p14="http://schemas.microsoft.com/office/powerpoint/2010/main" xmlns:p15="http://schemas.microsoft.com/office/powerpoint/2012/main">
+<p:sld xmlns:a="http://schemas.openxmlformats.org/drawingml/2006/main" xmlns:r="http://schemas.openxmlformats.org/officeDocument/2006/relationships" xmlns:p="http://schemas.openxmlformats.org/presentationml/2006/main">
   <p:cSld>
     <p:spTree>
       <p:nvGrpSpPr>
-        <p:cNvPr id="128" name="Shape 128"/>
+        <p:cNvPr id="1" name="Shape 128"/>
         <p:cNvGrpSpPr/>
         <p:nvPr/>
       </p:nvGrpSpPr>
@@ -9321,7 +9545,9 @@
       <p:sp>
         <p:nvSpPr>
           <p:cNvPr id="129" name="Google Shape;129;p24"/>
-          <p:cNvSpPr txBox="1"/>
+          <p:cNvSpPr txBox="1">
+            <a:spLocks noGrp="1"/>
+          </p:cNvSpPr>
           <p:nvPr>
             <p:ph type="title"/>
           </p:nvPr>
@@ -9340,12 +9566,12 @@
           </a:ln>
         </p:spPr>
         <p:txBody>
-          <a:bodyPr anchorCtr="0" anchor="ctr" bIns="45700" lIns="91425" spcFirstLastPara="1" rIns="91425" wrap="square" tIns="45700">
+          <a:bodyPr spcFirstLastPara="1" wrap="square" lIns="91425" tIns="45700" rIns="91425" bIns="45700" anchor="ctr" anchorCtr="0">
             <a:noAutofit/>
           </a:bodyPr>
           <a:lstStyle/>
           <a:p>
-            <a:pPr indent="0" lvl="0" marL="0" marR="0" rtl="0" algn="l">
+            <a:pPr marL="0" marR="0" lvl="0" indent="0" algn="l" rtl="0">
               <a:lnSpc>
                 <a:spcPct val="90000"/>
               </a:lnSpc>
@@ -9407,11 +9633,11 @@
 </file>
 
 <file path=ppt/slides/slide12.xml><?xml version="1.0" encoding="utf-8"?>
-<p:sld xmlns:a="http://schemas.openxmlformats.org/drawingml/2006/main" xmlns:r="http://schemas.openxmlformats.org/officeDocument/2006/relationships" xmlns:mc="http://schemas.openxmlformats.org/markup-compatibility/2006" xmlns:mv="urn:schemas-microsoft-com:mac:vml" xmlns:p="http://schemas.openxmlformats.org/presentationml/2006/main" xmlns:c="http://schemas.openxmlformats.org/drawingml/2006/chart" xmlns:dgm="http://schemas.openxmlformats.org/drawingml/2006/diagram" xmlns:o="urn:schemas-microsoft-com:office:office" xmlns:v="urn:schemas-microsoft-com:vml" xmlns:pvml="urn:schemas-microsoft-com:office:powerpoint" xmlns:com="http://schemas.openxmlformats.org/drawingml/2006/compatibility" xmlns:p14="http://schemas.microsoft.com/office/powerpoint/2010/main" xmlns:p15="http://schemas.microsoft.com/office/powerpoint/2012/main">
+<p:sld xmlns:a="http://schemas.openxmlformats.org/drawingml/2006/main" xmlns:r="http://schemas.openxmlformats.org/officeDocument/2006/relationships" xmlns:p="http://schemas.openxmlformats.org/presentationml/2006/main">
   <p:cSld>
     <p:spTree>
       <p:nvGrpSpPr>
-        <p:cNvPr id="134" name="Shape 134"/>
+        <p:cNvPr id="1" name="Shape 134"/>
         <p:cNvGrpSpPr/>
         <p:nvPr/>
       </p:nvGrpSpPr>
@@ -9426,7 +9652,9 @@
       <p:sp>
         <p:nvSpPr>
           <p:cNvPr id="135" name="Google Shape;135;p25"/>
-          <p:cNvSpPr txBox="1"/>
+          <p:cNvSpPr txBox="1">
+            <a:spLocks noGrp="1"/>
+          </p:cNvSpPr>
           <p:nvPr>
             <p:ph type="title"/>
           </p:nvPr>
@@ -9441,12 +9669,12 @@
           </a:prstGeom>
         </p:spPr>
         <p:txBody>
-          <a:bodyPr anchorCtr="0" anchor="ctr" bIns="45700" lIns="91425" spcFirstLastPara="1" rIns="91425" wrap="square" tIns="45700">
+          <a:bodyPr spcFirstLastPara="1" wrap="square" lIns="91425" tIns="45700" rIns="91425" bIns="45700" anchor="ctr" anchorCtr="0">
             <a:noAutofit/>
           </a:bodyPr>
           <a:lstStyle/>
           <a:p>
-            <a:pPr indent="0" lvl="0" marL="0" rtl="0" algn="l">
+            <a:pPr marL="0" lvl="0" indent="0" algn="l" rtl="0">
               <a:spcBef>
                 <a:spcPts val="0"/>
               </a:spcBef>
@@ -9500,11 +9728,11 @@
 </file>
 
 <file path=ppt/slides/slide13.xml><?xml version="1.0" encoding="utf-8"?>
-<p:sld xmlns:a="http://schemas.openxmlformats.org/drawingml/2006/main" xmlns:r="http://schemas.openxmlformats.org/officeDocument/2006/relationships" xmlns:mc="http://schemas.openxmlformats.org/markup-compatibility/2006" xmlns:mv="urn:schemas-microsoft-com:mac:vml" xmlns:p="http://schemas.openxmlformats.org/presentationml/2006/main" xmlns:c="http://schemas.openxmlformats.org/drawingml/2006/chart" xmlns:dgm="http://schemas.openxmlformats.org/drawingml/2006/diagram" xmlns:o="urn:schemas-microsoft-com:office:office" xmlns:v="urn:schemas-microsoft-com:vml" xmlns:pvml="urn:schemas-microsoft-com:office:powerpoint" xmlns:com="http://schemas.openxmlformats.org/drawingml/2006/compatibility" xmlns:p14="http://schemas.microsoft.com/office/powerpoint/2010/main" xmlns:p15="http://schemas.microsoft.com/office/powerpoint/2012/main">
+<p:sld xmlns:a="http://schemas.openxmlformats.org/drawingml/2006/main" xmlns:r="http://schemas.openxmlformats.org/officeDocument/2006/relationships" xmlns:p="http://schemas.openxmlformats.org/presentationml/2006/main">
   <p:cSld>
     <p:spTree>
       <p:nvGrpSpPr>
-        <p:cNvPr id="140" name="Shape 140"/>
+        <p:cNvPr id="1" name="Shape 140"/>
         <p:cNvGrpSpPr/>
         <p:nvPr/>
       </p:nvGrpSpPr>
@@ -9519,7 +9747,9 @@
       <p:sp>
         <p:nvSpPr>
           <p:cNvPr id="141" name="Google Shape;141;p26"/>
-          <p:cNvSpPr txBox="1"/>
+          <p:cNvSpPr txBox="1">
+            <a:spLocks noGrp="1"/>
+          </p:cNvSpPr>
           <p:nvPr>
             <p:ph type="title"/>
           </p:nvPr>
@@ -9538,12 +9768,12 @@
           </a:ln>
         </p:spPr>
         <p:txBody>
-          <a:bodyPr anchorCtr="0" anchor="ctr" bIns="45700" lIns="91425" spcFirstLastPara="1" rIns="91425" wrap="square" tIns="45700">
+          <a:bodyPr spcFirstLastPara="1" wrap="square" lIns="91425" tIns="45700" rIns="91425" bIns="45700" anchor="ctr" anchorCtr="0">
             <a:noAutofit/>
           </a:bodyPr>
           <a:lstStyle/>
           <a:p>
-            <a:pPr indent="0" lvl="0" marL="0" marR="0" rtl="0" algn="l">
+            <a:pPr marL="0" marR="0" lvl="0" indent="0" algn="l" rtl="0">
               <a:lnSpc>
                 <a:spcPct val="90000"/>
               </a:lnSpc>
@@ -9561,7 +9791,7 @@
               <a:buNone/>
             </a:pPr>
             <a:r>
-              <a:rPr b="0" i="0" lang="en-US" sz="4400" u="none" cap="none" strike="noStrike">
+              <a:rPr lang="en-US" sz="4400" b="0" i="0" u="none" strike="noStrike" cap="none">
                 <a:solidFill>
                   <a:schemeClr val="dk1"/>
                 </a:solidFill>
@@ -9583,9 +9813,11 @@
       <p:sp>
         <p:nvSpPr>
           <p:cNvPr id="142" name="Google Shape;142;p26"/>
-          <p:cNvSpPr txBox="1"/>
+          <p:cNvSpPr txBox="1">
+            <a:spLocks noGrp="1"/>
+          </p:cNvSpPr>
           <p:nvPr>
-            <p:ph idx="1" type="body"/>
+            <p:ph type="body" idx="1"/>
           </p:nvPr>
         </p:nvSpPr>
         <p:spPr>
@@ -9602,12 +9834,12 @@
           </a:ln>
         </p:spPr>
         <p:txBody>
-          <a:bodyPr anchorCtr="0" anchor="t" bIns="45700" lIns="91425" spcFirstLastPara="1" rIns="91425" wrap="square" tIns="45700">
+          <a:bodyPr spcFirstLastPara="1" wrap="square" lIns="91425" tIns="45700" rIns="91425" bIns="45700" anchor="t" anchorCtr="0">
             <a:noAutofit/>
           </a:bodyPr>
           <a:lstStyle/>
           <a:p>
-            <a:pPr indent="-228600" lvl="0" marL="228600" marR="0" rtl="0" algn="l">
+            <a:pPr marL="228600" marR="0" lvl="0" indent="-228600" algn="l" rtl="0">
               <a:lnSpc>
                 <a:spcPct val="90000"/>
               </a:lnSpc>
@@ -9631,7 +9863,7 @@
             <a:endParaRPr/>
           </a:p>
           <a:p>
-            <a:pPr indent="-228600" lvl="1" marL="685800" marR="0" rtl="0" algn="l">
+            <a:pPr marL="685800" marR="0" lvl="1" indent="-228600" algn="l" rtl="0">
               <a:lnSpc>
                 <a:spcPct val="90000"/>
               </a:lnSpc>
@@ -9655,7 +9887,7 @@
             <a:endParaRPr/>
           </a:p>
           <a:p>
-            <a:pPr indent="-228600" lvl="1" marL="685800" marR="0" rtl="0" algn="l">
+            <a:pPr marL="685800" marR="0" lvl="1" indent="-228600" algn="l" rtl="0">
               <a:lnSpc>
                 <a:spcPct val="90000"/>
               </a:lnSpc>
@@ -9679,7 +9911,7 @@
             <a:endParaRPr/>
           </a:p>
           <a:p>
-            <a:pPr indent="-228600" lvl="1" marL="685800" marR="0" rtl="0" algn="l">
+            <a:pPr marL="685800" marR="0" lvl="1" indent="-228600" algn="l" rtl="0">
               <a:lnSpc>
                 <a:spcPct val="90000"/>
               </a:lnSpc>
@@ -9703,7 +9935,7 @@
             <a:endParaRPr/>
           </a:p>
           <a:p>
-            <a:pPr indent="-228600" lvl="1" marL="685800" marR="0" rtl="0" algn="l">
+            <a:pPr marL="685800" marR="0" lvl="1" indent="-228600" algn="l" rtl="0">
               <a:lnSpc>
                 <a:spcPct val="90000"/>
               </a:lnSpc>
@@ -9737,11 +9969,11 @@
 </file>
 
 <file path=ppt/slides/slide14.xml><?xml version="1.0" encoding="utf-8"?>
-<p:sld xmlns:a="http://schemas.openxmlformats.org/drawingml/2006/main" xmlns:r="http://schemas.openxmlformats.org/officeDocument/2006/relationships" xmlns:mc="http://schemas.openxmlformats.org/markup-compatibility/2006" xmlns:mv="urn:schemas-microsoft-com:mac:vml" xmlns:p="http://schemas.openxmlformats.org/presentationml/2006/main" xmlns:c="http://schemas.openxmlformats.org/drawingml/2006/chart" xmlns:dgm="http://schemas.openxmlformats.org/drawingml/2006/diagram" xmlns:o="urn:schemas-microsoft-com:office:office" xmlns:v="urn:schemas-microsoft-com:vml" xmlns:pvml="urn:schemas-microsoft-com:office:powerpoint" xmlns:com="http://schemas.openxmlformats.org/drawingml/2006/compatibility" xmlns:p14="http://schemas.microsoft.com/office/powerpoint/2010/main" xmlns:p15="http://schemas.microsoft.com/office/powerpoint/2012/main">
+<p:sld xmlns:a="http://schemas.openxmlformats.org/drawingml/2006/main" xmlns:r="http://schemas.openxmlformats.org/officeDocument/2006/relationships" xmlns:p="http://schemas.openxmlformats.org/presentationml/2006/main">
   <p:cSld>
     <p:spTree>
       <p:nvGrpSpPr>
-        <p:cNvPr id="146" name="Shape 146"/>
+        <p:cNvPr id="1" name="Shape 146"/>
         <p:cNvGrpSpPr/>
         <p:nvPr/>
       </p:nvGrpSpPr>
@@ -9756,7 +9988,9 @@
       <p:sp>
         <p:nvSpPr>
           <p:cNvPr id="147" name="Google Shape;147;p27"/>
-          <p:cNvSpPr txBox="1"/>
+          <p:cNvSpPr txBox="1">
+            <a:spLocks noGrp="1"/>
+          </p:cNvSpPr>
           <p:nvPr>
             <p:ph type="title"/>
           </p:nvPr>
@@ -9775,12 +10009,12 @@
           </a:ln>
         </p:spPr>
         <p:txBody>
-          <a:bodyPr anchorCtr="0" anchor="ctr" bIns="45700" lIns="91425" spcFirstLastPara="1" rIns="91425" wrap="square" tIns="45700">
+          <a:bodyPr spcFirstLastPara="1" wrap="square" lIns="91425" tIns="45700" rIns="91425" bIns="45700" anchor="ctr" anchorCtr="0">
             <a:noAutofit/>
           </a:bodyPr>
           <a:lstStyle/>
           <a:p>
-            <a:pPr indent="0" lvl="0" marL="0" marR="0" rtl="0" algn="l">
+            <a:pPr marL="0" marR="0" lvl="0" indent="0" algn="l" rtl="0">
               <a:lnSpc>
                 <a:spcPct val="90000"/>
               </a:lnSpc>
@@ -9798,7 +10032,7 @@
               <a:buNone/>
             </a:pPr>
             <a:r>
-              <a:rPr b="0" i="0" lang="en-US" sz="4400" u="none" cap="none" strike="noStrike">
+              <a:rPr lang="en-US" sz="4400" b="0" i="0" u="none" strike="noStrike" cap="none">
                 <a:solidFill>
                   <a:schemeClr val="dk1"/>
                 </a:solidFill>
@@ -9816,9 +10050,11 @@
       <p:sp>
         <p:nvSpPr>
           <p:cNvPr id="148" name="Google Shape;148;p27"/>
-          <p:cNvSpPr txBox="1"/>
+          <p:cNvSpPr txBox="1">
+            <a:spLocks noGrp="1"/>
+          </p:cNvSpPr>
           <p:nvPr>
-            <p:ph idx="1" type="body"/>
+            <p:ph type="body" idx="1"/>
           </p:nvPr>
         </p:nvSpPr>
         <p:spPr>
@@ -9835,12 +10071,12 @@
           </a:ln>
         </p:spPr>
         <p:txBody>
-          <a:bodyPr anchorCtr="0" anchor="t" bIns="45700" lIns="91425" spcFirstLastPara="1" rIns="91425" wrap="square" tIns="45700">
+          <a:bodyPr spcFirstLastPara="1" wrap="square" lIns="91425" tIns="45700" rIns="91425" bIns="45700" anchor="t" anchorCtr="0">
             <a:noAutofit/>
           </a:bodyPr>
           <a:lstStyle/>
           <a:p>
-            <a:pPr indent="-228600" lvl="0" marL="228600" marR="0" rtl="0" algn="l">
+            <a:pPr marL="228600" marR="0" lvl="0" indent="-228600" algn="l" rtl="0">
               <a:lnSpc>
                 <a:spcPct val="80000"/>
               </a:lnSpc>
@@ -9858,7 +10094,7 @@
               <a:buChar char="•"/>
             </a:pPr>
             <a:r>
-              <a:rPr b="0" i="0" lang="en-US" sz="2800" u="none" cap="none" strike="noStrike">
+              <a:rPr lang="en-US" sz="2800" b="0" i="0" u="none" strike="noStrike" cap="none">
                 <a:solidFill>
                   <a:schemeClr val="dk1"/>
                 </a:solidFill>
@@ -9872,7 +10108,7 @@
             <a:endParaRPr/>
           </a:p>
           <a:p>
-            <a:pPr indent="-228600" lvl="1" marL="685800" marR="0" rtl="0" algn="l">
+            <a:pPr marL="685800" marR="0" lvl="1" indent="-228600" algn="l" rtl="0">
               <a:lnSpc>
                 <a:spcPct val="80000"/>
               </a:lnSpc>
@@ -9896,7 +10132,7 @@
             <a:endParaRPr/>
           </a:p>
           <a:p>
-            <a:pPr indent="-228600" lvl="1" marL="685800" marR="0" rtl="0" algn="l">
+            <a:pPr marL="685800" marR="0" lvl="1" indent="-228600" algn="l" rtl="0">
               <a:lnSpc>
                 <a:spcPct val="80000"/>
               </a:lnSpc>
@@ -9915,20 +10151,12 @@
             </a:pPr>
             <a:r>
               <a:rPr lang="en-US"/>
-              <a:t>We didn’t like the possible hurdles of changing/</a:t>
-            </a:r>
-            <a:r>
-              <a:rPr lang="en-US"/>
-              <a:t>incorporating</a:t>
-            </a:r>
-            <a:r>
-              <a:rPr lang="en-US"/>
-              <a:t> our own ideas</a:t>
+              <a:t>We didn’t like the possible hurdles of changing/incorporating our own ideas</a:t>
             </a:r>
             <a:endParaRPr/>
           </a:p>
           <a:p>
-            <a:pPr indent="-228600" lvl="0" marL="228600" marR="0" rtl="0" algn="l">
+            <a:pPr marL="228600" marR="0" lvl="0" indent="-228600" algn="l" rtl="0">
               <a:lnSpc>
                 <a:spcPct val="80000"/>
               </a:lnSpc>
@@ -9946,7 +10174,7 @@
               <a:buChar char="•"/>
             </a:pPr>
             <a:r>
-              <a:rPr b="0" i="0" lang="en-US" sz="2800" u="none" cap="none" strike="noStrike">
+              <a:rPr lang="en-US" sz="2800" b="0" i="0" u="none" strike="noStrike" cap="none">
                 <a:solidFill>
                   <a:schemeClr val="dk1"/>
                 </a:solidFill>
@@ -9960,7 +10188,7 @@
             <a:endParaRPr/>
           </a:p>
           <a:p>
-            <a:pPr indent="-228600" lvl="1" marL="685800" marR="0" rtl="0" algn="l">
+            <a:pPr marL="685800" marR="0" lvl="1" indent="-228600" algn="l" rtl="0">
               <a:lnSpc>
                 <a:spcPct val="80000"/>
               </a:lnSpc>
@@ -9979,15 +10207,7 @@
             </a:pPr>
             <a:r>
               <a:rPr lang="en-US"/>
-              <a:t>Working with </a:t>
-            </a:r>
-            <a:r>
-              <a:rPr lang="en-US"/>
-              <a:t>other</a:t>
-            </a:r>
-            <a:r>
-              <a:rPr lang="en-US"/>
-              <a:t> groups design ideas is tough without wanting to change almost every aspect</a:t>
+              <a:t>Working with other groups design ideas is tough without wanting to change almost every aspect</a:t>
             </a:r>
             <a:endParaRPr/>
           </a:p>
@@ -10002,11 +10222,11 @@
 </file>
 
 <file path=ppt/slides/slide15.xml><?xml version="1.0" encoding="utf-8"?>
-<p:sld xmlns:a="http://schemas.openxmlformats.org/drawingml/2006/main" xmlns:r="http://schemas.openxmlformats.org/officeDocument/2006/relationships" xmlns:mc="http://schemas.openxmlformats.org/markup-compatibility/2006" xmlns:mv="urn:schemas-microsoft-com:mac:vml" xmlns:p="http://schemas.openxmlformats.org/presentationml/2006/main" xmlns:c="http://schemas.openxmlformats.org/drawingml/2006/chart" xmlns:dgm="http://schemas.openxmlformats.org/drawingml/2006/diagram" xmlns:o="urn:schemas-microsoft-com:office:office" xmlns:v="urn:schemas-microsoft-com:vml" xmlns:pvml="urn:schemas-microsoft-com:office:powerpoint" xmlns:com="http://schemas.openxmlformats.org/drawingml/2006/compatibility" xmlns:p14="http://schemas.microsoft.com/office/powerpoint/2010/main" xmlns:p15="http://schemas.microsoft.com/office/powerpoint/2012/main">
+<p:sld xmlns:a="http://schemas.openxmlformats.org/drawingml/2006/main" xmlns:r="http://schemas.openxmlformats.org/officeDocument/2006/relationships" xmlns:p="http://schemas.openxmlformats.org/presentationml/2006/main">
   <p:cSld>
     <p:spTree>
       <p:nvGrpSpPr>
-        <p:cNvPr id="152" name="Shape 152"/>
+        <p:cNvPr id="1" name="Shape 152"/>
         <p:cNvGrpSpPr/>
         <p:nvPr/>
       </p:nvGrpSpPr>
@@ -10021,7 +10241,9 @@
       <p:sp>
         <p:nvSpPr>
           <p:cNvPr id="153" name="Google Shape;153;p28"/>
-          <p:cNvSpPr txBox="1"/>
+          <p:cNvSpPr txBox="1">
+            <a:spLocks noGrp="1"/>
+          </p:cNvSpPr>
           <p:nvPr>
             <p:ph type="title"/>
           </p:nvPr>
@@ -10040,12 +10262,12 @@
           </a:ln>
         </p:spPr>
         <p:txBody>
-          <a:bodyPr anchorCtr="0" anchor="ctr" bIns="45700" lIns="91425" spcFirstLastPara="1" rIns="91425" wrap="square" tIns="45700">
+          <a:bodyPr spcFirstLastPara="1" wrap="square" lIns="91425" tIns="45700" rIns="91425" bIns="45700" anchor="ctr" anchorCtr="0">
             <a:noAutofit/>
           </a:bodyPr>
           <a:lstStyle/>
           <a:p>
-            <a:pPr indent="0" lvl="0" marL="0" marR="0" rtl="0" algn="l">
+            <a:pPr marL="0" marR="0" lvl="0" indent="0" algn="l" rtl="0">
               <a:lnSpc>
                 <a:spcPct val="90000"/>
               </a:lnSpc>
@@ -10063,7 +10285,7 @@
               <a:buNone/>
             </a:pPr>
             <a:r>
-              <a:rPr b="0" i="0" lang="en-US" sz="4400" u="none" cap="none" strike="noStrike">
+              <a:rPr lang="en-US" sz="4400" b="0" i="0" u="none" strike="noStrike" cap="none">
                 <a:solidFill>
                   <a:schemeClr val="dk1"/>
                 </a:solidFill>
@@ -10081,9 +10303,11 @@
       <p:sp>
         <p:nvSpPr>
           <p:cNvPr id="154" name="Google Shape;154;p28"/>
-          <p:cNvSpPr txBox="1"/>
+          <p:cNvSpPr txBox="1">
+            <a:spLocks noGrp="1"/>
+          </p:cNvSpPr>
           <p:nvPr>
-            <p:ph idx="1" type="body"/>
+            <p:ph type="body" idx="1"/>
           </p:nvPr>
         </p:nvSpPr>
         <p:spPr>
@@ -10100,12 +10324,12 @@
           </a:ln>
         </p:spPr>
         <p:txBody>
-          <a:bodyPr anchorCtr="0" anchor="t" bIns="45700" lIns="91425" spcFirstLastPara="1" rIns="91425" wrap="square" tIns="45700">
+          <a:bodyPr spcFirstLastPara="1" wrap="square" lIns="91425" tIns="45700" rIns="91425" bIns="45700" anchor="t" anchorCtr="0">
             <a:noAutofit/>
           </a:bodyPr>
           <a:lstStyle/>
           <a:p>
-            <a:pPr indent="-228600" lvl="0" marL="228600" marR="0" rtl="0" algn="l">
+            <a:pPr marL="228600" marR="0" lvl="0" indent="-228600" algn="l" rtl="0">
               <a:lnSpc>
                 <a:spcPct val="80000"/>
               </a:lnSpc>
@@ -10123,7 +10347,7 @@
               <a:buChar char="•"/>
             </a:pPr>
             <a:r>
-              <a:rPr b="0" i="0" lang="en-US" sz="2800" u="none" cap="none" strike="noStrike">
+              <a:rPr lang="en-US" sz="2800" b="0" i="0" u="none" strike="noStrike" cap="none">
                 <a:solidFill>
                   <a:schemeClr val="dk1"/>
                 </a:solidFill>
@@ -10137,7 +10361,7 @@
             <a:endParaRPr/>
           </a:p>
           <a:p>
-            <a:pPr indent="-228600" lvl="1" marL="685800" marR="0" rtl="0" algn="l">
+            <a:pPr marL="685800" marR="0" lvl="1" indent="-228600" algn="l" rtl="0">
               <a:lnSpc>
                 <a:spcPct val="80000"/>
               </a:lnSpc>
@@ -10161,7 +10385,7 @@
             <a:endParaRPr/>
           </a:p>
           <a:p>
-            <a:pPr indent="-228600" lvl="0" marL="228600" marR="0" rtl="0" algn="l">
+            <a:pPr marL="228600" marR="0" lvl="0" indent="-228600" algn="l" rtl="0">
               <a:lnSpc>
                 <a:spcPct val="80000"/>
               </a:lnSpc>
@@ -10179,7 +10403,7 @@
               <a:buChar char="•"/>
             </a:pPr>
             <a:r>
-              <a:rPr b="0" i="0" lang="en-US" sz="2800" u="none" cap="none" strike="noStrike">
+              <a:rPr lang="en-US" sz="2800" b="0" i="0" u="none" strike="noStrike" cap="none">
                 <a:solidFill>
                   <a:schemeClr val="dk1"/>
                 </a:solidFill>
@@ -10193,7 +10417,7 @@
             <a:endParaRPr/>
           </a:p>
           <a:p>
-            <a:pPr indent="-228600" lvl="1" marL="685800" marR="0" rtl="0" algn="l">
+            <a:pPr marL="685800" marR="0" lvl="1" indent="-228600" algn="l" rtl="0">
               <a:lnSpc>
                 <a:spcPct val="80000"/>
               </a:lnSpc>
@@ -10227,11 +10451,11 @@
 </file>
 
 <file path=ppt/slides/slide2.xml><?xml version="1.0" encoding="utf-8"?>
-<p:sld xmlns:a="http://schemas.openxmlformats.org/drawingml/2006/main" xmlns:r="http://schemas.openxmlformats.org/officeDocument/2006/relationships" xmlns:mc="http://schemas.openxmlformats.org/markup-compatibility/2006" xmlns:mv="urn:schemas-microsoft-com:mac:vml" xmlns:p="http://schemas.openxmlformats.org/presentationml/2006/main" xmlns:c="http://schemas.openxmlformats.org/drawingml/2006/chart" xmlns:dgm="http://schemas.openxmlformats.org/drawingml/2006/diagram" xmlns:o="urn:schemas-microsoft-com:office:office" xmlns:v="urn:schemas-microsoft-com:vml" xmlns:pvml="urn:schemas-microsoft-com:office:powerpoint" xmlns:com="http://schemas.openxmlformats.org/drawingml/2006/compatibility" xmlns:p14="http://schemas.microsoft.com/office/powerpoint/2010/main" xmlns:p15="http://schemas.microsoft.com/office/powerpoint/2012/main">
+<p:sld xmlns:a="http://schemas.openxmlformats.org/drawingml/2006/main" xmlns:r="http://schemas.openxmlformats.org/officeDocument/2006/relationships" xmlns:p="http://schemas.openxmlformats.org/presentationml/2006/main">
   <p:cSld>
     <p:spTree>
       <p:nvGrpSpPr>
-        <p:cNvPr id="74" name="Shape 74"/>
+        <p:cNvPr id="1" name="Shape 74"/>
         <p:cNvGrpSpPr/>
         <p:nvPr/>
       </p:nvGrpSpPr>
@@ -10246,7 +10470,9 @@
       <p:sp>
         <p:nvSpPr>
           <p:cNvPr id="75" name="Google Shape;75;p15"/>
-          <p:cNvSpPr txBox="1"/>
+          <p:cNvSpPr txBox="1">
+            <a:spLocks noGrp="1"/>
+          </p:cNvSpPr>
           <p:nvPr>
             <p:ph type="title"/>
           </p:nvPr>
@@ -10261,12 +10487,12 @@
           </a:prstGeom>
         </p:spPr>
         <p:txBody>
-          <a:bodyPr anchorCtr="0" anchor="ctr" bIns="45700" lIns="91425" spcFirstLastPara="1" rIns="91425" wrap="square" tIns="45700">
+          <a:bodyPr spcFirstLastPara="1" wrap="square" lIns="91425" tIns="45700" rIns="91425" bIns="45700" anchor="ctr" anchorCtr="0">
             <a:noAutofit/>
           </a:bodyPr>
           <a:lstStyle/>
           <a:p>
-            <a:pPr indent="0" lvl="0" marL="0" rtl="0" algn="l">
+            <a:pPr marL="0" lvl="0" indent="0" algn="l" rtl="0">
               <a:spcBef>
                 <a:spcPts val="0"/>
               </a:spcBef>
@@ -10286,9 +10512,11 @@
       <p:sp>
         <p:nvSpPr>
           <p:cNvPr id="76" name="Google Shape;76;p15"/>
-          <p:cNvSpPr txBox="1"/>
+          <p:cNvSpPr txBox="1">
+            <a:spLocks noGrp="1"/>
+          </p:cNvSpPr>
           <p:nvPr>
-            <p:ph idx="1" type="body"/>
+            <p:ph type="body" idx="1"/>
           </p:nvPr>
         </p:nvSpPr>
         <p:spPr>
@@ -10301,12 +10529,12 @@
           </a:prstGeom>
         </p:spPr>
         <p:txBody>
-          <a:bodyPr anchorCtr="0" anchor="t" bIns="45700" lIns="91425" spcFirstLastPara="1" rIns="91425" wrap="square" tIns="45700">
+          <a:bodyPr spcFirstLastPara="1" wrap="square" lIns="91425" tIns="45700" rIns="91425" bIns="45700" anchor="t" anchorCtr="0">
             <a:noAutofit/>
           </a:bodyPr>
           <a:lstStyle/>
           <a:p>
-            <a:pPr indent="0" lvl="0" marL="0" rtl="0" algn="l">
+            <a:pPr marL="0" lvl="0" indent="0" algn="l" rtl="0">
               <a:spcBef>
                 <a:spcPts val="1000"/>
               </a:spcBef>
@@ -10322,7 +10550,7 @@
             <a:endParaRPr/>
           </a:p>
           <a:p>
-            <a:pPr indent="-406400" lvl="0" marL="457200" rtl="0" algn="l">
+            <a:pPr marL="457200" lvl="0" indent="-406400" algn="l" rtl="0">
               <a:lnSpc>
                 <a:spcPct val="100000"/>
               </a:lnSpc>
@@ -10343,7 +10571,7 @@
             <a:endParaRPr/>
           </a:p>
           <a:p>
-            <a:pPr indent="-406400" lvl="0" marL="457200" rtl="0" algn="l">
+            <a:pPr marL="457200" lvl="0" indent="-406400" algn="l" rtl="0">
               <a:lnSpc>
                 <a:spcPct val="100000"/>
               </a:lnSpc>
@@ -10363,7 +10591,7 @@
             <a:endParaRPr/>
           </a:p>
           <a:p>
-            <a:pPr indent="-406400" lvl="0" marL="457200" rtl="0" algn="l">
+            <a:pPr marL="457200" lvl="0" indent="-406400" algn="l" rtl="0">
               <a:lnSpc>
                 <a:spcPct val="100000"/>
               </a:lnSpc>
@@ -10383,7 +10611,7 @@
             <a:endParaRPr/>
           </a:p>
           <a:p>
-            <a:pPr indent="-406400" lvl="0" marL="457200" rtl="0" algn="l">
+            <a:pPr marL="457200" lvl="0" indent="-406400" algn="l" rtl="0">
               <a:lnSpc>
                 <a:spcPct val="100000"/>
               </a:lnSpc>
@@ -10403,7 +10631,7 @@
             <a:endParaRPr/>
           </a:p>
           <a:p>
-            <a:pPr indent="-406400" lvl="0" marL="457200" rtl="0" algn="l">
+            <a:pPr marL="457200" lvl="0" indent="-406400" algn="l" rtl="0">
               <a:lnSpc>
                 <a:spcPct val="100000"/>
               </a:lnSpc>
@@ -10423,7 +10651,7 @@
             <a:endParaRPr/>
           </a:p>
           <a:p>
-            <a:pPr indent="-406400" lvl="0" marL="457200" rtl="0" algn="l">
+            <a:pPr marL="457200" lvl="0" indent="-406400" algn="l" rtl="0">
               <a:lnSpc>
                 <a:spcPct val="100000"/>
               </a:lnSpc>
@@ -10443,7 +10671,7 @@
             <a:endParaRPr/>
           </a:p>
           <a:p>
-            <a:pPr indent="0" lvl="0" marL="0" rtl="0" algn="l">
+            <a:pPr marL="0" lvl="0" indent="0" algn="l" rtl="0">
               <a:spcBef>
                 <a:spcPts val="1000"/>
               </a:spcBef>
@@ -10469,11 +10697,11 @@
 </file>
 
 <file path=ppt/slides/slide3.xml><?xml version="1.0" encoding="utf-8"?>
-<p:sld xmlns:a="http://schemas.openxmlformats.org/drawingml/2006/main" xmlns:r="http://schemas.openxmlformats.org/officeDocument/2006/relationships" xmlns:mc="http://schemas.openxmlformats.org/markup-compatibility/2006" xmlns:mv="urn:schemas-microsoft-com:mac:vml" xmlns:p="http://schemas.openxmlformats.org/presentationml/2006/main" xmlns:c="http://schemas.openxmlformats.org/drawingml/2006/chart" xmlns:dgm="http://schemas.openxmlformats.org/drawingml/2006/diagram" xmlns:o="urn:schemas-microsoft-com:office:office" xmlns:v="urn:schemas-microsoft-com:vml" xmlns:pvml="urn:schemas-microsoft-com:office:powerpoint" xmlns:com="http://schemas.openxmlformats.org/drawingml/2006/compatibility" xmlns:p14="http://schemas.microsoft.com/office/powerpoint/2010/main" xmlns:p15="http://schemas.microsoft.com/office/powerpoint/2012/main">
+<p:sld xmlns:a="http://schemas.openxmlformats.org/drawingml/2006/main" xmlns:r="http://schemas.openxmlformats.org/officeDocument/2006/relationships" xmlns:p="http://schemas.openxmlformats.org/presentationml/2006/main">
   <p:cSld>
     <p:spTree>
       <p:nvGrpSpPr>
-        <p:cNvPr id="80" name="Shape 80"/>
+        <p:cNvPr id="1" name="Shape 80"/>
         <p:cNvGrpSpPr/>
         <p:nvPr/>
       </p:nvGrpSpPr>
@@ -10488,7 +10716,9 @@
       <p:sp>
         <p:nvSpPr>
           <p:cNvPr id="81" name="Google Shape;81;p16"/>
-          <p:cNvSpPr txBox="1"/>
+          <p:cNvSpPr txBox="1">
+            <a:spLocks noGrp="1"/>
+          </p:cNvSpPr>
           <p:nvPr>
             <p:ph type="title"/>
           </p:nvPr>
@@ -10507,12 +10737,12 @@
           </a:ln>
         </p:spPr>
         <p:txBody>
-          <a:bodyPr anchorCtr="0" anchor="ctr" bIns="45700" lIns="91425" spcFirstLastPara="1" rIns="91425" wrap="square" tIns="45700">
+          <a:bodyPr spcFirstLastPara="1" wrap="square" lIns="91425" tIns="45700" rIns="91425" bIns="45700" anchor="ctr" anchorCtr="0">
             <a:noAutofit/>
           </a:bodyPr>
           <a:lstStyle/>
           <a:p>
-            <a:pPr indent="0" lvl="0" marL="0" marR="0" rtl="0" algn="l">
+            <a:pPr marL="0" marR="0" lvl="0" indent="0" algn="l" rtl="0">
               <a:lnSpc>
                 <a:spcPct val="90000"/>
               </a:lnSpc>
@@ -10530,7 +10760,7 @@
               <a:buNone/>
             </a:pPr>
             <a:r>
-              <a:rPr b="0" i="0" lang="en-US" sz="4400" u="none" cap="none" strike="noStrike">
+              <a:rPr lang="en-US" sz="4400" b="0" i="0" u="none" strike="noStrike" cap="none">
                 <a:solidFill>
                   <a:schemeClr val="dk1"/>
                 </a:solidFill>
@@ -10548,9 +10778,11 @@
       <p:sp>
         <p:nvSpPr>
           <p:cNvPr id="82" name="Google Shape;82;p16"/>
-          <p:cNvSpPr txBox="1"/>
+          <p:cNvSpPr txBox="1">
+            <a:spLocks noGrp="1"/>
+          </p:cNvSpPr>
           <p:nvPr>
-            <p:ph idx="1" type="body"/>
+            <p:ph type="body" idx="1"/>
           </p:nvPr>
         </p:nvSpPr>
         <p:spPr>
@@ -10567,12 +10799,12 @@
           </a:ln>
         </p:spPr>
         <p:txBody>
-          <a:bodyPr anchorCtr="0" anchor="t" bIns="45700" lIns="91425" spcFirstLastPara="1" rIns="91425" wrap="square" tIns="45700">
+          <a:bodyPr spcFirstLastPara="1" wrap="square" lIns="91425" tIns="45700" rIns="91425" bIns="45700" anchor="t" anchorCtr="0">
             <a:noAutofit/>
           </a:bodyPr>
           <a:lstStyle/>
           <a:p>
-            <a:pPr indent="-228600" lvl="0" marL="228600" marR="0" rtl="0" algn="l">
+            <a:pPr marL="228600" marR="0" lvl="0" indent="-228600" algn="l" rtl="0">
               <a:lnSpc>
                 <a:spcPct val="90000"/>
               </a:lnSpc>
@@ -10590,7 +10822,7 @@
               <a:buChar char="•"/>
             </a:pPr>
             <a:r>
-              <a:rPr b="0" i="0" lang="en-US" sz="2800" u="none" cap="none" strike="noStrike">
+              <a:rPr lang="en-US" sz="2800" b="0" i="0" u="none" strike="noStrike" cap="none">
                 <a:solidFill>
                   <a:schemeClr val="dk1"/>
                 </a:solidFill>
@@ -10601,7 +10833,7 @@
               </a:rPr>
               <a:t>Comment on the readability and usability of the GitHub content for the team’s project you were assigned </a:t>
             </a:r>
-            <a:endParaRPr b="0" i="0" sz="2800" u="none" cap="none" strike="noStrike">
+            <a:endParaRPr sz="2800" b="0" i="0" u="none" strike="noStrike" cap="none">
               <a:solidFill>
                 <a:schemeClr val="dk1"/>
               </a:solidFill>
@@ -10612,7 +10844,7 @@
             </a:endParaRPr>
           </a:p>
           <a:p>
-            <a:pPr indent="-228600" lvl="1" marL="685800" marR="0" rtl="0" algn="l">
+            <a:pPr marL="685800" marR="0" lvl="1" indent="-228600" algn="l" rtl="0">
               <a:lnSpc>
                 <a:spcPct val="90000"/>
               </a:lnSpc>
@@ -10632,7 +10864,7 @@
             <a:endParaRPr/>
           </a:p>
           <a:p>
-            <a:pPr indent="-228600" lvl="1" marL="685800" marR="0" rtl="0" algn="l">
+            <a:pPr marL="685800" marR="0" lvl="1" indent="-228600" algn="l" rtl="0">
               <a:lnSpc>
                 <a:spcPct val="90000"/>
               </a:lnSpc>
@@ -10652,7 +10884,7 @@
             <a:endParaRPr/>
           </a:p>
           <a:p>
-            <a:pPr indent="-228600" lvl="0" marL="228600" marR="0" rtl="0" algn="l">
+            <a:pPr marL="228600" marR="0" lvl="0" indent="-228600" algn="l" rtl="0">
               <a:lnSpc>
                 <a:spcPct val="90000"/>
               </a:lnSpc>
@@ -10670,7 +10902,7 @@
               <a:buChar char="•"/>
             </a:pPr>
             <a:r>
-              <a:rPr b="0" i="0" lang="en-US" sz="2800" u="none" cap="none" strike="noStrike">
+              <a:rPr lang="en-US" sz="2800" b="0" i="0" u="none" strike="noStrike" cap="none">
                 <a:solidFill>
                   <a:schemeClr val="dk1"/>
                 </a:solidFill>
@@ -10681,7 +10913,7 @@
               </a:rPr>
               <a:t>What do you like about the team’s design/design choices</a:t>
             </a:r>
-            <a:endParaRPr b="0" i="0" sz="2800" u="none" cap="none" strike="noStrike">
+            <a:endParaRPr sz="2800" b="0" i="0" u="none" strike="noStrike" cap="none">
               <a:solidFill>
                 <a:schemeClr val="dk1"/>
               </a:solidFill>
@@ -10692,7 +10924,7 @@
             </a:endParaRPr>
           </a:p>
           <a:p>
-            <a:pPr indent="-228600" lvl="1" marL="685800" marR="0" rtl="0" algn="l">
+            <a:pPr marL="685800" marR="0" lvl="1" indent="-228600" algn="l" rtl="0">
               <a:lnSpc>
                 <a:spcPct val="90000"/>
               </a:lnSpc>
@@ -10712,7 +10944,7 @@
             <a:endParaRPr/>
           </a:p>
           <a:p>
-            <a:pPr indent="-228600" lvl="1" marL="685800" marR="0" rtl="0" algn="l">
+            <a:pPr marL="685800" marR="0" lvl="1" indent="-228600" algn="l" rtl="0">
               <a:lnSpc>
                 <a:spcPct val="90000"/>
               </a:lnSpc>
@@ -10732,7 +10964,7 @@
             <a:endParaRPr/>
           </a:p>
           <a:p>
-            <a:pPr indent="-228600" lvl="1" marL="685800" marR="0" rtl="0" algn="l">
+            <a:pPr marL="685800" marR="0" lvl="1" indent="-228600" algn="l" rtl="0">
               <a:lnSpc>
                 <a:spcPct val="90000"/>
               </a:lnSpc>
@@ -10752,7 +10984,7 @@
             <a:endParaRPr/>
           </a:p>
           <a:p>
-            <a:pPr indent="0" lvl="0" marL="0" marR="0" rtl="0" algn="l">
+            <a:pPr marL="0" marR="0" lvl="0" indent="0" algn="l" rtl="0">
               <a:lnSpc>
                 <a:spcPct val="90000"/>
               </a:lnSpc>
@@ -10764,9 +10996,6 @@
               </a:spcAft>
               <a:buNone/>
             </a:pPr>
-            <a:r>
-              <a:t/>
-            </a:r>
             <a:endParaRPr/>
           </a:p>
         </p:txBody>
@@ -10780,11 +11009,11 @@
 </file>
 
 <file path=ppt/slides/slide4.xml><?xml version="1.0" encoding="utf-8"?>
-<p:sld xmlns:a="http://schemas.openxmlformats.org/drawingml/2006/main" xmlns:r="http://schemas.openxmlformats.org/officeDocument/2006/relationships" xmlns:mc="http://schemas.openxmlformats.org/markup-compatibility/2006" xmlns:mv="urn:schemas-microsoft-com:mac:vml" xmlns:p="http://schemas.openxmlformats.org/presentationml/2006/main" xmlns:c="http://schemas.openxmlformats.org/drawingml/2006/chart" xmlns:dgm="http://schemas.openxmlformats.org/drawingml/2006/diagram" xmlns:o="urn:schemas-microsoft-com:office:office" xmlns:v="urn:schemas-microsoft-com:vml" xmlns:pvml="urn:schemas-microsoft-com:office:powerpoint" xmlns:com="http://schemas.openxmlformats.org/drawingml/2006/compatibility" xmlns:p14="http://schemas.microsoft.com/office/powerpoint/2010/main" xmlns:p15="http://schemas.microsoft.com/office/powerpoint/2012/main">
+<p:sld xmlns:a="http://schemas.openxmlformats.org/drawingml/2006/main" xmlns:r="http://schemas.openxmlformats.org/officeDocument/2006/relationships" xmlns:p="http://schemas.openxmlformats.org/presentationml/2006/main">
   <p:cSld>
     <p:spTree>
       <p:nvGrpSpPr>
-        <p:cNvPr id="86" name="Shape 86"/>
+        <p:cNvPr id="1" name="Shape 86"/>
         <p:cNvGrpSpPr/>
         <p:nvPr/>
       </p:nvGrpSpPr>
@@ -10799,7 +11028,9 @@
       <p:sp>
         <p:nvSpPr>
           <p:cNvPr id="87" name="Google Shape;87;p17"/>
-          <p:cNvSpPr txBox="1"/>
+          <p:cNvSpPr txBox="1">
+            <a:spLocks noGrp="1"/>
+          </p:cNvSpPr>
           <p:nvPr>
             <p:ph type="title"/>
           </p:nvPr>
@@ -10814,12 +11045,12 @@
           </a:prstGeom>
         </p:spPr>
         <p:txBody>
-          <a:bodyPr anchorCtr="0" anchor="ctr" bIns="45700" lIns="91425" spcFirstLastPara="1" rIns="91425" wrap="square" tIns="45700">
+          <a:bodyPr spcFirstLastPara="1" wrap="square" lIns="91425" tIns="45700" rIns="91425" bIns="45700" anchor="ctr" anchorCtr="0">
             <a:noAutofit/>
           </a:bodyPr>
           <a:lstStyle/>
           <a:p>
-            <a:pPr indent="0" lvl="0" marL="0" rtl="0" algn="l">
+            <a:pPr marL="0" lvl="0" indent="0" algn="l" rtl="0">
               <a:spcBef>
                 <a:spcPts val="0"/>
               </a:spcBef>
@@ -10844,9 +11075,11 @@
       <p:sp>
         <p:nvSpPr>
           <p:cNvPr id="88" name="Google Shape;88;p17"/>
-          <p:cNvSpPr txBox="1"/>
+          <p:cNvSpPr txBox="1">
+            <a:spLocks noGrp="1"/>
+          </p:cNvSpPr>
           <p:nvPr>
-            <p:ph idx="1" type="body"/>
+            <p:ph type="body" idx="1"/>
           </p:nvPr>
         </p:nvSpPr>
         <p:spPr>
@@ -10859,12 +11092,12 @@
           </a:prstGeom>
         </p:spPr>
         <p:txBody>
-          <a:bodyPr anchorCtr="0" anchor="t" bIns="45700" lIns="91425" spcFirstLastPara="1" rIns="91425" wrap="square" tIns="45700">
+          <a:bodyPr spcFirstLastPara="1" wrap="square" lIns="91425" tIns="45700" rIns="91425" bIns="45700" anchor="t" anchorCtr="0">
             <a:noAutofit/>
           </a:bodyPr>
           <a:lstStyle/>
           <a:p>
-            <a:pPr indent="-228600" lvl="0" marL="228600" rtl="0" algn="l">
+            <a:pPr marL="228600" lvl="0" indent="-228600" algn="l" rtl="0">
               <a:spcBef>
                 <a:spcPts val="1000"/>
               </a:spcBef>
@@ -10881,7 +11114,7 @@
             <a:endParaRPr/>
           </a:p>
           <a:p>
-            <a:pPr indent="-228600" lvl="1" marL="685800" rtl="0" algn="l">
+            <a:pPr marL="685800" lvl="1" indent="-228600" algn="l" rtl="0">
               <a:spcBef>
                 <a:spcPts val="500"/>
               </a:spcBef>
@@ -10898,7 +11131,7 @@
             <a:endParaRPr/>
           </a:p>
           <a:p>
-            <a:pPr indent="-228600" lvl="1" marL="685800" rtl="0" algn="l">
+            <a:pPr marL="685800" lvl="1" indent="-228600" algn="l" rtl="0">
               <a:spcBef>
                 <a:spcPts val="500"/>
               </a:spcBef>
@@ -10915,7 +11148,7 @@
             <a:endParaRPr/>
           </a:p>
           <a:p>
-            <a:pPr indent="-228600" lvl="1" marL="685800" rtl="0" algn="l">
+            <a:pPr marL="685800" lvl="1" indent="-228600" algn="l" rtl="0">
               <a:spcBef>
                 <a:spcPts val="500"/>
               </a:spcBef>
@@ -10932,7 +11165,7 @@
             <a:endParaRPr/>
           </a:p>
           <a:p>
-            <a:pPr indent="-228600" lvl="1" marL="685800" rtl="0" algn="l">
+            <a:pPr marL="685800" lvl="1" indent="-228600" algn="l" rtl="0">
               <a:spcBef>
                 <a:spcPts val="500"/>
               </a:spcBef>
@@ -10949,7 +11182,7 @@
             <a:endParaRPr/>
           </a:p>
           <a:p>
-            <a:pPr indent="-228600" lvl="0" marL="228600" rtl="0" algn="l">
+            <a:pPr marL="228600" lvl="0" indent="-228600" algn="l" rtl="0">
               <a:spcBef>
                 <a:spcPts val="1000"/>
               </a:spcBef>
@@ -10966,7 +11199,7 @@
             <a:endParaRPr/>
           </a:p>
           <a:p>
-            <a:pPr indent="-228600" lvl="1" marL="685800" rtl="0" algn="l">
+            <a:pPr marL="685800" lvl="1" indent="-228600" algn="l" rtl="0">
               <a:spcBef>
                 <a:spcPts val="500"/>
               </a:spcBef>
@@ -10983,7 +11216,7 @@
             <a:endParaRPr/>
           </a:p>
           <a:p>
-            <a:pPr indent="0" lvl="0" marL="0" rtl="0" algn="l">
+            <a:pPr marL="0" lvl="0" indent="0" algn="l" rtl="0">
               <a:spcBef>
                 <a:spcPts val="1000"/>
               </a:spcBef>
@@ -10992,9 +11225,6 @@
               </a:spcAft>
               <a:buNone/>
             </a:pPr>
-            <a:r>
-              <a:t/>
-            </a:r>
             <a:endParaRPr/>
           </a:p>
         </p:txBody>
@@ -11008,11 +11238,11 @@
 </file>
 
 <file path=ppt/slides/slide5.xml><?xml version="1.0" encoding="utf-8"?>
-<p:sld xmlns:a="http://schemas.openxmlformats.org/drawingml/2006/main" xmlns:r="http://schemas.openxmlformats.org/officeDocument/2006/relationships" xmlns:mc="http://schemas.openxmlformats.org/markup-compatibility/2006" xmlns:mv="urn:schemas-microsoft-com:mac:vml" xmlns:p="http://schemas.openxmlformats.org/presentationml/2006/main" xmlns:c="http://schemas.openxmlformats.org/drawingml/2006/chart" xmlns:dgm="http://schemas.openxmlformats.org/drawingml/2006/diagram" xmlns:o="urn:schemas-microsoft-com:office:office" xmlns:v="urn:schemas-microsoft-com:vml" xmlns:pvml="urn:schemas-microsoft-com:office:powerpoint" xmlns:com="http://schemas.openxmlformats.org/drawingml/2006/compatibility" xmlns:p14="http://schemas.microsoft.com/office/powerpoint/2010/main" xmlns:p15="http://schemas.microsoft.com/office/powerpoint/2012/main">
+<p:sld xmlns:a="http://schemas.openxmlformats.org/drawingml/2006/main" xmlns:r="http://schemas.openxmlformats.org/officeDocument/2006/relationships" xmlns:p="http://schemas.openxmlformats.org/presentationml/2006/main">
   <p:cSld>
     <p:spTree>
       <p:nvGrpSpPr>
-        <p:cNvPr id="92" name="Shape 92"/>
+        <p:cNvPr id="1" name="Shape 92"/>
         <p:cNvGrpSpPr/>
         <p:nvPr/>
       </p:nvGrpSpPr>
@@ -11027,7 +11257,9 @@
       <p:sp>
         <p:nvSpPr>
           <p:cNvPr id="93" name="Google Shape;93;p18"/>
-          <p:cNvSpPr txBox="1"/>
+          <p:cNvSpPr txBox="1">
+            <a:spLocks noGrp="1"/>
+          </p:cNvSpPr>
           <p:nvPr>
             <p:ph type="title"/>
           </p:nvPr>
@@ -11046,12 +11278,12 @@
           </a:ln>
         </p:spPr>
         <p:txBody>
-          <a:bodyPr anchorCtr="0" anchor="ctr" bIns="45700" lIns="91425" spcFirstLastPara="1" rIns="91425" wrap="square" tIns="45700">
+          <a:bodyPr spcFirstLastPara="1" wrap="square" lIns="91425" tIns="45700" rIns="91425" bIns="45700" anchor="ctr" anchorCtr="0">
             <a:noAutofit/>
           </a:bodyPr>
           <a:lstStyle/>
           <a:p>
-            <a:pPr indent="0" lvl="0" marL="0" marR="0" rtl="0" algn="l">
+            <a:pPr marL="0" marR="0" lvl="0" indent="0" algn="l" rtl="0">
               <a:lnSpc>
                 <a:spcPct val="90000"/>
               </a:lnSpc>
@@ -11069,7 +11301,7 @@
               <a:buNone/>
             </a:pPr>
             <a:r>
-              <a:rPr b="0" i="0" lang="en-US" sz="4400" u="none" cap="none" strike="noStrike">
+              <a:rPr lang="en-US" sz="4400" b="0" i="0" u="none" strike="noStrike" cap="none">
                 <a:solidFill>
                   <a:schemeClr val="dk1"/>
                 </a:solidFill>
@@ -11087,9 +11319,11 @@
       <p:sp>
         <p:nvSpPr>
           <p:cNvPr id="94" name="Google Shape;94;p18"/>
-          <p:cNvSpPr txBox="1"/>
+          <p:cNvSpPr txBox="1">
+            <a:spLocks noGrp="1"/>
+          </p:cNvSpPr>
           <p:nvPr>
-            <p:ph idx="1" type="body"/>
+            <p:ph type="body" idx="1"/>
           </p:nvPr>
         </p:nvSpPr>
         <p:spPr>
@@ -11106,12 +11340,12 @@
           </a:ln>
         </p:spPr>
         <p:txBody>
-          <a:bodyPr anchorCtr="0" anchor="t" bIns="45700" lIns="91425" spcFirstLastPara="1" rIns="91425" wrap="square" tIns="45700">
+          <a:bodyPr spcFirstLastPara="1" wrap="square" lIns="91425" tIns="45700" rIns="91425" bIns="45700" anchor="t" anchorCtr="0">
             <a:noAutofit/>
           </a:bodyPr>
           <a:lstStyle/>
           <a:p>
-            <a:pPr indent="-228600" lvl="0" marL="228600" marR="0" rtl="0" algn="l">
+            <a:pPr marL="228600" marR="0" lvl="0" indent="-228600" algn="l" rtl="0">
               <a:lnSpc>
                 <a:spcPct val="90000"/>
               </a:lnSpc>
@@ -11129,7 +11363,7 @@
               <a:buChar char="•"/>
             </a:pPr>
             <a:r>
-              <a:rPr b="0" i="0" lang="en-US" sz="2800" u="none" cap="none" strike="noStrike">
+              <a:rPr lang="en-US" sz="2800" b="0" i="0" u="none" strike="noStrike" cap="none">
                 <a:solidFill>
                   <a:schemeClr val="dk1"/>
                 </a:solidFill>
@@ -11143,7 +11377,7 @@
             <a:endParaRPr/>
           </a:p>
           <a:p>
-            <a:pPr indent="-228600" lvl="1" marL="685800" marR="0" rtl="0" algn="l">
+            <a:pPr marL="685800" marR="0" lvl="1" indent="-228600" algn="l" rtl="0">
               <a:lnSpc>
                 <a:spcPct val="90000"/>
               </a:lnSpc>
@@ -11167,7 +11401,7 @@
             <a:endParaRPr/>
           </a:p>
           <a:p>
-            <a:pPr indent="-228600" lvl="1" marL="685800" marR="0" rtl="0" algn="l">
+            <a:pPr marL="685800" marR="0" lvl="1" indent="-228600" algn="l" rtl="0">
               <a:lnSpc>
                 <a:spcPct val="90000"/>
               </a:lnSpc>
@@ -11186,20 +11420,12 @@
             </a:pPr>
             <a:r>
               <a:rPr lang="en-US"/>
-              <a:t>Rework left hand tabs: rename, reduce </a:t>
-            </a:r>
-            <a:r>
-              <a:rPr lang="en-US"/>
-              <a:t>redundancy</a:t>
-            </a:r>
-            <a:r>
-              <a:rPr lang="en-US"/>
-              <a:t>, etc. </a:t>
+              <a:t>Rework left hand tabs: rename, reduce redundancy, etc. </a:t>
             </a:r>
             <a:endParaRPr/>
           </a:p>
           <a:p>
-            <a:pPr indent="-228600" lvl="1" marL="685800" marR="0" rtl="0" algn="l">
+            <a:pPr marL="685800" marR="0" lvl="1" indent="-228600" algn="l" rtl="0">
               <a:lnSpc>
                 <a:spcPct val="90000"/>
               </a:lnSpc>
@@ -11223,7 +11449,7 @@
             <a:endParaRPr/>
           </a:p>
           <a:p>
-            <a:pPr indent="-228600" lvl="1" marL="685800" marR="0" rtl="0" algn="l">
+            <a:pPr marL="685800" marR="0" lvl="1" indent="-228600" algn="l" rtl="0">
               <a:lnSpc>
                 <a:spcPct val="90000"/>
               </a:lnSpc>
@@ -11247,7 +11473,7 @@
             <a:endParaRPr/>
           </a:p>
           <a:p>
-            <a:pPr indent="-228600" lvl="1" marL="685800" marR="0" rtl="0" algn="l">
+            <a:pPr marL="685800" marR="0" lvl="1" indent="-228600" algn="l" rtl="0">
               <a:lnSpc>
                 <a:spcPct val="90000"/>
               </a:lnSpc>
@@ -11271,7 +11497,7 @@
             <a:endParaRPr/>
           </a:p>
           <a:p>
-            <a:pPr indent="-228600" lvl="1" marL="685800" marR="0" rtl="0" algn="l">
+            <a:pPr marL="685800" marR="0" lvl="1" indent="-228600" algn="l" rtl="0">
               <a:lnSpc>
                 <a:spcPct val="90000"/>
               </a:lnSpc>
@@ -11305,11 +11531,11 @@
 </file>
 
 <file path=ppt/slides/slide6.xml><?xml version="1.0" encoding="utf-8"?>
-<p:sld xmlns:a="http://schemas.openxmlformats.org/drawingml/2006/main" xmlns:r="http://schemas.openxmlformats.org/officeDocument/2006/relationships" xmlns:mc="http://schemas.openxmlformats.org/markup-compatibility/2006" xmlns:mv="urn:schemas-microsoft-com:mac:vml" xmlns:p="http://schemas.openxmlformats.org/presentationml/2006/main" xmlns:c="http://schemas.openxmlformats.org/drawingml/2006/chart" xmlns:dgm="http://schemas.openxmlformats.org/drawingml/2006/diagram" xmlns:o="urn:schemas-microsoft-com:office:office" xmlns:v="urn:schemas-microsoft-com:vml" xmlns:pvml="urn:schemas-microsoft-com:office:powerpoint" xmlns:com="http://schemas.openxmlformats.org/drawingml/2006/compatibility" xmlns:p14="http://schemas.microsoft.com/office/powerpoint/2010/main" xmlns:p15="http://schemas.microsoft.com/office/powerpoint/2012/main">
+<p:sld xmlns:a="http://schemas.openxmlformats.org/drawingml/2006/main" xmlns:r="http://schemas.openxmlformats.org/officeDocument/2006/relationships" xmlns:p="http://schemas.openxmlformats.org/presentationml/2006/main">
   <p:cSld>
     <p:spTree>
       <p:nvGrpSpPr>
-        <p:cNvPr id="98" name="Shape 98"/>
+        <p:cNvPr id="1" name="Shape 98"/>
         <p:cNvGrpSpPr/>
         <p:nvPr/>
       </p:nvGrpSpPr>
@@ -11352,7 +11578,9 @@
       <p:sp>
         <p:nvSpPr>
           <p:cNvPr id="100" name="Google Shape;100;p19"/>
-          <p:cNvSpPr txBox="1"/>
+          <p:cNvSpPr txBox="1">
+            <a:spLocks noGrp="1"/>
+          </p:cNvSpPr>
           <p:nvPr>
             <p:ph type="title"/>
           </p:nvPr>
@@ -11367,12 +11595,12 @@
           </a:prstGeom>
         </p:spPr>
         <p:txBody>
-          <a:bodyPr anchorCtr="0" anchor="ctr" bIns="45700" lIns="91425" spcFirstLastPara="1" rIns="91425" wrap="square" tIns="45700">
+          <a:bodyPr spcFirstLastPara="1" wrap="square" lIns="91425" tIns="45700" rIns="91425" bIns="45700" anchor="ctr" anchorCtr="0">
             <a:noAutofit/>
           </a:bodyPr>
           <a:lstStyle/>
           <a:p>
-            <a:pPr indent="0" lvl="0" marL="0" rtl="0" algn="ctr">
+            <a:pPr marL="0" lvl="0" indent="0" algn="ctr" rtl="0">
               <a:spcBef>
                 <a:spcPts val="0"/>
               </a:spcBef>
@@ -11398,11 +11626,11 @@
 </file>
 
 <file path=ppt/slides/slide7.xml><?xml version="1.0" encoding="utf-8"?>
-<p:sld xmlns:a="http://schemas.openxmlformats.org/drawingml/2006/main" xmlns:r="http://schemas.openxmlformats.org/officeDocument/2006/relationships" xmlns:mc="http://schemas.openxmlformats.org/markup-compatibility/2006" xmlns:mv="urn:schemas-microsoft-com:mac:vml" xmlns:p="http://schemas.openxmlformats.org/presentationml/2006/main" xmlns:c="http://schemas.openxmlformats.org/drawingml/2006/chart" xmlns:dgm="http://schemas.openxmlformats.org/drawingml/2006/diagram" xmlns:o="urn:schemas-microsoft-com:office:office" xmlns:v="urn:schemas-microsoft-com:vml" xmlns:pvml="urn:schemas-microsoft-com:office:powerpoint" xmlns:com="http://schemas.openxmlformats.org/drawingml/2006/compatibility" xmlns:p14="http://schemas.microsoft.com/office/powerpoint/2010/main" xmlns:p15="http://schemas.microsoft.com/office/powerpoint/2012/main">
+<p:sld xmlns:a="http://schemas.openxmlformats.org/drawingml/2006/main" xmlns:r="http://schemas.openxmlformats.org/officeDocument/2006/relationships" xmlns:p="http://schemas.openxmlformats.org/presentationml/2006/main">
   <p:cSld>
     <p:spTree>
       <p:nvGrpSpPr>
-        <p:cNvPr id="104" name="Shape 104"/>
+        <p:cNvPr id="1" name="Shape 104"/>
         <p:cNvGrpSpPr/>
         <p:nvPr/>
       </p:nvGrpSpPr>
@@ -11417,7 +11645,9 @@
       <p:sp>
         <p:nvSpPr>
           <p:cNvPr id="105" name="Google Shape;105;p20"/>
-          <p:cNvSpPr txBox="1"/>
+          <p:cNvSpPr txBox="1">
+            <a:spLocks noGrp="1"/>
+          </p:cNvSpPr>
           <p:nvPr>
             <p:ph type="title"/>
           </p:nvPr>
@@ -11432,12 +11662,12 @@
           </a:prstGeom>
         </p:spPr>
         <p:txBody>
-          <a:bodyPr anchorCtr="0" anchor="ctr" bIns="45700" lIns="91425" spcFirstLastPara="1" rIns="91425" wrap="square" tIns="45700">
+          <a:bodyPr spcFirstLastPara="1" wrap="square" lIns="91425" tIns="45700" rIns="91425" bIns="45700" anchor="ctr" anchorCtr="0">
             <a:noAutofit/>
           </a:bodyPr>
           <a:lstStyle/>
           <a:p>
-            <a:pPr indent="0" lvl="0" marL="0" rtl="0" algn="ctr">
+            <a:pPr marL="0" lvl="0" indent="0" algn="ctr" rtl="0">
               <a:spcBef>
                 <a:spcPts val="0"/>
               </a:spcBef>
@@ -11491,11 +11721,11 @@
 </file>
 
 <file path=ppt/slides/slide8.xml><?xml version="1.0" encoding="utf-8"?>
-<p:sld xmlns:a="http://schemas.openxmlformats.org/drawingml/2006/main" xmlns:r="http://schemas.openxmlformats.org/officeDocument/2006/relationships" xmlns:mc="http://schemas.openxmlformats.org/markup-compatibility/2006" xmlns:mv="urn:schemas-microsoft-com:mac:vml" xmlns:p="http://schemas.openxmlformats.org/presentationml/2006/main" xmlns:c="http://schemas.openxmlformats.org/drawingml/2006/chart" xmlns:dgm="http://schemas.openxmlformats.org/drawingml/2006/diagram" xmlns:o="urn:schemas-microsoft-com:office:office" xmlns:v="urn:schemas-microsoft-com:vml" xmlns:pvml="urn:schemas-microsoft-com:office:powerpoint" xmlns:com="http://schemas.openxmlformats.org/drawingml/2006/compatibility" xmlns:p14="http://schemas.microsoft.com/office/powerpoint/2010/main" xmlns:p15="http://schemas.microsoft.com/office/powerpoint/2012/main">
+<p:sld xmlns:a="http://schemas.openxmlformats.org/drawingml/2006/main" xmlns:r="http://schemas.openxmlformats.org/officeDocument/2006/relationships" xmlns:p="http://schemas.openxmlformats.org/presentationml/2006/main">
   <p:cSld>
     <p:spTree>
       <p:nvGrpSpPr>
-        <p:cNvPr id="110" name="Shape 110"/>
+        <p:cNvPr id="1" name="Shape 110"/>
         <p:cNvGrpSpPr/>
         <p:nvPr/>
       </p:nvGrpSpPr>
@@ -11510,7 +11740,9 @@
       <p:sp>
         <p:nvSpPr>
           <p:cNvPr id="111" name="Google Shape;111;p21"/>
-          <p:cNvSpPr txBox="1"/>
+          <p:cNvSpPr txBox="1">
+            <a:spLocks noGrp="1"/>
+          </p:cNvSpPr>
           <p:nvPr>
             <p:ph type="title"/>
           </p:nvPr>
@@ -11525,12 +11757,12 @@
           </a:prstGeom>
         </p:spPr>
         <p:txBody>
-          <a:bodyPr anchorCtr="0" anchor="ctr" bIns="45700" lIns="91425" spcFirstLastPara="1" rIns="91425" wrap="square" tIns="45700">
+          <a:bodyPr spcFirstLastPara="1" wrap="square" lIns="91425" tIns="45700" rIns="91425" bIns="45700" anchor="ctr" anchorCtr="0">
             <a:noAutofit/>
           </a:bodyPr>
           <a:lstStyle/>
           <a:p>
-            <a:pPr indent="0" lvl="0" marL="0" rtl="0" algn="ctr">
+            <a:pPr marL="0" lvl="0" indent="0" algn="ctr" rtl="0">
               <a:spcBef>
                 <a:spcPts val="0"/>
               </a:spcBef>
@@ -11584,11 +11816,11 @@
 </file>
 
 <file path=ppt/slides/slide9.xml><?xml version="1.0" encoding="utf-8"?>
-<p:sld xmlns:a="http://schemas.openxmlformats.org/drawingml/2006/main" xmlns:r="http://schemas.openxmlformats.org/officeDocument/2006/relationships" xmlns:mc="http://schemas.openxmlformats.org/markup-compatibility/2006" xmlns:mv="urn:schemas-microsoft-com:mac:vml" xmlns:p="http://schemas.openxmlformats.org/presentationml/2006/main" xmlns:c="http://schemas.openxmlformats.org/drawingml/2006/chart" xmlns:dgm="http://schemas.openxmlformats.org/drawingml/2006/diagram" xmlns:o="urn:schemas-microsoft-com:office:office" xmlns:v="urn:schemas-microsoft-com:vml" xmlns:pvml="urn:schemas-microsoft-com:office:powerpoint" xmlns:com="http://schemas.openxmlformats.org/drawingml/2006/compatibility" xmlns:p14="http://schemas.microsoft.com/office/powerpoint/2010/main" xmlns:p15="http://schemas.microsoft.com/office/powerpoint/2012/main">
+<p:sld xmlns:a="http://schemas.openxmlformats.org/drawingml/2006/main" xmlns:r="http://schemas.openxmlformats.org/officeDocument/2006/relationships" xmlns:p="http://schemas.openxmlformats.org/presentationml/2006/main">
   <p:cSld>
     <p:spTree>
       <p:nvGrpSpPr>
-        <p:cNvPr id="116" name="Shape 116"/>
+        <p:cNvPr id="1" name="Shape 116"/>
         <p:cNvGrpSpPr/>
         <p:nvPr/>
       </p:nvGrpSpPr>
@@ -11603,7 +11835,9 @@
       <p:sp>
         <p:nvSpPr>
           <p:cNvPr id="117" name="Google Shape;117;p22"/>
-          <p:cNvSpPr txBox="1"/>
+          <p:cNvSpPr txBox="1">
+            <a:spLocks noGrp="1"/>
+          </p:cNvSpPr>
           <p:nvPr>
             <p:ph type="title"/>
           </p:nvPr>
@@ -11618,12 +11852,12 @@
           </a:prstGeom>
         </p:spPr>
         <p:txBody>
-          <a:bodyPr anchorCtr="0" anchor="ctr" bIns="45700" lIns="91425" spcFirstLastPara="1" rIns="91425" wrap="square" tIns="45700">
+          <a:bodyPr spcFirstLastPara="1" wrap="square" lIns="91425" tIns="45700" rIns="91425" bIns="45700" anchor="ctr" anchorCtr="0">
             <a:noAutofit/>
           </a:bodyPr>
           <a:lstStyle/>
           <a:p>
-            <a:pPr indent="0" lvl="0" marL="0" rtl="0" algn="l">
+            <a:pPr marL="0" lvl="0" indent="0" algn="l" rtl="0">
               <a:spcBef>
                 <a:spcPts val="0"/>
               </a:spcBef>
@@ -11677,7 +11911,7 @@
 </file>
 
 <file path=ppt/theme/theme1.xml><?xml version="1.0" encoding="utf-8"?>
-<a:theme xmlns:a="http://schemas.openxmlformats.org/drawingml/2006/main" xmlns:r="http://schemas.openxmlformats.org/officeDocument/2006/relationships" name="Marina">
+<a:theme xmlns:a="http://schemas.openxmlformats.org/drawingml/2006/main" name="Marina">
   <a:themeElements>
     <a:clrScheme name="Marina">
       <a:dk1>
@@ -11952,11 +12186,13 @@
       </a:bgFillStyleLst>
     </a:fmtScheme>
   </a:themeElements>
+  <a:objectDefaults/>
+  <a:extraClrSchemeLst/>
 </a:theme>
 </file>
 
 <file path=ppt/theme/theme2.xml><?xml version="1.0" encoding="utf-8"?>
-<a:theme xmlns:a="http://schemas.openxmlformats.org/drawingml/2006/main" xmlns:r="http://schemas.openxmlformats.org/officeDocument/2006/relationships">
+<a:theme xmlns:a="http://schemas.openxmlformats.org/drawingml/2006/main">
   <a:themeElements>
     <a:clrScheme name="Default">
       <a:dk1>
@@ -12231,5 +12467,7 @@
       </a:bgFillStyleLst>
     </a:fmtScheme>
   </a:themeElements>
+  <a:objectDefaults/>
+  <a:extraClrSchemeLst/>
 </a:theme>
 </file>